--- a/DynamicFilters2.pptx
+++ b/DynamicFilters2.pptx
@@ -32,9 +32,9 @@
     <p:sldId id="586" r:id="rId20"/>
     <p:sldId id="587" r:id="rId21"/>
     <p:sldId id="580" r:id="rId22"/>
-    <p:sldId id="579" r:id="rId23"/>
-    <p:sldId id="588" r:id="rId24"/>
-    <p:sldId id="581" r:id="rId25"/>
+    <p:sldId id="581" r:id="rId23"/>
+    <p:sldId id="579" r:id="rId24"/>
+    <p:sldId id="588" r:id="rId25"/>
     <p:sldId id="590" r:id="rId26"/>
     <p:sldId id="350" r:id="rId27"/>
     <p:sldId id="567" r:id="rId28"/>
@@ -162,9 +162,9 @@
             <p14:sldId id="586"/>
             <p14:sldId id="587"/>
             <p14:sldId id="580"/>
+            <p14:sldId id="581"/>
             <p14:sldId id="579"/>
             <p14:sldId id="588"/>
-            <p14:sldId id="581"/>
             <p14:sldId id="590"/>
             <p14:sldId id="350"/>
             <p14:sldId id="567"/>
@@ -3276,7 +3276,7 @@
           <a:p>
             <a:fld id="{61F4F17F-797E-F743-99C7-34FA65335D3C}" type="datetimeFigureOut">
               <a:rPr lang="en-US" smtClean="0"/>
-              <a:t>4/12/2019</a:t>
+              <a:t>4/20/2019</a:t>
             </a:fld>
             <a:endParaRPr lang="en-US"/>
           </a:p>
@@ -3442,7 +3442,7 @@
           <a:p>
             <a:fld id="{A76353FC-0869-45D3-95AF-CC29198471C2}" type="datetimeFigureOut">
               <a:rPr lang="en-US" smtClean="0"/>
-              <a:t>4/12/2019</a:t>
+              <a:t>4/20/2019</a:t>
             </a:fld>
             <a:endParaRPr lang="en-US"/>
           </a:p>
@@ -4029,7 +4029,15 @@
           <a:p>
             <a:r>
               <a:rPr lang="en-US" dirty="0"/>
-              <a:t>Note how the parameter collection is </a:t>
+              <a:t>Note how the </a:t>
+            </a:r>
+            <a:r>
+              <a:rPr lang="en-US" u="sng" dirty="0"/>
+              <a:t>parameter collection </a:t>
+            </a:r>
+            <a:r>
+              <a:rPr lang="en-US" dirty="0"/>
+              <a:t>is </a:t>
             </a:r>
             <a:r>
               <a:rPr lang="en-US" b="1" dirty="0"/>
@@ -4737,7 +4745,7 @@
           <a:p>
             <a:r>
               <a:rPr lang="en-US" dirty="0"/>
-              <a:t>Demo steps:</a:t>
+              <a:t>Alternative methods:</a:t>
             </a:r>
           </a:p>
           <a:p>
@@ -4746,7 +4754,34 @@
             </a:pPr>
             <a:r>
               <a:rPr lang="en-US" dirty="0"/>
-              <a:t>Demonstrate the GUI + SQL Profiler to capture resulting DB commands</a:t>
+              <a:t>Talk about recursive nested conditions with dynamic AND/OR setting.</a:t>
+            </a:r>
+          </a:p>
+          <a:p>
+            <a:pPr marL="228600" indent="-228600">
+              <a:buAutoNum type="arabicPeriod"/>
+            </a:pPr>
+            <a:r>
+              <a:rPr lang="en-US" dirty="0"/>
+              <a:t>Talk about various alternative methods:</a:t>
+            </a:r>
+          </a:p>
+          <a:p>
+            <a:pPr marL="685800" lvl="1" indent="-228600">
+              <a:buAutoNum type="arabicPeriod"/>
+            </a:pPr>
+            <a:r>
+              <a:rPr lang="en-US" dirty="0"/>
+              <a:t>Column -&gt; Operators vs. Column -&gt; Type -&gt; Operators</a:t>
+            </a:r>
+          </a:p>
+          <a:p>
+            <a:pPr marL="685800" lvl="1" indent="-228600">
+              <a:buAutoNum type="arabicPeriod"/>
+            </a:pPr>
+            <a:r>
+              <a:rPr lang="en-US" dirty="0"/>
+              <a:t>LINQ for SQL and other BL-only logic for parameter generation/parsing</a:t>
             </a:r>
           </a:p>
         </p:txBody>
@@ -4777,7 +4812,7 @@
     </p:spTree>
     <p:extLst>
       <p:ext uri="{BB962C8B-B14F-4D97-AF65-F5344CB8AC3E}">
-        <p14:creationId xmlns:p14="http://schemas.microsoft.com/office/powerpoint/2010/main" val="412368633"/>
+        <p14:creationId xmlns:p14="http://schemas.microsoft.com/office/powerpoint/2010/main" val="4035299044"/>
       </p:ext>
     </p:extLst>
   </p:cSld>
@@ -4924,12 +4959,12 @@
             </a:r>
           </a:p>
           <a:p>
-            <a:pPr marL="0" indent="0">
-              <a:buNone/>
+            <a:pPr marL="228600" indent="-228600">
+              <a:buAutoNum type="arabicPeriod"/>
             </a:pPr>
             <a:r>
               <a:rPr lang="en-US" dirty="0"/>
-              <a:t>2. Show tables ERD and contents of meta-data</a:t>
+              <a:t>Demonstrate the GUI + SQL Profiler to capture resulting DB commands</a:t>
             </a:r>
           </a:p>
         </p:txBody>
@@ -4960,7 +4995,7 @@
     </p:spTree>
     <p:extLst>
       <p:ext uri="{BB962C8B-B14F-4D97-AF65-F5344CB8AC3E}">
-        <p14:creationId xmlns:p14="http://schemas.microsoft.com/office/powerpoint/2010/main" val="1113233021"/>
+        <p14:creationId xmlns:p14="http://schemas.microsoft.com/office/powerpoint/2010/main" val="412368633"/>
       </p:ext>
     </p:extLst>
   </p:cSld>
@@ -5016,43 +5051,16 @@
           <a:p>
             <a:r>
               <a:rPr lang="en-US" dirty="0"/>
-              <a:t>Alternative methods:</a:t>
-            </a:r>
-          </a:p>
-          <a:p>
-            <a:pPr marL="228600" indent="-228600">
-              <a:buAutoNum type="arabicPeriod"/>
+              <a:t>Demo steps:</a:t>
+            </a:r>
+          </a:p>
+          <a:p>
+            <a:pPr marL="0" indent="0">
+              <a:buNone/>
             </a:pPr>
             <a:r>
               <a:rPr lang="en-US" dirty="0"/>
-              <a:t>Talk about recursive nested conditions with dynamic AND/OR setting.</a:t>
-            </a:r>
-          </a:p>
-          <a:p>
-            <a:pPr marL="228600" indent="-228600">
-              <a:buAutoNum type="arabicPeriod"/>
-            </a:pPr>
-            <a:r>
-              <a:rPr lang="en-US" dirty="0"/>
-              <a:t>Talk about various alternative methods:</a:t>
-            </a:r>
-          </a:p>
-          <a:p>
-            <a:pPr marL="685800" lvl="1" indent="-228600">
-              <a:buAutoNum type="arabicPeriod"/>
-            </a:pPr>
-            <a:r>
-              <a:rPr lang="en-US" dirty="0"/>
-              <a:t>Column -&gt; Operators vs. Column -&gt; Type -&gt; Operators</a:t>
-            </a:r>
-          </a:p>
-          <a:p>
-            <a:pPr marL="685800" lvl="1" indent="-228600">
-              <a:buAutoNum type="arabicPeriod"/>
-            </a:pPr>
-            <a:r>
-              <a:rPr lang="en-US" dirty="0"/>
-              <a:t>LINQ for SQL and other BL-only logic for parameter generation/parsing</a:t>
+              <a:t>2. Show tables ERD and contents of meta-data</a:t>
             </a:r>
           </a:p>
         </p:txBody>
@@ -5083,7 +5091,7 @@
     </p:spTree>
     <p:extLst>
       <p:ext uri="{BB962C8B-B14F-4D97-AF65-F5344CB8AC3E}">
-        <p14:creationId xmlns:p14="http://schemas.microsoft.com/office/powerpoint/2010/main" val="4035299044"/>
+        <p14:creationId xmlns:p14="http://schemas.microsoft.com/office/powerpoint/2010/main" val="1113233021"/>
       </p:ext>
     </p:extLst>
   </p:cSld>
@@ -5841,7 +5849,7 @@
             </a:pPr>
             <a:r>
               <a:rPr lang="en-US" dirty="0"/>
-              <a:t>Show a couple examples of output query code</a:t>
+              <a:t>See a couple examples of output query code</a:t>
             </a:r>
           </a:p>
         </p:txBody>
@@ -8210,7 +8218,7 @@
         </p:blipFill>
         <p:spPr>
           <a:xfrm>
-            <a:off x="3627734" y="3387655"/>
+            <a:off x="3627734" y="3786237"/>
             <a:ext cx="1816608" cy="1816608"/>
           </a:xfrm>
           <a:prstGeom prst="rect">
@@ -8230,7 +8238,7 @@
         </p:nvSpPr>
         <p:spPr>
           <a:xfrm>
-            <a:off x="220257" y="2309422"/>
+            <a:off x="220257" y="1242624"/>
             <a:ext cx="8730183" cy="706657"/>
           </a:xfrm>
         </p:spPr>
@@ -8319,7 +8327,7 @@
         </p:nvSpPr>
         <p:spPr>
           <a:xfrm>
-            <a:off x="3061182" y="3177400"/>
+            <a:off x="3061182" y="3517367"/>
             <a:ext cx="2949713" cy="453733"/>
           </a:xfrm>
           <a:prstGeom prst="rect">
@@ -8518,7 +8526,7 @@
                 <a:latin typeface="Calibri" panose="020F0502020204030204" pitchFamily="34" charset="0"/>
                 <a:cs typeface="Century Gothic"/>
               </a:rPr>
-              <a:t>Eitan Blumin</a:t>
+              <a:t> by Eitan Blumin</a:t>
             </a:r>
             <a:endParaRPr lang="en-US" sz="2000" dirty="0">
               <a:solidFill>
@@ -8558,7 +8566,7 @@
         </p:blipFill>
         <p:spPr>
           <a:xfrm>
-            <a:off x="220257" y="46892"/>
+            <a:off x="3954241" y="2051999"/>
             <a:ext cx="1163593" cy="1230908"/>
           </a:xfrm>
           <a:prstGeom prst="rect">
@@ -9769,7 +9777,7 @@
         </p:nvGrpSpPr>
         <p:grpSpPr>
           <a:xfrm>
-            <a:off x="3223845" y="3245747"/>
+            <a:off x="3270737" y="3151962"/>
             <a:ext cx="811761" cy="811761"/>
             <a:chOff x="2989383" y="2894055"/>
             <a:chExt cx="811761" cy="811761"/>
@@ -11218,6 +11226,58 @@
           </p:spPr>
         </p:pic>
       </p:grpSp>
+      <p:sp>
+        <p:nvSpPr>
+          <p:cNvPr id="8" name="Rectangle 7">
+            <a:extLst>
+              <a:ext uri="{FF2B5EF4-FFF2-40B4-BE49-F238E27FC236}">
+                <a16:creationId xmlns:a16="http://schemas.microsoft.com/office/drawing/2014/main" id="{7B768B87-2862-489D-AF5F-B9F64C38452B}"/>
+              </a:ext>
+            </a:extLst>
+          </p:cNvPr>
+          <p:cNvSpPr/>
+          <p:nvPr/>
+        </p:nvSpPr>
+        <p:spPr>
+          <a:xfrm>
+            <a:off x="452438" y="1385455"/>
+            <a:ext cx="6675193" cy="1979068"/>
+          </a:xfrm>
+          <a:prstGeom prst="rect">
+            <a:avLst/>
+          </a:prstGeom>
+          <a:noFill/>
+          <a:ln w="38100">
+            <a:solidFill>
+              <a:srgbClr val="05F170"/>
+            </a:solidFill>
+          </a:ln>
+        </p:spPr>
+        <p:style>
+          <a:lnRef idx="2">
+            <a:schemeClr val="accent1">
+              <a:shade val="50000"/>
+            </a:schemeClr>
+          </a:lnRef>
+          <a:fillRef idx="1">
+            <a:schemeClr val="accent1"/>
+          </a:fillRef>
+          <a:effectRef idx="0">
+            <a:schemeClr val="accent1"/>
+          </a:effectRef>
+          <a:fontRef idx="minor">
+            <a:schemeClr val="lt1"/>
+          </a:fontRef>
+        </p:style>
+        <p:txBody>
+          <a:bodyPr rtlCol="0" anchor="ctr"/>
+          <a:lstStyle/>
+          <a:p>
+            <a:pPr algn="ctr"/>
+            <a:endParaRPr lang="en-US"/>
+          </a:p>
+        </p:txBody>
+      </p:sp>
     </p:spTree>
     <p:extLst>
       <p:ext uri="{BB962C8B-B14F-4D97-AF65-F5344CB8AC3E}">
@@ -11228,6 +11288,92 @@
   <p:clrMapOvr>
     <a:masterClrMapping/>
   </p:clrMapOvr>
+  <p:timing>
+    <p:tnLst>
+      <p:par>
+        <p:cTn id="1" dur="indefinite" restart="never" nodeType="tmRoot">
+          <p:childTnLst>
+            <p:seq concurrent="1" nextAc="seek">
+              <p:cTn id="2" dur="indefinite" nodeType="mainSeq">
+                <p:childTnLst>
+                  <p:par>
+                    <p:cTn id="3" fill="hold">
+                      <p:stCondLst>
+                        <p:cond delay="indefinite"/>
+                      </p:stCondLst>
+                      <p:childTnLst>
+                        <p:par>
+                          <p:cTn id="4" fill="hold">
+                            <p:stCondLst>
+                              <p:cond delay="0"/>
+                            </p:stCondLst>
+                            <p:childTnLst>
+                              <p:par>
+                                <p:cTn id="5" presetID="21" presetClass="entr" presetSubtype="1" fill="hold" grpId="0" nodeType="clickEffect">
+                                  <p:stCondLst>
+                                    <p:cond delay="0"/>
+                                  </p:stCondLst>
+                                  <p:childTnLst>
+                                    <p:set>
+                                      <p:cBhvr>
+                                        <p:cTn id="6" dur="1" fill="hold">
+                                          <p:stCondLst>
+                                            <p:cond delay="0"/>
+                                          </p:stCondLst>
+                                        </p:cTn>
+                                        <p:tgtEl>
+                                          <p:spTgt spid="8"/>
+                                        </p:tgtEl>
+                                        <p:attrNameLst>
+                                          <p:attrName>style.visibility</p:attrName>
+                                        </p:attrNameLst>
+                                      </p:cBhvr>
+                                      <p:to>
+                                        <p:strVal val="visible"/>
+                                      </p:to>
+                                    </p:set>
+                                    <p:animEffect transition="in" filter="wheel(1)">
+                                      <p:cBhvr>
+                                        <p:cTn id="7" dur="1500"/>
+                                        <p:tgtEl>
+                                          <p:spTgt spid="8"/>
+                                        </p:tgtEl>
+                                      </p:cBhvr>
+                                    </p:animEffect>
+                                  </p:childTnLst>
+                                </p:cTn>
+                              </p:par>
+                            </p:childTnLst>
+                          </p:cTn>
+                        </p:par>
+                      </p:childTnLst>
+                    </p:cTn>
+                  </p:par>
+                </p:childTnLst>
+              </p:cTn>
+              <p:prevCondLst>
+                <p:cond evt="onPrev" delay="0">
+                  <p:tgtEl>
+                    <p:sldTgt/>
+                  </p:tgtEl>
+                </p:cond>
+              </p:prevCondLst>
+              <p:nextCondLst>
+                <p:cond evt="onNext" delay="0">
+                  <p:tgtEl>
+                    <p:sldTgt/>
+                  </p:tgtEl>
+                </p:cond>
+              </p:nextCondLst>
+            </p:seq>
+          </p:childTnLst>
+        </p:cTn>
+      </p:par>
+    </p:tnLst>
+    <p:bldLst>
+      <p:bldP spid="8" grpId="0" animBg="1"/>
+    </p:bldLst>
+  </p:timing>
 </p:sld>
 </file>
 
@@ -13762,10 +13908,10 @@
       </p:grpSp>
       <p:grpSp>
         <p:nvGrpSpPr>
-          <p:cNvPr id="25" name="Group 24">
+          <p:cNvPr id="17" name="Group 16">
             <a:extLst>
               <a:ext uri="{FF2B5EF4-FFF2-40B4-BE49-F238E27FC236}">
-                <a16:creationId xmlns:a16="http://schemas.microsoft.com/office/drawing/2014/main" id="{A0C4658E-806E-4C4D-962A-D577FE2DE607}"/>
+                <a16:creationId xmlns:a16="http://schemas.microsoft.com/office/drawing/2014/main" id="{221117EF-8604-41CB-AD6B-5456452C5320}"/>
               </a:ext>
             </a:extLst>
           </p:cNvPr>
@@ -13774,7 +13920,7 @@
         </p:nvGrpSpPr>
         <p:grpSpPr>
           <a:xfrm>
-            <a:off x="3223845" y="3245747"/>
+            <a:off x="3270737" y="3151962"/>
             <a:ext cx="811761" cy="811761"/>
             <a:chOff x="2989383" y="2894055"/>
             <a:chExt cx="811761" cy="811761"/>
@@ -13782,10 +13928,10 @@
         </p:grpSpPr>
         <p:pic>
           <p:nvPicPr>
-            <p:cNvPr id="26" name="Graphic 25" descr="Wrench">
+            <p:cNvPr id="31" name="Graphic 30" descr="Wrench">
               <a:extLst>
                 <a:ext uri="{FF2B5EF4-FFF2-40B4-BE49-F238E27FC236}">
-                  <a16:creationId xmlns:a16="http://schemas.microsoft.com/office/drawing/2014/main" id="{25F7B415-FE8C-43AD-A0D6-E543CFA437E8}"/>
+                  <a16:creationId xmlns:a16="http://schemas.microsoft.com/office/drawing/2014/main" id="{D099915E-EF89-4943-B01C-5C2872D76CA9}"/>
                 </a:ext>
               </a:extLst>
             </p:cNvPr>
@@ -13821,10 +13967,10 @@
         </p:pic>
         <p:pic>
           <p:nvPicPr>
-            <p:cNvPr id="27" name="Graphic 26" descr="Wrench">
+            <p:cNvPr id="32" name="Graphic 31" descr="Wrench">
               <a:extLst>
                 <a:ext uri="{FF2B5EF4-FFF2-40B4-BE49-F238E27FC236}">
-                  <a16:creationId xmlns:a16="http://schemas.microsoft.com/office/drawing/2014/main" id="{3106BC4F-228F-4FA8-9A2B-B4B52CA01896}"/>
+                  <a16:creationId xmlns:a16="http://schemas.microsoft.com/office/drawing/2014/main" id="{4AB9C6A4-DE5E-4E0E-ABBF-8884E8E58472}"/>
                 </a:ext>
               </a:extLst>
             </p:cNvPr>
@@ -13860,10 +14006,10 @@
         </p:pic>
         <p:pic>
           <p:nvPicPr>
-            <p:cNvPr id="28" name="Graphic 27" descr="Wrench">
+            <p:cNvPr id="33" name="Graphic 32" descr="Wrench">
               <a:extLst>
                 <a:ext uri="{FF2B5EF4-FFF2-40B4-BE49-F238E27FC236}">
-                  <a16:creationId xmlns:a16="http://schemas.microsoft.com/office/drawing/2014/main" id="{E50168A3-FA70-41CC-BC26-C7BC9BC94A1B}"/>
+                  <a16:creationId xmlns:a16="http://schemas.microsoft.com/office/drawing/2014/main" id="{5103B95F-2777-4392-9D98-81AAE89F7F99}"/>
                 </a:ext>
               </a:extLst>
             </p:cNvPr>
@@ -13973,20 +14119,12 @@
               <a:buChar char="•"/>
             </a:pPr>
             <a:r>
-              <a:rPr lang="en-US" dirty="0" err="1">
-                <a:solidFill>
-                  <a:srgbClr val="0070C0"/>
-                </a:solidFill>
-              </a:rPr>
-              <a:t>Paramete</a:t>
-            </a:r>
-            <a:r>
               <a:rPr lang="en-US" dirty="0">
                 <a:solidFill>
                   <a:srgbClr val="0070C0"/>
                 </a:solidFill>
               </a:rPr>
-              <a:t> Parser</a:t>
+              <a:t>Parameter Parser</a:t>
             </a:r>
           </a:p>
           <a:p>
@@ -20573,29 +20711,26 @@
         </p:nvSpPr>
         <p:spPr>
           <a:xfrm>
-            <a:off x="7523112" y="4316824"/>
-            <a:ext cx="1318062" cy="738664"/>
+            <a:off x="2954081" y="1170550"/>
+            <a:ext cx="3194799" cy="2062103"/>
           </a:xfrm>
           <a:prstGeom prst="rect">
             <a:avLst/>
           </a:prstGeom>
-          <a:noFill/>
-          <a:ln>
-            <a:noFill/>
-          </a:ln>
+          <a:ln/>
         </p:spPr>
         <p:style>
           <a:lnRef idx="0">
-            <a:scrgbClr r="0" g="0" b="0"/>
+            <a:schemeClr val="accent1"/>
           </a:lnRef>
-          <a:fillRef idx="0">
-            <a:scrgbClr r="0" g="0" b="0"/>
+          <a:fillRef idx="3">
+            <a:schemeClr val="accent1"/>
           </a:fillRef>
-          <a:effectRef idx="0">
-            <a:scrgbClr r="0" g="0" b="0"/>
+          <a:effectRef idx="3">
+            <a:schemeClr val="accent1"/>
           </a:effectRef>
           <a:fontRef idx="minor">
-            <a:schemeClr val="accent2"/>
+            <a:schemeClr val="lt1"/>
           </a:fontRef>
         </p:style>
         <p:txBody>
@@ -20609,12 +20744,12 @@
               <a:buChar char="•"/>
             </a:pPr>
             <a:r>
-              <a:rPr lang="en-US" sz="1400" dirty="0">
+              <a:rPr lang="en-US" sz="3200" dirty="0">
                 <a:solidFill>
-                  <a:srgbClr val="0070C0"/>
+                  <a:schemeClr val="bg1"/>
                 </a:solidFill>
               </a:rPr>
-              <a:t>XML</a:t>
+              <a:t>XML      &lt;/&gt;</a:t>
             </a:r>
           </a:p>
           <a:p>
@@ -20623,12 +20758,12 @@
               <a:buChar char="•"/>
             </a:pPr>
             <a:r>
-              <a:rPr lang="en-US" sz="1400" dirty="0">
+              <a:rPr lang="en-US" sz="3200" dirty="0">
                 <a:solidFill>
-                  <a:srgbClr val="0070C0"/>
+                  <a:schemeClr val="bg1"/>
                 </a:solidFill>
               </a:rPr>
-              <a:t>JSON</a:t>
+              <a:t>JSON      { }</a:t>
             </a:r>
           </a:p>
           <a:p>
@@ -20637,12 +20772,26 @@
               <a:buChar char="•"/>
             </a:pPr>
             <a:r>
-              <a:rPr lang="en-US" sz="1400" dirty="0">
+              <a:rPr lang="en-US" sz="3200" dirty="0">
                 <a:solidFill>
-                  <a:srgbClr val="0070C0"/>
+                  <a:schemeClr val="bg1"/>
                 </a:solidFill>
               </a:rPr>
-              <a:t>TVP</a:t>
+              <a:t>TVP       @T</a:t>
+            </a:r>
+          </a:p>
+          <a:p>
+            <a:pPr marL="285750" indent="-285750">
+              <a:buFont typeface="Arial" panose="020B0604020202020204" pitchFamily="34" charset="0"/>
+              <a:buChar char="•"/>
+            </a:pPr>
+            <a:r>
+              <a:rPr lang="en-US" sz="3200" dirty="0">
+                <a:solidFill>
+                  <a:schemeClr val="bg1"/>
+                </a:solidFill>
+              </a:rPr>
+              <a:t>CLR        ???</a:t>
             </a:r>
           </a:p>
         </p:txBody>
@@ -20658,21 +20807,29 @@
           </p:cNvPr>
           <p:cNvCxnSpPr>
             <a:cxnSpLocks/>
-            <a:endCxn id="37" idx="0"/>
+            <a:stCxn id="2" idx="1"/>
+            <a:endCxn id="37" idx="2"/>
           </p:cNvCxnSpPr>
           <p:nvPr/>
         </p:nvCxnSpPr>
         <p:spPr>
-          <a:xfrm>
-            <a:off x="8182143" y="4148377"/>
-            <a:ext cx="0" cy="168447"/>
+          <a:xfrm flipH="1" flipV="1">
+            <a:off x="4551481" y="3232653"/>
+            <a:ext cx="2775442" cy="825051"/>
           </a:xfrm>
           <a:prstGeom prst="straightConnector1">
             <a:avLst/>
           </a:prstGeom>
-          <a:ln w="28575">
+          <a:ln w="57150">
             <a:tailEnd type="triangle"/>
           </a:ln>
+          <a:effectLst>
+            <a:outerShdw blurRad="50800" dist="38100" dir="5400000" algn="t" rotWithShape="0">
+              <a:prstClr val="black">
+                <a:alpha val="40000"/>
+              </a:prstClr>
+            </a:outerShdw>
+          </a:effectLst>
         </p:spPr>
         <p:style>
           <a:lnRef idx="1">
@@ -20728,6 +20885,56 @@
           </a:prstGeom>
         </p:spPr>
       </p:pic>
+      <p:sp>
+        <p:nvSpPr>
+          <p:cNvPr id="2" name="Rectangle 1">
+            <a:extLst>
+              <a:ext uri="{FF2B5EF4-FFF2-40B4-BE49-F238E27FC236}">
+                <a16:creationId xmlns:a16="http://schemas.microsoft.com/office/drawing/2014/main" id="{4F594694-94D9-4F86-8AD0-B9FDDD4415CB}"/>
+              </a:ext>
+            </a:extLst>
+          </p:cNvPr>
+          <p:cNvSpPr/>
+          <p:nvPr/>
+        </p:nvSpPr>
+        <p:spPr>
+          <a:xfrm>
+            <a:off x="7326923" y="3907570"/>
+            <a:ext cx="1057562" cy="300267"/>
+          </a:xfrm>
+          <a:prstGeom prst="rect">
+            <a:avLst/>
+          </a:prstGeom>
+          <a:noFill/>
+          <a:ln>
+            <a:solidFill>
+              <a:srgbClr val="FF0000"/>
+            </a:solidFill>
+          </a:ln>
+        </p:spPr>
+        <p:style>
+          <a:lnRef idx="2">
+            <a:schemeClr val="accent6"/>
+          </a:lnRef>
+          <a:fillRef idx="1">
+            <a:schemeClr val="lt1"/>
+          </a:fillRef>
+          <a:effectRef idx="0">
+            <a:schemeClr val="accent6"/>
+          </a:effectRef>
+          <a:fontRef idx="minor">
+            <a:schemeClr val="dk1"/>
+          </a:fontRef>
+        </p:style>
+        <p:txBody>
+          <a:bodyPr rtlCol="0" anchor="ctr"/>
+          <a:lstStyle/>
+          <a:p>
+            <a:pPr algn="ctr"/>
+            <a:endParaRPr lang="en-US"/>
+          </a:p>
+        </p:txBody>
+      </p:sp>
     </p:spTree>
     <p:extLst>
       <p:ext uri="{BB962C8B-B14F-4D97-AF65-F5344CB8AC3E}">
@@ -21269,7 +21476,7 @@
                             </p:stCondLst>
                             <p:childTnLst>
                               <p:par>
-                                <p:cTn id="37" presetID="22" presetClass="entr" presetSubtype="1" fill="hold" nodeType="afterEffect">
+                                <p:cTn id="37" presetID="21" presetClass="entr" presetSubtype="1" fill="hold" grpId="0" nodeType="afterEffect">
                                   <p:stCondLst>
                                     <p:cond delay="0"/>
                                   </p:stCondLst>
@@ -21277,6 +21484,50 @@
                                     <p:set>
                                       <p:cBhvr>
                                         <p:cTn id="38" dur="1" fill="hold">
+                                          <p:stCondLst>
+                                            <p:cond delay="0"/>
+                                          </p:stCondLst>
+                                        </p:cTn>
+                                        <p:tgtEl>
+                                          <p:spTgt spid="2"/>
+                                        </p:tgtEl>
+                                        <p:attrNameLst>
+                                          <p:attrName>style.visibility</p:attrName>
+                                        </p:attrNameLst>
+                                      </p:cBhvr>
+                                      <p:to>
+                                        <p:strVal val="visible"/>
+                                      </p:to>
+                                    </p:set>
+                                    <p:animEffect transition="in" filter="wheel(1)">
+                                      <p:cBhvr>
+                                        <p:cTn id="39" dur="2000"/>
+                                        <p:tgtEl>
+                                          <p:spTgt spid="2"/>
+                                        </p:tgtEl>
+                                      </p:cBhvr>
+                                    </p:animEffect>
+                                  </p:childTnLst>
+                                </p:cTn>
+                              </p:par>
+                            </p:childTnLst>
+                          </p:cTn>
+                        </p:par>
+                        <p:par>
+                          <p:cTn id="40" fill="hold">
+                            <p:stCondLst>
+                              <p:cond delay="3000"/>
+                            </p:stCondLst>
+                            <p:childTnLst>
+                              <p:par>
+                                <p:cTn id="41" presetID="22" presetClass="entr" presetSubtype="4" fill="hold" nodeType="afterEffect">
+                                  <p:stCondLst>
+                                    <p:cond delay="0"/>
+                                  </p:stCondLst>
+                                  <p:childTnLst>
+                                    <p:set>
+                                      <p:cBhvr>
+                                        <p:cTn id="42" dur="1" fill="hold">
                                           <p:stCondLst>
                                             <p:cond delay="0"/>
                                           </p:stCondLst>
@@ -21292,9 +21543,9 @@
                                         <p:strVal val="visible"/>
                                       </p:to>
                                     </p:set>
-                                    <p:animEffect transition="in" filter="wipe(up)">
+                                    <p:animEffect transition="in" filter="wipe(down)">
                                       <p:cBhvr>
-                                        <p:cTn id="39" dur="1000"/>
+                                        <p:cTn id="43" dur="1000"/>
                                         <p:tgtEl>
                                           <p:spTgt spid="38"/>
                                         </p:tgtEl>
@@ -21307,20 +21558,68 @@
                           </p:cTn>
                         </p:par>
                         <p:par>
-                          <p:cTn id="40" fill="hold">
+                          <p:cTn id="44" fill="hold">
                             <p:stCondLst>
-                              <p:cond delay="2000"/>
+                              <p:cond delay="4000"/>
                             </p:stCondLst>
                             <p:childTnLst>
                               <p:par>
-                                <p:cTn id="41" presetID="22" presetClass="entr" presetSubtype="1" fill="hold" grpId="0" nodeType="afterEffect">
+                                <p:cTn id="45" presetID="22" presetClass="entr" presetSubtype="1" fill="hold" grpId="0" nodeType="afterEffect">
                                   <p:stCondLst>
                                     <p:cond delay="0"/>
                                   </p:stCondLst>
                                   <p:childTnLst>
                                     <p:set>
                                       <p:cBhvr>
-                                        <p:cTn id="42" dur="1" fill="hold">
+                                        <p:cTn id="46" dur="1" fill="hold">
+                                          <p:stCondLst>
+                                            <p:cond delay="0"/>
+                                          </p:stCondLst>
+                                        </p:cTn>
+                                        <p:tgtEl>
+                                          <p:spTgt spid="37">
+                                            <p:bg/>
+                                          </p:spTgt>
+                                        </p:tgtEl>
+                                        <p:attrNameLst>
+                                          <p:attrName>style.visibility</p:attrName>
+                                        </p:attrNameLst>
+                                      </p:cBhvr>
+                                      <p:to>
+                                        <p:strVal val="visible"/>
+                                      </p:to>
+                                    </p:set>
+                                    <p:animEffect transition="in" filter="wipe(up)">
+                                      <p:cBhvr>
+                                        <p:cTn id="47" dur="500"/>
+                                        <p:tgtEl>
+                                          <p:spTgt spid="37">
+                                            <p:bg/>
+                                          </p:spTgt>
+                                        </p:tgtEl>
+                                      </p:cBhvr>
+                                    </p:animEffect>
+                                  </p:childTnLst>
+                                </p:cTn>
+                              </p:par>
+                            </p:childTnLst>
+                          </p:cTn>
+                        </p:par>
+                        <p:par>
+                          <p:cTn id="48" fill="hold">
+                            <p:stCondLst>
+                              <p:cond delay="4500"/>
+                            </p:stCondLst>
+                            <p:childTnLst>
+                              <p:par>
+                                <p:cTn id="49" presetID="22" presetClass="entr" presetSubtype="1" fill="hold" grpId="0" nodeType="afterEffect">
+                                  <p:stCondLst>
+                                    <p:cond delay="0"/>
+                                  </p:stCondLst>
+                                  <p:childTnLst>
+                                    <p:set>
+                                      <p:cBhvr>
+                                        <p:cTn id="50" dur="1" fill="hold">
                                           <p:stCondLst>
                                             <p:cond delay="0"/>
                                           </p:stCondLst>
@@ -21342,7 +21641,7 @@
                                     </p:set>
                                     <p:animEffect transition="in" filter="wipe(up)">
                                       <p:cBhvr>
-                                        <p:cTn id="43" dur="500"/>
+                                        <p:cTn id="51" dur="500"/>
                                         <p:tgtEl>
                                           <p:spTgt spid="37">
                                             <p:txEl>
@@ -21359,20 +21658,20 @@
                           </p:cTn>
                         </p:par>
                         <p:par>
-                          <p:cTn id="44" fill="hold">
+                          <p:cTn id="52" fill="hold">
                             <p:stCondLst>
-                              <p:cond delay="2500"/>
+                              <p:cond delay="5000"/>
                             </p:stCondLst>
                             <p:childTnLst>
                               <p:par>
-                                <p:cTn id="45" presetID="22" presetClass="entr" presetSubtype="1" fill="hold" grpId="0" nodeType="afterEffect">
+                                <p:cTn id="53" presetID="22" presetClass="entr" presetSubtype="1" fill="hold" grpId="0" nodeType="afterEffect">
                                   <p:stCondLst>
                                     <p:cond delay="0"/>
                                   </p:stCondLst>
                                   <p:childTnLst>
                                     <p:set>
                                       <p:cBhvr>
-                                        <p:cTn id="46" dur="1" fill="hold">
+                                        <p:cTn id="54" dur="1" fill="hold">
                                           <p:stCondLst>
                                             <p:cond delay="0"/>
                                           </p:stCondLst>
@@ -21394,7 +21693,7 @@
                                     </p:set>
                                     <p:animEffect transition="in" filter="wipe(up)">
                                       <p:cBhvr>
-                                        <p:cTn id="47" dur="500"/>
+                                        <p:cTn id="55" dur="500"/>
                                         <p:tgtEl>
                                           <p:spTgt spid="37">
                                             <p:txEl>
@@ -21411,20 +21710,20 @@
                           </p:cTn>
                         </p:par>
                         <p:par>
-                          <p:cTn id="48" fill="hold">
+                          <p:cTn id="56" fill="hold">
                             <p:stCondLst>
-                              <p:cond delay="3000"/>
+                              <p:cond delay="5500"/>
                             </p:stCondLst>
                             <p:childTnLst>
                               <p:par>
-                                <p:cTn id="49" presetID="22" presetClass="entr" presetSubtype="1" fill="hold" grpId="0" nodeType="afterEffect">
+                                <p:cTn id="57" presetID="22" presetClass="entr" presetSubtype="1" fill="hold" grpId="0" nodeType="afterEffect">
                                   <p:stCondLst>
                                     <p:cond delay="0"/>
                                   </p:stCondLst>
                                   <p:childTnLst>
                                     <p:set>
                                       <p:cBhvr>
-                                        <p:cTn id="50" dur="1" fill="hold">
+                                        <p:cTn id="58" dur="1" fill="hold">
                                           <p:stCondLst>
                                             <p:cond delay="0"/>
                                           </p:stCondLst>
@@ -21446,11 +21745,63 @@
                                     </p:set>
                                     <p:animEffect transition="in" filter="wipe(up)">
                                       <p:cBhvr>
-                                        <p:cTn id="51" dur="500"/>
+                                        <p:cTn id="59" dur="500"/>
                                         <p:tgtEl>
                                           <p:spTgt spid="37">
                                             <p:txEl>
                                               <p:pRg st="2" end="2"/>
+                                            </p:txEl>
+                                          </p:spTgt>
+                                        </p:tgtEl>
+                                      </p:cBhvr>
+                                    </p:animEffect>
+                                  </p:childTnLst>
+                                </p:cTn>
+                              </p:par>
+                            </p:childTnLst>
+                          </p:cTn>
+                        </p:par>
+                        <p:par>
+                          <p:cTn id="60" fill="hold">
+                            <p:stCondLst>
+                              <p:cond delay="6000"/>
+                            </p:stCondLst>
+                            <p:childTnLst>
+                              <p:par>
+                                <p:cTn id="61" presetID="22" presetClass="entr" presetSubtype="1" fill="hold" grpId="0" nodeType="afterEffect">
+                                  <p:stCondLst>
+                                    <p:cond delay="0"/>
+                                  </p:stCondLst>
+                                  <p:childTnLst>
+                                    <p:set>
+                                      <p:cBhvr>
+                                        <p:cTn id="62" dur="1" fill="hold">
+                                          <p:stCondLst>
+                                            <p:cond delay="0"/>
+                                          </p:stCondLst>
+                                        </p:cTn>
+                                        <p:tgtEl>
+                                          <p:spTgt spid="37">
+                                            <p:txEl>
+                                              <p:pRg st="3" end="3"/>
+                                            </p:txEl>
+                                          </p:spTgt>
+                                        </p:tgtEl>
+                                        <p:attrNameLst>
+                                          <p:attrName>style.visibility</p:attrName>
+                                        </p:attrNameLst>
+                                      </p:cBhvr>
+                                      <p:to>
+                                        <p:strVal val="visible"/>
+                                      </p:to>
+                                    </p:set>
+                                    <p:animEffect transition="in" filter="wipe(up)">
+                                      <p:cBhvr>
+                                        <p:cTn id="63" dur="500"/>
+                                        <p:tgtEl>
+                                          <p:spTgt spid="37">
+                                            <p:txEl>
+                                              <p:pRg st="3" end="3"/>
                                             </p:txEl>
                                           </p:spTgt>
                                         </p:tgtEl>
@@ -21491,7 +21842,8 @@
       <p:bldP spid="29" grpId="1" animBg="1"/>
       <p:bldP spid="34" grpId="0" animBg="1"/>
       <p:bldP spid="34" grpId="1" animBg="1"/>
-      <p:bldP spid="37" grpId="0" build="p"/>
+      <p:bldP spid="37" grpId="0" build="p" animBg="1"/>
+      <p:bldP spid="2" grpId="0" animBg="1"/>
     </p:bldLst>
   </p:timing>
 </p:sld>
@@ -22313,272 +22665,6 @@
       </p:grpSpPr>
       <p:sp>
         <p:nvSpPr>
-          <p:cNvPr id="2" name="Title 1">
-            <a:extLst>
-              <a:ext uri="{FF2B5EF4-FFF2-40B4-BE49-F238E27FC236}">
-                <a16:creationId xmlns:a16="http://schemas.microsoft.com/office/drawing/2014/main" id="{00AE6D5F-AD7E-416E-945B-E7A98B71FDBA}"/>
-              </a:ext>
-            </a:extLst>
-          </p:cNvPr>
-          <p:cNvSpPr>
-            <a:spLocks noGrp="1"/>
-          </p:cNvSpPr>
-          <p:nvPr>
-            <p:ph type="ctrTitle"/>
-          </p:nvPr>
-        </p:nvSpPr>
-        <p:spPr>
-          <a:xfrm>
-            <a:off x="4572000" y="423946"/>
-            <a:ext cx="4445659" cy="706657"/>
-          </a:xfrm>
-        </p:spPr>
-        <p:txBody>
-          <a:bodyPr/>
-          <a:lstStyle/>
-          <a:p>
-            <a:r>
-              <a:rPr lang="en-US" sz="3600" dirty="0"/>
-              <a:t>Let’s see it in action!</a:t>
-            </a:r>
-          </a:p>
-        </p:txBody>
-      </p:sp>
-      <p:pic>
-        <p:nvPicPr>
-          <p:cNvPr id="4" name="Picture 3">
-            <a:extLst>
-              <a:ext uri="{FF2B5EF4-FFF2-40B4-BE49-F238E27FC236}">
-                <a16:creationId xmlns:a16="http://schemas.microsoft.com/office/drawing/2014/main" id="{635DEF74-0B1A-4134-99D2-8132560BE656}"/>
-              </a:ext>
-            </a:extLst>
-          </p:cNvPr>
-          <p:cNvPicPr>
-            <a:picLocks noChangeAspect="1"/>
-          </p:cNvPicPr>
-          <p:nvPr/>
-        </p:nvPicPr>
-        <p:blipFill rotWithShape="1">
-          <a:blip r:embed="rId3" cstate="print">
-            <a:extLst>
-              <a:ext uri="{28A0092B-C50C-407E-A947-70E740481C1C}">
-                <a14:useLocalDpi xmlns:a14="http://schemas.microsoft.com/office/drawing/2010/main" val="0"/>
-              </a:ext>
-            </a:extLst>
-          </a:blip>
-          <a:srcRect/>
-          <a:stretch/>
-        </p:blipFill>
-        <p:spPr>
-          <a:xfrm>
-            <a:off x="0" y="4595356"/>
-            <a:ext cx="1061163" cy="504794"/>
-          </a:xfrm>
-          <a:prstGeom prst="rect">
-            <a:avLst/>
-          </a:prstGeom>
-        </p:spPr>
-      </p:pic>
-      <p:sp>
-        <p:nvSpPr>
-          <p:cNvPr id="3" name="TextBox 2">
-            <a:extLst>
-              <a:ext uri="{FF2B5EF4-FFF2-40B4-BE49-F238E27FC236}">
-                <a16:creationId xmlns:a16="http://schemas.microsoft.com/office/drawing/2014/main" id="{FB6E2303-D50A-4A10-A751-1E4919C9D24F}"/>
-              </a:ext>
-            </a:extLst>
-          </p:cNvPr>
-          <p:cNvSpPr txBox="1"/>
-          <p:nvPr/>
-        </p:nvSpPr>
-        <p:spPr>
-          <a:xfrm>
-            <a:off x="4572000" y="2202418"/>
-            <a:ext cx="4445659" cy="369332"/>
-          </a:xfrm>
-          <a:prstGeom prst="rect">
-            <a:avLst/>
-          </a:prstGeom>
-          <a:noFill/>
-        </p:spPr>
-        <p:txBody>
-          <a:bodyPr wrap="square" rtlCol="0">
-            <a:spAutoFit/>
-          </a:bodyPr>
-          <a:lstStyle/>
-          <a:p>
-            <a:r>
-              <a:rPr lang="en-US" dirty="0"/>
-              <a:t>1. Demo web GUI + SQL Profiler</a:t>
-            </a:r>
-          </a:p>
-        </p:txBody>
-      </p:sp>
-    </p:spTree>
-    <p:extLst>
-      <p:ext uri="{BB962C8B-B14F-4D97-AF65-F5344CB8AC3E}">
-        <p14:creationId xmlns:p14="http://schemas.microsoft.com/office/powerpoint/2010/main" val="3633769740"/>
-      </p:ext>
-    </p:extLst>
-  </p:cSld>
-  <p:clrMapOvr>
-    <a:masterClrMapping/>
-  </p:clrMapOvr>
-</p:sld>
-</file>
-
-<file path=ppt/slides/slide23.xml><?xml version="1.0" encoding="utf-8"?>
-<p:sld xmlns:a="http://schemas.openxmlformats.org/drawingml/2006/main" xmlns:r="http://schemas.openxmlformats.org/officeDocument/2006/relationships" xmlns:p="http://schemas.openxmlformats.org/presentationml/2006/main">
-  <p:cSld>
-    <p:spTree>
-      <p:nvGrpSpPr>
-        <p:cNvPr id="1" name=""/>
-        <p:cNvGrpSpPr/>
-        <p:nvPr/>
-      </p:nvGrpSpPr>
-      <p:grpSpPr>
-        <a:xfrm>
-          <a:off x="0" y="0"/>
-          <a:ext cx="0" cy="0"/>
-          <a:chOff x="0" y="0"/>
-          <a:chExt cx="0" cy="0"/>
-        </a:xfrm>
-      </p:grpSpPr>
-      <p:sp>
-        <p:nvSpPr>
-          <p:cNvPr id="2" name="Title 1">
-            <a:extLst>
-              <a:ext uri="{FF2B5EF4-FFF2-40B4-BE49-F238E27FC236}">
-                <a16:creationId xmlns:a16="http://schemas.microsoft.com/office/drawing/2014/main" id="{00AE6D5F-AD7E-416E-945B-E7A98B71FDBA}"/>
-              </a:ext>
-            </a:extLst>
-          </p:cNvPr>
-          <p:cNvSpPr>
-            <a:spLocks noGrp="1"/>
-          </p:cNvSpPr>
-          <p:nvPr>
-            <p:ph type="ctrTitle"/>
-          </p:nvPr>
-        </p:nvSpPr>
-        <p:spPr>
-          <a:xfrm>
-            <a:off x="4572000" y="423946"/>
-            <a:ext cx="4445659" cy="706657"/>
-          </a:xfrm>
-        </p:spPr>
-        <p:txBody>
-          <a:bodyPr/>
-          <a:lstStyle/>
-          <a:p>
-            <a:r>
-              <a:rPr lang="en-US" sz="3600" dirty="0"/>
-              <a:t>Let’s see it in action!</a:t>
-            </a:r>
-          </a:p>
-        </p:txBody>
-      </p:sp>
-      <p:pic>
-        <p:nvPicPr>
-          <p:cNvPr id="4" name="Picture 3">
-            <a:extLst>
-              <a:ext uri="{FF2B5EF4-FFF2-40B4-BE49-F238E27FC236}">
-                <a16:creationId xmlns:a16="http://schemas.microsoft.com/office/drawing/2014/main" id="{635DEF74-0B1A-4134-99D2-8132560BE656}"/>
-              </a:ext>
-            </a:extLst>
-          </p:cNvPr>
-          <p:cNvPicPr>
-            <a:picLocks noChangeAspect="1"/>
-          </p:cNvPicPr>
-          <p:nvPr/>
-        </p:nvPicPr>
-        <p:blipFill rotWithShape="1">
-          <a:blip r:embed="rId3" cstate="print">
-            <a:extLst>
-              <a:ext uri="{28A0092B-C50C-407E-A947-70E740481C1C}">
-                <a14:useLocalDpi xmlns:a14="http://schemas.microsoft.com/office/drawing/2010/main" val="0"/>
-              </a:ext>
-            </a:extLst>
-          </a:blip>
-          <a:srcRect/>
-          <a:stretch/>
-        </p:blipFill>
-        <p:spPr>
-          <a:xfrm>
-            <a:off x="0" y="4595356"/>
-            <a:ext cx="1061163" cy="504794"/>
-          </a:xfrm>
-          <a:prstGeom prst="rect">
-            <a:avLst/>
-          </a:prstGeom>
-        </p:spPr>
-      </p:pic>
-      <p:sp>
-        <p:nvSpPr>
-          <p:cNvPr id="3" name="TextBox 2">
-            <a:extLst>
-              <a:ext uri="{FF2B5EF4-FFF2-40B4-BE49-F238E27FC236}">
-                <a16:creationId xmlns:a16="http://schemas.microsoft.com/office/drawing/2014/main" id="{FB6E2303-D50A-4A10-A751-1E4919C9D24F}"/>
-              </a:ext>
-            </a:extLst>
-          </p:cNvPr>
-          <p:cNvSpPr txBox="1"/>
-          <p:nvPr/>
-        </p:nvSpPr>
-        <p:spPr>
-          <a:xfrm>
-            <a:off x="4572000" y="2202418"/>
-            <a:ext cx="4445659" cy="369332"/>
-          </a:xfrm>
-          <a:prstGeom prst="rect">
-            <a:avLst/>
-          </a:prstGeom>
-          <a:noFill/>
-        </p:spPr>
-        <p:txBody>
-          <a:bodyPr wrap="square" rtlCol="0">
-            <a:spAutoFit/>
-          </a:bodyPr>
-          <a:lstStyle/>
-          <a:p>
-            <a:r>
-              <a:rPr lang="en-US" dirty="0"/>
-              <a:t>2. Database Tables</a:t>
-            </a:r>
-          </a:p>
-        </p:txBody>
-      </p:sp>
-    </p:spTree>
-    <p:extLst>
-      <p:ext uri="{BB962C8B-B14F-4D97-AF65-F5344CB8AC3E}">
-        <p14:creationId xmlns:p14="http://schemas.microsoft.com/office/powerpoint/2010/main" val="3423067104"/>
-      </p:ext>
-    </p:extLst>
-  </p:cSld>
-  <p:clrMapOvr>
-    <a:masterClrMapping/>
-  </p:clrMapOvr>
-</p:sld>
-</file>
-
-<file path=ppt/slides/slide24.xml><?xml version="1.0" encoding="utf-8"?>
-<p:sld xmlns:a="http://schemas.openxmlformats.org/drawingml/2006/main" xmlns:r="http://schemas.openxmlformats.org/officeDocument/2006/relationships" xmlns:p="http://schemas.openxmlformats.org/presentationml/2006/main">
-  <p:cSld>
-    <p:spTree>
-      <p:nvGrpSpPr>
-        <p:cNvPr id="1" name=""/>
-        <p:cNvGrpSpPr/>
-        <p:nvPr/>
-      </p:nvGrpSpPr>
-      <p:grpSpPr>
-        <a:xfrm>
-          <a:off x="0" y="0"/>
-          <a:ext cx="0" cy="0"/>
-          <a:chOff x="0" y="0"/>
-          <a:chExt cx="0" cy="0"/>
-        </a:xfrm>
-      </p:grpSpPr>
-      <p:sp>
-        <p:nvSpPr>
           <p:cNvPr id="2" name="Content Placeholder 1">
             <a:extLst>
               <a:ext uri="{FF2B5EF4-FFF2-40B4-BE49-F238E27FC236}">
@@ -23264,6 +23350,272 @@
     <p:extLst>
       <p:ext uri="{BB962C8B-B14F-4D97-AF65-F5344CB8AC3E}">
         <p14:creationId xmlns:p14="http://schemas.microsoft.com/office/powerpoint/2010/main" val="2434451358"/>
+      </p:ext>
+    </p:extLst>
+  </p:cSld>
+  <p:clrMapOvr>
+    <a:masterClrMapping/>
+  </p:clrMapOvr>
+</p:sld>
+</file>
+
+<file path=ppt/slides/slide23.xml><?xml version="1.0" encoding="utf-8"?>
+<p:sld xmlns:a="http://schemas.openxmlformats.org/drawingml/2006/main" xmlns:r="http://schemas.openxmlformats.org/officeDocument/2006/relationships" xmlns:p="http://schemas.openxmlformats.org/presentationml/2006/main">
+  <p:cSld>
+    <p:spTree>
+      <p:nvGrpSpPr>
+        <p:cNvPr id="1" name=""/>
+        <p:cNvGrpSpPr/>
+        <p:nvPr/>
+      </p:nvGrpSpPr>
+      <p:grpSpPr>
+        <a:xfrm>
+          <a:off x="0" y="0"/>
+          <a:ext cx="0" cy="0"/>
+          <a:chOff x="0" y="0"/>
+          <a:chExt cx="0" cy="0"/>
+        </a:xfrm>
+      </p:grpSpPr>
+      <p:sp>
+        <p:nvSpPr>
+          <p:cNvPr id="2" name="Title 1">
+            <a:extLst>
+              <a:ext uri="{FF2B5EF4-FFF2-40B4-BE49-F238E27FC236}">
+                <a16:creationId xmlns:a16="http://schemas.microsoft.com/office/drawing/2014/main" id="{00AE6D5F-AD7E-416E-945B-E7A98B71FDBA}"/>
+              </a:ext>
+            </a:extLst>
+          </p:cNvPr>
+          <p:cNvSpPr>
+            <a:spLocks noGrp="1"/>
+          </p:cNvSpPr>
+          <p:nvPr>
+            <p:ph type="ctrTitle"/>
+          </p:nvPr>
+        </p:nvSpPr>
+        <p:spPr>
+          <a:xfrm>
+            <a:off x="4572000" y="423946"/>
+            <a:ext cx="4445659" cy="706657"/>
+          </a:xfrm>
+        </p:spPr>
+        <p:txBody>
+          <a:bodyPr/>
+          <a:lstStyle/>
+          <a:p>
+            <a:r>
+              <a:rPr lang="en-US" sz="3600" dirty="0"/>
+              <a:t>Let’s see it in action!</a:t>
+            </a:r>
+          </a:p>
+        </p:txBody>
+      </p:sp>
+      <p:pic>
+        <p:nvPicPr>
+          <p:cNvPr id="4" name="Picture 3">
+            <a:extLst>
+              <a:ext uri="{FF2B5EF4-FFF2-40B4-BE49-F238E27FC236}">
+                <a16:creationId xmlns:a16="http://schemas.microsoft.com/office/drawing/2014/main" id="{635DEF74-0B1A-4134-99D2-8132560BE656}"/>
+              </a:ext>
+            </a:extLst>
+          </p:cNvPr>
+          <p:cNvPicPr>
+            <a:picLocks noChangeAspect="1"/>
+          </p:cNvPicPr>
+          <p:nvPr/>
+        </p:nvPicPr>
+        <p:blipFill rotWithShape="1">
+          <a:blip r:embed="rId3" cstate="print">
+            <a:extLst>
+              <a:ext uri="{28A0092B-C50C-407E-A947-70E740481C1C}">
+                <a14:useLocalDpi xmlns:a14="http://schemas.microsoft.com/office/drawing/2010/main" val="0"/>
+              </a:ext>
+            </a:extLst>
+          </a:blip>
+          <a:srcRect/>
+          <a:stretch/>
+        </p:blipFill>
+        <p:spPr>
+          <a:xfrm>
+            <a:off x="0" y="4595356"/>
+            <a:ext cx="1061163" cy="504794"/>
+          </a:xfrm>
+          <a:prstGeom prst="rect">
+            <a:avLst/>
+          </a:prstGeom>
+        </p:spPr>
+      </p:pic>
+      <p:sp>
+        <p:nvSpPr>
+          <p:cNvPr id="3" name="TextBox 2">
+            <a:extLst>
+              <a:ext uri="{FF2B5EF4-FFF2-40B4-BE49-F238E27FC236}">
+                <a16:creationId xmlns:a16="http://schemas.microsoft.com/office/drawing/2014/main" id="{FB6E2303-D50A-4A10-A751-1E4919C9D24F}"/>
+              </a:ext>
+            </a:extLst>
+          </p:cNvPr>
+          <p:cNvSpPr txBox="1"/>
+          <p:nvPr/>
+        </p:nvSpPr>
+        <p:spPr>
+          <a:xfrm>
+            <a:off x="4572000" y="2202418"/>
+            <a:ext cx="4445659" cy="369332"/>
+          </a:xfrm>
+          <a:prstGeom prst="rect">
+            <a:avLst/>
+          </a:prstGeom>
+          <a:noFill/>
+        </p:spPr>
+        <p:txBody>
+          <a:bodyPr wrap="square" rtlCol="0">
+            <a:spAutoFit/>
+          </a:bodyPr>
+          <a:lstStyle/>
+          <a:p>
+            <a:r>
+              <a:rPr lang="en-US" dirty="0"/>
+              <a:t>1. Demo web GUI + SQL Profiler</a:t>
+            </a:r>
+          </a:p>
+        </p:txBody>
+      </p:sp>
+    </p:spTree>
+    <p:extLst>
+      <p:ext uri="{BB962C8B-B14F-4D97-AF65-F5344CB8AC3E}">
+        <p14:creationId xmlns:p14="http://schemas.microsoft.com/office/powerpoint/2010/main" val="3633769740"/>
+      </p:ext>
+    </p:extLst>
+  </p:cSld>
+  <p:clrMapOvr>
+    <a:masterClrMapping/>
+  </p:clrMapOvr>
+</p:sld>
+</file>
+
+<file path=ppt/slides/slide24.xml><?xml version="1.0" encoding="utf-8"?>
+<p:sld xmlns:a="http://schemas.openxmlformats.org/drawingml/2006/main" xmlns:r="http://schemas.openxmlformats.org/officeDocument/2006/relationships" xmlns:p="http://schemas.openxmlformats.org/presentationml/2006/main">
+  <p:cSld>
+    <p:spTree>
+      <p:nvGrpSpPr>
+        <p:cNvPr id="1" name=""/>
+        <p:cNvGrpSpPr/>
+        <p:nvPr/>
+      </p:nvGrpSpPr>
+      <p:grpSpPr>
+        <a:xfrm>
+          <a:off x="0" y="0"/>
+          <a:ext cx="0" cy="0"/>
+          <a:chOff x="0" y="0"/>
+          <a:chExt cx="0" cy="0"/>
+        </a:xfrm>
+      </p:grpSpPr>
+      <p:sp>
+        <p:nvSpPr>
+          <p:cNvPr id="2" name="Title 1">
+            <a:extLst>
+              <a:ext uri="{FF2B5EF4-FFF2-40B4-BE49-F238E27FC236}">
+                <a16:creationId xmlns:a16="http://schemas.microsoft.com/office/drawing/2014/main" id="{00AE6D5F-AD7E-416E-945B-E7A98B71FDBA}"/>
+              </a:ext>
+            </a:extLst>
+          </p:cNvPr>
+          <p:cNvSpPr>
+            <a:spLocks noGrp="1"/>
+          </p:cNvSpPr>
+          <p:nvPr>
+            <p:ph type="ctrTitle"/>
+          </p:nvPr>
+        </p:nvSpPr>
+        <p:spPr>
+          <a:xfrm>
+            <a:off x="4572000" y="423946"/>
+            <a:ext cx="4445659" cy="706657"/>
+          </a:xfrm>
+        </p:spPr>
+        <p:txBody>
+          <a:bodyPr/>
+          <a:lstStyle/>
+          <a:p>
+            <a:r>
+              <a:rPr lang="en-US" sz="3600" dirty="0"/>
+              <a:t>Let’s see it in action!</a:t>
+            </a:r>
+          </a:p>
+        </p:txBody>
+      </p:sp>
+      <p:pic>
+        <p:nvPicPr>
+          <p:cNvPr id="4" name="Picture 3">
+            <a:extLst>
+              <a:ext uri="{FF2B5EF4-FFF2-40B4-BE49-F238E27FC236}">
+                <a16:creationId xmlns:a16="http://schemas.microsoft.com/office/drawing/2014/main" id="{635DEF74-0B1A-4134-99D2-8132560BE656}"/>
+              </a:ext>
+            </a:extLst>
+          </p:cNvPr>
+          <p:cNvPicPr>
+            <a:picLocks noChangeAspect="1"/>
+          </p:cNvPicPr>
+          <p:nvPr/>
+        </p:nvPicPr>
+        <p:blipFill rotWithShape="1">
+          <a:blip r:embed="rId3" cstate="print">
+            <a:extLst>
+              <a:ext uri="{28A0092B-C50C-407E-A947-70E740481C1C}">
+                <a14:useLocalDpi xmlns:a14="http://schemas.microsoft.com/office/drawing/2010/main" val="0"/>
+              </a:ext>
+            </a:extLst>
+          </a:blip>
+          <a:srcRect/>
+          <a:stretch/>
+        </p:blipFill>
+        <p:spPr>
+          <a:xfrm>
+            <a:off x="0" y="4595356"/>
+            <a:ext cx="1061163" cy="504794"/>
+          </a:xfrm>
+          <a:prstGeom prst="rect">
+            <a:avLst/>
+          </a:prstGeom>
+        </p:spPr>
+      </p:pic>
+      <p:sp>
+        <p:nvSpPr>
+          <p:cNvPr id="3" name="TextBox 2">
+            <a:extLst>
+              <a:ext uri="{FF2B5EF4-FFF2-40B4-BE49-F238E27FC236}">
+                <a16:creationId xmlns:a16="http://schemas.microsoft.com/office/drawing/2014/main" id="{FB6E2303-D50A-4A10-A751-1E4919C9D24F}"/>
+              </a:ext>
+            </a:extLst>
+          </p:cNvPr>
+          <p:cNvSpPr txBox="1"/>
+          <p:nvPr/>
+        </p:nvSpPr>
+        <p:spPr>
+          <a:xfrm>
+            <a:off x="4572000" y="2202418"/>
+            <a:ext cx="4445659" cy="369332"/>
+          </a:xfrm>
+          <a:prstGeom prst="rect">
+            <a:avLst/>
+          </a:prstGeom>
+          <a:noFill/>
+        </p:spPr>
+        <p:txBody>
+          <a:bodyPr wrap="square" rtlCol="0">
+            <a:spAutoFit/>
+          </a:bodyPr>
+          <a:lstStyle/>
+          <a:p>
+            <a:r>
+              <a:rPr lang="en-US" dirty="0"/>
+              <a:t>2. Database Tables</a:t>
+            </a:r>
+          </a:p>
+        </p:txBody>
+      </p:sp>
+    </p:spTree>
+    <p:extLst>
+      <p:ext uri="{BB962C8B-B14F-4D97-AF65-F5344CB8AC3E}">
+        <p14:creationId xmlns:p14="http://schemas.microsoft.com/office/powerpoint/2010/main" val="3423067104"/>
       </p:ext>
     </p:extLst>
   </p:cSld>
@@ -24268,37 +24620,6 @@
       </p:sp>
       <p:sp>
         <p:nvSpPr>
-          <p:cNvPr id="11" name="TextBox 10"/>
-          <p:cNvSpPr txBox="1"/>
-          <p:nvPr/>
-        </p:nvSpPr>
-        <p:spPr>
-          <a:xfrm>
-            <a:off x="4682680" y="4962418"/>
-            <a:ext cx="4461320" cy="181082"/>
-          </a:xfrm>
-          <a:prstGeom prst="rect">
-            <a:avLst/>
-          </a:prstGeom>
-          <a:noFill/>
-        </p:spPr>
-        <p:txBody>
-          <a:bodyPr wrap="square" rtlCol="1">
-            <a:noAutofit/>
-          </a:bodyPr>
-          <a:lstStyle/>
-          <a:p>
-            <a:pPr algn="r" rtl="0"/>
-            <a:r>
-              <a:rPr lang="en-US" sz="800" dirty="0"/>
-              <a:t>Image courtesy of Mister GC / FreeDigitalPhotos.net</a:t>
-            </a:r>
-            <a:endParaRPr lang="he-IL" sz="800" dirty="0"/>
-          </a:p>
-        </p:txBody>
-      </p:sp>
-      <p:sp>
-        <p:nvSpPr>
           <p:cNvPr id="12" name="TextBox 11"/>
           <p:cNvSpPr txBox="1"/>
           <p:nvPr/>
@@ -24373,7 +24694,7 @@
                 </a:solidFill>
                 <a:latin typeface="Calibri" pitchFamily="34" charset="0"/>
               </a:rPr>
-              <a:t>Email Address:	</a:t>
+              <a:t>Email:	</a:t>
             </a:r>
             <a:r>
               <a:rPr lang="en-US" sz="2400" dirty="0">
@@ -24383,7 +24704,7 @@
                 <a:latin typeface="Calibri" pitchFamily="34" charset="0"/>
                 <a:hlinkClick r:id="rId4"/>
               </a:rPr>
-              <a:t>eitan@madeiradata.com</a:t>
+              <a:t>eitan@eitanblumin.com</a:t>
             </a:r>
             <a:r>
               <a:rPr lang="en-US" sz="2400" dirty="0">
@@ -24770,7 +25091,7 @@
         </p:nvSpPr>
         <p:spPr>
           <a:xfrm>
-            <a:off x="2210637" y="920836"/>
+            <a:off x="2210637" y="296228"/>
             <a:ext cx="5906278" cy="555604"/>
           </a:xfrm>
           <a:ln>
@@ -24794,7 +25115,7 @@
                 </a:solidFill>
                 <a:latin typeface="Calibri" panose="020F0502020204030204" pitchFamily="34" charset="0"/>
               </a:rPr>
-              <a:t>A Few Words about Me…</a:t>
+              <a:t>About Me:</a:t>
             </a:r>
             <a:endParaRPr lang="en-US" sz="4000" dirty="0">
               <a:solidFill>
@@ -24802,37 +25123,6 @@
               </a:solidFill>
               <a:latin typeface="Calibri" panose="020F0502020204030204" pitchFamily="34" charset="0"/>
             </a:endParaRPr>
-          </a:p>
-        </p:txBody>
-      </p:sp>
-      <p:sp>
-        <p:nvSpPr>
-          <p:cNvPr id="11" name="TextBox 10"/>
-          <p:cNvSpPr txBox="1"/>
-          <p:nvPr/>
-        </p:nvSpPr>
-        <p:spPr>
-          <a:xfrm>
-            <a:off x="4682680" y="4962418"/>
-            <a:ext cx="4461320" cy="181082"/>
-          </a:xfrm>
-          <a:prstGeom prst="rect">
-            <a:avLst/>
-          </a:prstGeom>
-          <a:noFill/>
-        </p:spPr>
-        <p:txBody>
-          <a:bodyPr wrap="square" rtlCol="1">
-            <a:noAutofit/>
-          </a:bodyPr>
-          <a:lstStyle/>
-          <a:p>
-            <a:pPr algn="r" rtl="0"/>
-            <a:r>
-              <a:rPr lang="en-US" sz="800" dirty="0"/>
-              <a:t>Image courtesy of Mister GC / FreeDigitalPhotos.net</a:t>
-            </a:r>
-            <a:endParaRPr lang="he-IL" sz="800" dirty="0"/>
           </a:p>
         </p:txBody>
       </p:sp>
@@ -24906,7 +25196,7 @@
                 </a:solidFill>
                 <a:latin typeface="Calibri" pitchFamily="34" charset="0"/>
               </a:rPr>
-              <a:t>Email Address:	</a:t>
+              <a:t>Email:	</a:t>
             </a:r>
             <a:r>
               <a:rPr lang="en-US" sz="2400" dirty="0">
@@ -24916,7 +25206,7 @@
                 <a:latin typeface="Calibri" pitchFamily="34" charset="0"/>
                 <a:hlinkClick r:id="rId4"/>
               </a:rPr>
-              <a:t>eitan@madeiradata.com</a:t>
+              <a:t>eitan@eitanblumin.com</a:t>
             </a:r>
             <a:r>
               <a:rPr lang="en-US" sz="2400" dirty="0">
@@ -25219,6 +25509,114 @@
           </a:prstGeom>
         </p:spPr>
       </p:pic>
+      <p:sp>
+        <p:nvSpPr>
+          <p:cNvPr id="3" name="TextBox 2">
+            <a:extLst>
+              <a:ext uri="{FF2B5EF4-FFF2-40B4-BE49-F238E27FC236}">
+                <a16:creationId xmlns:a16="http://schemas.microsoft.com/office/drawing/2014/main" id="{4892CDDA-FB8B-4EEF-BB23-BCBCCB2570B9}"/>
+              </a:ext>
+            </a:extLst>
+          </p:cNvPr>
+          <p:cNvSpPr txBox="1"/>
+          <p:nvPr/>
+        </p:nvSpPr>
+        <p:spPr>
+          <a:xfrm>
+            <a:off x="7209692" y="1315825"/>
+            <a:ext cx="1598750" cy="646331"/>
+          </a:xfrm>
+          <a:prstGeom prst="rect">
+            <a:avLst/>
+          </a:prstGeom>
+          <a:noFill/>
+        </p:spPr>
+        <p:txBody>
+          <a:bodyPr wrap="square" rtlCol="0">
+            <a:spAutoFit/>
+          </a:bodyPr>
+          <a:lstStyle/>
+          <a:p>
+            <a:pPr algn="ctr"/>
+            <a:r>
+              <a:rPr lang="en-US" dirty="0"/>
+              <a:t>SQL Server consultant in:</a:t>
+            </a:r>
+          </a:p>
+        </p:txBody>
+      </p:sp>
+      <p:sp>
+        <p:nvSpPr>
+          <p:cNvPr id="5" name="TextBox 4">
+            <a:extLst>
+              <a:ext uri="{FF2B5EF4-FFF2-40B4-BE49-F238E27FC236}">
+                <a16:creationId xmlns:a16="http://schemas.microsoft.com/office/drawing/2014/main" id="{44D44E1A-BDF6-4B5F-B6B4-AE260B3E1FFC}"/>
+              </a:ext>
+            </a:extLst>
+          </p:cNvPr>
+          <p:cNvSpPr txBox="1"/>
+          <p:nvPr/>
+        </p:nvSpPr>
+        <p:spPr>
+          <a:xfrm>
+            <a:off x="7257975" y="2943805"/>
+            <a:ext cx="1284326" cy="369332"/>
+          </a:xfrm>
+          <a:prstGeom prst="rect">
+            <a:avLst/>
+          </a:prstGeom>
+          <a:noFill/>
+        </p:spPr>
+        <p:txBody>
+          <a:bodyPr wrap="none" rtlCol="0">
+            <a:spAutoFit/>
+          </a:bodyPr>
+          <a:lstStyle/>
+          <a:p>
+            <a:pPr algn="ctr"/>
+            <a:r>
+              <a:rPr lang="en-US" dirty="0"/>
+              <a:t>Since 2010</a:t>
+            </a:r>
+          </a:p>
+        </p:txBody>
+      </p:sp>
+      <p:sp>
+        <p:nvSpPr>
+          <p:cNvPr id="13" name="TextBox 12">
+            <a:extLst>
+              <a:ext uri="{FF2B5EF4-FFF2-40B4-BE49-F238E27FC236}">
+                <a16:creationId xmlns:a16="http://schemas.microsoft.com/office/drawing/2014/main" id="{A870CB67-8182-4045-A192-F6F25B161F53}"/>
+              </a:ext>
+            </a:extLst>
+          </p:cNvPr>
+          <p:cNvSpPr txBox="1"/>
+          <p:nvPr/>
+        </p:nvSpPr>
+        <p:spPr>
+          <a:xfrm>
+            <a:off x="5155549" y="370721"/>
+            <a:ext cx="3652893" cy="369332"/>
+          </a:xfrm>
+          <a:prstGeom prst="rect">
+            <a:avLst/>
+          </a:prstGeom>
+          <a:noFill/>
+        </p:spPr>
+        <p:txBody>
+          <a:bodyPr wrap="square" rtlCol="0">
+            <a:spAutoFit/>
+          </a:bodyPr>
+          <a:lstStyle/>
+          <a:p>
+            <a:pPr algn="r"/>
+            <a:r>
+              <a:rPr lang="en-US" dirty="0"/>
+              <a:t>SQL Server DBA since 2005</a:t>
+            </a:r>
+          </a:p>
+        </p:txBody>
+      </p:sp>
     </p:spTree>
     <p:extLst>
       <p:ext uri="{BB962C8B-B14F-4D97-AF65-F5344CB8AC3E}">
@@ -25261,37 +25659,6 @@
           <a:chExt cx="0" cy="0"/>
         </a:xfrm>
       </p:grpSpPr>
-      <p:sp>
-        <p:nvSpPr>
-          <p:cNvPr id="7" name="TextBox 6"/>
-          <p:cNvSpPr txBox="1"/>
-          <p:nvPr/>
-        </p:nvSpPr>
-        <p:spPr>
-          <a:xfrm>
-            <a:off x="4682680" y="4962418"/>
-            <a:ext cx="4461320" cy="181082"/>
-          </a:xfrm>
-          <a:prstGeom prst="rect">
-            <a:avLst/>
-          </a:prstGeom>
-          <a:noFill/>
-        </p:spPr>
-        <p:txBody>
-          <a:bodyPr wrap="square" rtlCol="1">
-            <a:noAutofit/>
-          </a:bodyPr>
-          <a:lstStyle/>
-          <a:p>
-            <a:pPr algn="r"/>
-            <a:r>
-              <a:rPr lang="en-US" sz="800" dirty="0"/>
-              <a:t>Image courtesy of David Castillo Dominici / FreeDigitalPhotos.net</a:t>
-            </a:r>
-            <a:endParaRPr lang="he-IL" sz="800" dirty="0"/>
-          </a:p>
-        </p:txBody>
-      </p:sp>
       <p:pic>
         <p:nvPicPr>
           <p:cNvPr id="4" name="Picture 3">
@@ -25357,7 +25724,7 @@
           <a:p>
             <a:r>
               <a:rPr lang="en-US" dirty="0"/>
-              <a:t>Source Code:</a:t>
+              <a:t>All Source Code is available at:</a:t>
             </a:r>
           </a:p>
           <a:p>
@@ -26594,6 +26961,18 @@
   <p:clrMapOvr>
     <a:masterClrMapping/>
   </p:clrMapOvr>
+  <mc:AlternateContent xmlns:mc="http://schemas.openxmlformats.org/markup-compatibility/2006">
+    <mc:Choice xmlns:p14="http://schemas.microsoft.com/office/powerpoint/2010/main" Requires="p14">
+      <p:transition spd="med" p14:dur="700">
+        <p:fade/>
+      </p:transition>
+    </mc:Choice>
+    <mc:Fallback>
+      <p:transition spd="med">
+        <p:fade/>
+      </p:transition>
+    </mc:Fallback>
+  </mc:AlternateContent>
 </p:sld>
 </file>
 

--- a/DynamicFilters2.pptx
+++ b/DynamicFilters2.pptx
@@ -3276,7 +3276,7 @@
           <a:p>
             <a:fld id="{61F4F17F-797E-F743-99C7-34FA65335D3C}" type="datetimeFigureOut">
               <a:rPr lang="en-US" smtClean="0"/>
-              <a:t>4/20/2019</a:t>
+              <a:t>4/23/2019</a:t>
             </a:fld>
             <a:endParaRPr lang="en-US"/>
           </a:p>
@@ -3442,7 +3442,7 @@
           <a:p>
             <a:fld id="{A76353FC-0869-45D3-95AF-CC29198471C2}" type="datetimeFigureOut">
               <a:rPr lang="en-US" smtClean="0"/>
-              <a:t>4/20/2019</a:t>
+              <a:t>4/23/2019</a:t>
             </a:fld>
             <a:endParaRPr lang="en-US"/>
           </a:p>
@@ -6145,6 +6145,18 @@
   <p:clrMapOvr>
     <a:masterClrMapping/>
   </p:clrMapOvr>
+  <mc:AlternateContent xmlns:mc="http://schemas.openxmlformats.org/markup-compatibility/2006">
+    <mc:Choice xmlns:p14="http://schemas.microsoft.com/office/powerpoint/2010/main" Requires="p14">
+      <p:transition spd="med" p14:dur="700">
+        <p:fade/>
+      </p:transition>
+    </mc:Choice>
+    <mc:Fallback>
+      <p:transition spd="med">
+        <p:fade/>
+      </p:transition>
+    </mc:Fallback>
+  </mc:AlternateContent>
 </p:sldLayout>
 </file>
 
@@ -6331,6 +6343,18 @@
   <p:clrMapOvr>
     <a:masterClrMapping/>
   </p:clrMapOvr>
+  <mc:AlternateContent xmlns:mc="http://schemas.openxmlformats.org/markup-compatibility/2006">
+    <mc:Choice xmlns:p14="http://schemas.microsoft.com/office/powerpoint/2010/main" Requires="p14">
+      <p:transition spd="med" p14:dur="700">
+        <p:fade/>
+      </p:transition>
+    </mc:Choice>
+    <mc:Fallback>
+      <p:transition spd="med">
+        <p:fade/>
+      </p:transition>
+    </mc:Fallback>
+  </mc:AlternateContent>
 </p:sldLayout>
 </file>
 
@@ -6517,6 +6541,18 @@
   <p:clrMapOvr>
     <a:masterClrMapping/>
   </p:clrMapOvr>
+  <mc:AlternateContent xmlns:mc="http://schemas.openxmlformats.org/markup-compatibility/2006">
+    <mc:Choice xmlns:p14="http://schemas.microsoft.com/office/powerpoint/2010/main" Requires="p14">
+      <p:transition spd="med" p14:dur="700">
+        <p:fade/>
+      </p:transition>
+    </mc:Choice>
+    <mc:Fallback>
+      <p:transition spd="med">
+        <p:fade/>
+      </p:transition>
+    </mc:Fallback>
+  </mc:AlternateContent>
 </p:sldLayout>
 </file>
 
@@ -7019,6 +7055,18 @@
   <p:clrMapOvr>
     <a:masterClrMapping/>
   </p:clrMapOvr>
+  <mc:AlternateContent xmlns:mc="http://schemas.openxmlformats.org/markup-compatibility/2006">
+    <mc:Choice xmlns:p14="http://schemas.microsoft.com/office/powerpoint/2010/main" Requires="p14">
+      <p:transition spd="med" p14:dur="700">
+        <p:fade/>
+      </p:transition>
+    </mc:Choice>
+    <mc:Fallback>
+      <p:transition spd="med">
+        <p:fade/>
+      </p:transition>
+    </mc:Fallback>
+  </mc:AlternateContent>
 </p:sldLayout>
 </file>
 
@@ -7106,6 +7154,18 @@
   <p:clrMapOvr>
     <a:masterClrMapping/>
   </p:clrMapOvr>
+  <mc:AlternateContent xmlns:mc="http://schemas.openxmlformats.org/markup-compatibility/2006">
+    <mc:Choice xmlns:p14="http://schemas.microsoft.com/office/powerpoint/2010/main" Requires="p14">
+      <p:transition spd="med" p14:dur="700">
+        <p:fade/>
+      </p:transition>
+    </mc:Choice>
+    <mc:Fallback>
+      <p:transition spd="med">
+        <p:fade/>
+      </p:transition>
+    </mc:Fallback>
+  </mc:AlternateContent>
 </p:sldLayout>
 </file>
 
@@ -7354,6 +7414,18 @@
   <p:clrMapOvr>
     <a:masterClrMapping/>
   </p:clrMapOvr>
+  <mc:AlternateContent xmlns:mc="http://schemas.openxmlformats.org/markup-compatibility/2006">
+    <mc:Choice xmlns:p14="http://schemas.microsoft.com/office/powerpoint/2010/main" Requires="p14">
+      <p:transition spd="med" p14:dur="700">
+        <p:fade/>
+      </p:transition>
+    </mc:Choice>
+    <mc:Fallback>
+      <p:transition spd="med">
+        <p:fade/>
+      </p:transition>
+    </mc:Fallback>
+  </mc:AlternateContent>
 </p:sldLayout>
 </file>
 
@@ -7537,6 +7609,18 @@
   <p:clrMapOvr>
     <a:masterClrMapping/>
   </p:clrMapOvr>
+  <mc:AlternateContent xmlns:mc="http://schemas.openxmlformats.org/markup-compatibility/2006">
+    <mc:Choice xmlns:p14="http://schemas.microsoft.com/office/powerpoint/2010/main" Requires="p14">
+      <p:transition spd="med" p14:dur="700">
+        <p:fade/>
+      </p:transition>
+    </mc:Choice>
+    <mc:Fallback>
+      <p:transition spd="med">
+        <p:fade/>
+      </p:transition>
+    </mc:Fallback>
+  </mc:AlternateContent>
 </p:sldLayout>
 </file>
 
@@ -7693,6 +7777,18 @@
   <p:clrMapOvr>
     <a:masterClrMapping/>
   </p:clrMapOvr>
+  <mc:AlternateContent xmlns:mc="http://schemas.openxmlformats.org/markup-compatibility/2006">
+    <mc:Choice xmlns:p14="http://schemas.microsoft.com/office/powerpoint/2010/main" Requires="p14">
+      <p:transition spd="med" p14:dur="700">
+        <p:fade/>
+      </p:transition>
+    </mc:Choice>
+    <mc:Fallback>
+      <p:transition spd="med">
+        <p:fade/>
+      </p:transition>
+    </mc:Fallback>
+  </mc:AlternateContent>
 </p:sldLayout>
 </file>
 
@@ -7887,6 +7983,18 @@
     <p:sldLayoutId id="2147483656" r:id="rId7"/>
     <p:sldLayoutId id="2147483660" r:id="rId8"/>
   </p:sldLayoutIdLst>
+  <mc:AlternateContent xmlns:mc="http://schemas.openxmlformats.org/markup-compatibility/2006">
+    <mc:Choice xmlns:p14="http://schemas.microsoft.com/office/powerpoint/2010/main" Requires="p14">
+      <p:transition spd="med" p14:dur="700">
+        <p:fade/>
+      </p:transition>
+    </mc:Choice>
+    <mc:Fallback>
+      <p:transition spd="med">
+        <p:fade/>
+      </p:transition>
+    </mc:Fallback>
+  </mc:AlternateContent>
   <p:hf hdr="0" ftr="0" dt="0"/>
   <p:txStyles>
     <p:titleStyle>
@@ -8584,13 +8692,13 @@
   <p:clrMapOvr>
     <a:masterClrMapping/>
   </p:clrMapOvr>
-  <mc:AlternateContent xmlns:mc="http://schemas.openxmlformats.org/markup-compatibility/2006" xmlns:p14="http://schemas.microsoft.com/office/powerpoint/2010/main">
-    <mc:Choice Requires="p14">
+  <mc:AlternateContent xmlns:mc="http://schemas.openxmlformats.org/markup-compatibility/2006">
+    <mc:Choice xmlns:p14="http://schemas.microsoft.com/office/powerpoint/2010/main" Requires="p14">
       <p:transition spd="med" p14:dur="700">
         <p:fade/>
       </p:transition>
     </mc:Choice>
-    <mc:Fallback xmlns="">
+    <mc:Fallback>
       <p:transition spd="med">
         <p:fade/>
       </p:transition>
@@ -9158,13 +9266,13 @@
   <p:clrMapOvr>
     <a:masterClrMapping/>
   </p:clrMapOvr>
-  <mc:AlternateContent xmlns:mc="http://schemas.openxmlformats.org/markup-compatibility/2006" xmlns:p14="http://schemas.microsoft.com/office/powerpoint/2010/main">
-    <mc:Choice Requires="p14">
+  <mc:AlternateContent xmlns:mc="http://schemas.openxmlformats.org/markup-compatibility/2006">
+    <mc:Choice xmlns:p14="http://schemas.microsoft.com/office/powerpoint/2010/main" Requires="p14">
       <p:transition spd="med" p14:dur="700">
         <p:fade/>
       </p:transition>
     </mc:Choice>
-    <mc:Fallback xmlns="">
+    <mc:Fallback>
       <p:transition spd="med">
         <p:fade/>
       </p:transition>
@@ -9911,13 +10019,13 @@
   <p:clrMapOvr>
     <a:masterClrMapping/>
   </p:clrMapOvr>
-  <mc:AlternateContent xmlns:mc="http://schemas.openxmlformats.org/markup-compatibility/2006" xmlns:p14="http://schemas.microsoft.com/office/powerpoint/2010/main">
-    <mc:Choice Requires="p14">
+  <mc:AlternateContent xmlns:mc="http://schemas.openxmlformats.org/markup-compatibility/2006">
+    <mc:Choice xmlns:p14="http://schemas.microsoft.com/office/powerpoint/2010/main" Requires="p14">
       <p:transition spd="med" p14:dur="700">
         <p:fade/>
       </p:transition>
     </mc:Choice>
-    <mc:Fallback xmlns="">
+    <mc:Fallback>
       <p:transition spd="med">
         <p:fade/>
       </p:transition>
@@ -10346,13 +10454,13 @@
   <p:clrMapOvr>
     <a:masterClrMapping/>
   </p:clrMapOvr>
-  <mc:AlternateContent xmlns:mc="http://schemas.openxmlformats.org/markup-compatibility/2006" xmlns:p14="http://schemas.microsoft.com/office/powerpoint/2010/main">
-    <mc:Choice Requires="p14">
+  <mc:AlternateContent xmlns:mc="http://schemas.openxmlformats.org/markup-compatibility/2006">
+    <mc:Choice xmlns:p14="http://schemas.microsoft.com/office/powerpoint/2010/main" Requires="p14">
       <p:transition spd="med" p14:dur="700">
         <p:fade/>
       </p:transition>
     </mc:Choice>
-    <mc:Fallback xmlns="">
+    <mc:Fallback>
       <p:transition spd="med">
         <p:fade/>
       </p:transition>
@@ -10985,7 +11093,7 @@
                 </a:highlight>
                 <a:latin typeface="Consolas"/>
               </a:rPr>
-              <a:t>11</a:t>
+              <a:t>1</a:t>
             </a:r>
           </a:p>
           <a:p>
@@ -11288,6 +11396,18 @@
   <p:clrMapOvr>
     <a:masterClrMapping/>
   </p:clrMapOvr>
+  <mc:AlternateContent xmlns:mc="http://schemas.openxmlformats.org/markup-compatibility/2006">
+    <mc:Choice xmlns:p14="http://schemas.microsoft.com/office/powerpoint/2010/main" Requires="p14">
+      <p:transition spd="med" p14:dur="700">
+        <p:fade/>
+      </p:transition>
+    </mc:Choice>
+    <mc:Fallback>
+      <p:transition spd="med">
+        <p:fade/>
+      </p:transition>
+    </mc:Fallback>
+  </mc:AlternateContent>
   <p:timing>
     <p:tnLst>
       <p:par>
@@ -12000,13 +12120,13 @@
   <p:clrMapOvr>
     <a:masterClrMapping/>
   </p:clrMapOvr>
-  <mc:AlternateContent xmlns:mc="http://schemas.openxmlformats.org/markup-compatibility/2006" xmlns:p14="http://schemas.microsoft.com/office/powerpoint/2010/main">
-    <mc:Choice Requires="p14">
+  <mc:AlternateContent xmlns:mc="http://schemas.openxmlformats.org/markup-compatibility/2006">
+    <mc:Choice xmlns:p14="http://schemas.microsoft.com/office/powerpoint/2010/main" Requires="p14">
       <p:transition spd="med" p14:dur="700">
         <p:fade/>
       </p:transition>
     </mc:Choice>
-    <mc:Fallback xmlns="">
+    <mc:Fallback>
       <p:transition spd="med">
         <p:fade/>
       </p:transition>
@@ -13389,13 +13509,13 @@
   <p:clrMapOvr>
     <a:masterClrMapping/>
   </p:clrMapOvr>
-  <mc:AlternateContent xmlns:mc="http://schemas.openxmlformats.org/markup-compatibility/2006" xmlns:p14="http://schemas.microsoft.com/office/powerpoint/2010/main">
-    <mc:Choice Requires="p14">
+  <mc:AlternateContent xmlns:mc="http://schemas.openxmlformats.org/markup-compatibility/2006">
+    <mc:Choice xmlns:p14="http://schemas.microsoft.com/office/powerpoint/2010/main" Requires="p14">
       <p:transition spd="med" p14:dur="700">
         <p:fade/>
       </p:transition>
     </mc:Choice>
-    <mc:Fallback xmlns="">
+    <mc:Fallback>
       <p:transition spd="med">
         <p:fade/>
       </p:transition>
@@ -14054,13 +14174,13 @@
   <p:clrMapOvr>
     <a:masterClrMapping/>
   </p:clrMapOvr>
-  <mc:AlternateContent xmlns:mc="http://schemas.openxmlformats.org/markup-compatibility/2006" xmlns:p14="http://schemas.microsoft.com/office/powerpoint/2010/main">
-    <mc:Choice Requires="p14">
+  <mc:AlternateContent xmlns:mc="http://schemas.openxmlformats.org/markup-compatibility/2006">
+    <mc:Choice xmlns:p14="http://schemas.microsoft.com/office/powerpoint/2010/main" Requires="p14">
       <p:transition spd="med" p14:dur="700">
         <p:fade/>
       </p:transition>
     </mc:Choice>
-    <mc:Fallback xmlns="">
+    <mc:Fallback>
       <p:transition spd="med">
         <p:fade/>
       </p:transition>
@@ -14463,13 +14583,13 @@
   <p:clrMapOvr>
     <a:masterClrMapping/>
   </p:clrMapOvr>
-  <mc:AlternateContent xmlns:mc="http://schemas.openxmlformats.org/markup-compatibility/2006" xmlns:p14="http://schemas.microsoft.com/office/powerpoint/2010/main">
-    <mc:Choice Requires="p14">
+  <mc:AlternateContent xmlns:mc="http://schemas.openxmlformats.org/markup-compatibility/2006">
+    <mc:Choice xmlns:p14="http://schemas.microsoft.com/office/powerpoint/2010/main" Requires="p14">
       <p:transition spd="med" p14:dur="700">
         <p:fade/>
       </p:transition>
     </mc:Choice>
-    <mc:Fallback xmlns="">
+    <mc:Fallback>
       <p:transition spd="med">
         <p:fade/>
       </p:transition>
@@ -16340,13 +16460,13 @@
   <p:clrMapOvr>
     <a:masterClrMapping/>
   </p:clrMapOvr>
-  <mc:AlternateContent xmlns:mc="http://schemas.openxmlformats.org/markup-compatibility/2006" xmlns:p14="http://schemas.microsoft.com/office/powerpoint/2010/main">
-    <mc:Choice Requires="p14">
+  <mc:AlternateContent xmlns:mc="http://schemas.openxmlformats.org/markup-compatibility/2006">
+    <mc:Choice xmlns:p14="http://schemas.microsoft.com/office/powerpoint/2010/main" Requires="p14">
       <p:transition spd="med" p14:dur="700">
         <p:fade/>
       </p:transition>
     </mc:Choice>
-    <mc:Fallback xmlns="">
+    <mc:Fallback>
       <p:transition spd="med">
         <p:fade/>
       </p:transition>
@@ -18089,8 +18209,8 @@
         </p:blipFill>
         <p:spPr>
           <a:xfrm>
-            <a:off x="272898" y="1057493"/>
-            <a:ext cx="3238294" cy="1585351"/>
+            <a:off x="272898" y="1207517"/>
+            <a:ext cx="3238294" cy="1285302"/>
           </a:xfrm>
           <a:prstGeom prst="rect">
             <a:avLst/>
@@ -18146,13 +18266,13 @@
   <p:clrMapOvr>
     <a:masterClrMapping/>
   </p:clrMapOvr>
-  <mc:AlternateContent xmlns:mc="http://schemas.openxmlformats.org/markup-compatibility/2006" xmlns:p14="http://schemas.microsoft.com/office/powerpoint/2010/main">
-    <mc:Choice Requires="p14">
+  <mc:AlternateContent xmlns:mc="http://schemas.openxmlformats.org/markup-compatibility/2006">
+    <mc:Choice xmlns:p14="http://schemas.microsoft.com/office/powerpoint/2010/main" Requires="p14">
       <p:transition spd="med" p14:dur="700">
         <p:fade/>
       </p:transition>
     </mc:Choice>
-    <mc:Fallback xmlns="">
+    <mc:Fallback>
       <p:transition spd="med">
         <p:fade/>
       </p:transition>
@@ -18531,21 +18651,30 @@
                             </p:childTnLst>
                           </p:cTn>
                         </p:par>
+                      </p:childTnLst>
+                    </p:cTn>
+                  </p:par>
+                  <p:par>
+                    <p:cTn id="21" fill="hold">
+                      <p:stCondLst>
+                        <p:cond delay="indefinite"/>
+                      </p:stCondLst>
+                      <p:childTnLst>
                         <p:par>
-                          <p:cTn id="21" fill="hold">
+                          <p:cTn id="22" fill="hold">
                             <p:stCondLst>
-                              <p:cond delay="2500"/>
+                              <p:cond delay="0"/>
                             </p:stCondLst>
                             <p:childTnLst>
                               <p:par>
-                                <p:cTn id="22" presetID="10" presetClass="entr" presetSubtype="0" fill="hold" nodeType="afterEffect">
+                                <p:cTn id="23" presetID="10" presetClass="entr" presetSubtype="0" fill="hold" nodeType="clickEffect">
                                   <p:stCondLst>
                                     <p:cond delay="0"/>
                                   </p:stCondLst>
                                   <p:childTnLst>
                                     <p:set>
                                       <p:cBhvr>
-                                        <p:cTn id="23" dur="1" fill="hold">
+                                        <p:cTn id="24" dur="1" fill="hold">
                                           <p:stCondLst>
                                             <p:cond delay="0"/>
                                           </p:stCondLst>
@@ -18563,7 +18692,7 @@
                                     </p:set>
                                     <p:animEffect transition="in" filter="fade">
                                       <p:cBhvr>
-                                        <p:cTn id="24" dur="500"/>
+                                        <p:cTn id="25" dur="500"/>
                                         <p:tgtEl>
                                           <p:spTgt spid="36"/>
                                         </p:tgtEl>
@@ -18575,23 +18704,14 @@
                             </p:childTnLst>
                           </p:cTn>
                         </p:par>
-                      </p:childTnLst>
-                    </p:cTn>
-                  </p:par>
-                  <p:par>
-                    <p:cTn id="25" fill="hold">
-                      <p:stCondLst>
-                        <p:cond delay="indefinite"/>
-                      </p:stCondLst>
-                      <p:childTnLst>
                         <p:par>
                           <p:cTn id="26" fill="hold">
                             <p:stCondLst>
-                              <p:cond delay="0"/>
+                              <p:cond delay="500"/>
                             </p:stCondLst>
                             <p:childTnLst>
                               <p:par>
-                                <p:cTn id="27" presetID="22" presetClass="exit" presetSubtype="8" fill="hold" nodeType="clickEffect">
+                                <p:cTn id="27" presetID="22" presetClass="exit" presetSubtype="8" fill="hold" nodeType="afterEffect">
                                   <p:stCondLst>
                                     <p:cond delay="0"/>
                                   </p:stCondLst>
@@ -18631,7 +18751,7 @@
                         <p:par>
                           <p:cTn id="30" fill="hold">
                             <p:stCondLst>
-                              <p:cond delay="500"/>
+                              <p:cond delay="1000"/>
                             </p:stCondLst>
                             <p:childTnLst>
                               <p:par>
@@ -18675,7 +18795,7 @@
                         <p:par>
                           <p:cTn id="34" fill="hold">
                             <p:stCondLst>
-                              <p:cond delay="1000"/>
+                              <p:cond delay="1500"/>
                             </p:stCondLst>
                             <p:childTnLst>
                               <p:par>
@@ -18719,7 +18839,7 @@
                         <p:par>
                           <p:cTn id="38" fill="hold">
                             <p:stCondLst>
-                              <p:cond delay="1500"/>
+                              <p:cond delay="2000"/>
                             </p:stCondLst>
                             <p:childTnLst>
                               <p:par>
@@ -19177,13 +19297,13 @@
   <p:clrMapOvr>
     <a:masterClrMapping/>
   </p:clrMapOvr>
-  <mc:AlternateContent xmlns:mc="http://schemas.openxmlformats.org/markup-compatibility/2006" xmlns:p14="http://schemas.microsoft.com/office/powerpoint/2010/main">
-    <mc:Choice Requires="p14">
+  <mc:AlternateContent xmlns:mc="http://schemas.openxmlformats.org/markup-compatibility/2006">
+    <mc:Choice xmlns:p14="http://schemas.microsoft.com/office/powerpoint/2010/main" Requires="p14">
       <p:transition spd="med" p14:dur="700">
         <p:fade/>
       </p:transition>
     </mc:Choice>
-    <mc:Fallback xmlns="">
+    <mc:Fallback>
       <p:transition spd="med">
         <p:fade/>
       </p:transition>
@@ -20945,13 +21065,13 @@
   <p:clrMapOvr>
     <a:masterClrMapping/>
   </p:clrMapOvr>
-  <mc:AlternateContent xmlns:mc="http://schemas.openxmlformats.org/markup-compatibility/2006" xmlns:p14="http://schemas.microsoft.com/office/powerpoint/2010/main">
-    <mc:Choice Requires="p14">
+  <mc:AlternateContent xmlns:mc="http://schemas.openxmlformats.org/markup-compatibility/2006">
+    <mc:Choice xmlns:p14="http://schemas.microsoft.com/office/powerpoint/2010/main" Requires="p14">
       <p:transition spd="med" p14:dur="700">
         <p:fade/>
       </p:transition>
     </mc:Choice>
-    <mc:Fallback xmlns="">
+    <mc:Fallback>
       <p:transition spd="med">
         <p:fade/>
       </p:transition>
@@ -22643,6 +22763,18 @@
   <p:clrMapOvr>
     <a:masterClrMapping/>
   </p:clrMapOvr>
+  <mc:AlternateContent xmlns:mc="http://schemas.openxmlformats.org/markup-compatibility/2006">
+    <mc:Choice xmlns:p14="http://schemas.microsoft.com/office/powerpoint/2010/main" Requires="p14">
+      <p:transition spd="med" p14:dur="700">
+        <p:fade/>
+      </p:transition>
+    </mc:Choice>
+    <mc:Fallback>
+      <p:transition spd="med">
+        <p:fade/>
+      </p:transition>
+    </mc:Fallback>
+  </mc:AlternateContent>
 </p:sld>
 </file>
 
@@ -23356,6 +23488,18 @@
   <p:clrMapOvr>
     <a:masterClrMapping/>
   </p:clrMapOvr>
+  <mc:AlternateContent xmlns:mc="http://schemas.openxmlformats.org/markup-compatibility/2006">
+    <mc:Choice xmlns:p14="http://schemas.microsoft.com/office/powerpoint/2010/main" Requires="p14">
+      <p:transition spd="med" p14:dur="700">
+        <p:fade/>
+      </p:transition>
+    </mc:Choice>
+    <mc:Fallback>
+      <p:transition spd="med">
+        <p:fade/>
+      </p:transition>
+    </mc:Fallback>
+  </mc:AlternateContent>
 </p:sld>
 </file>
 
@@ -23489,6 +23633,18 @@
   <p:clrMapOvr>
     <a:masterClrMapping/>
   </p:clrMapOvr>
+  <mc:AlternateContent xmlns:mc="http://schemas.openxmlformats.org/markup-compatibility/2006">
+    <mc:Choice xmlns:p14="http://schemas.microsoft.com/office/powerpoint/2010/main" Requires="p14">
+      <p:transition spd="med" p14:dur="700">
+        <p:fade/>
+      </p:transition>
+    </mc:Choice>
+    <mc:Fallback>
+      <p:transition spd="med">
+        <p:fade/>
+      </p:transition>
+    </mc:Fallback>
+  </mc:AlternateContent>
 </p:sld>
 </file>
 
@@ -23622,6 +23778,18 @@
   <p:clrMapOvr>
     <a:masterClrMapping/>
   </p:clrMapOvr>
+  <mc:AlternateContent xmlns:mc="http://schemas.openxmlformats.org/markup-compatibility/2006">
+    <mc:Choice xmlns:p14="http://schemas.microsoft.com/office/powerpoint/2010/main" Requires="p14">
+      <p:transition spd="med" p14:dur="700">
+        <p:fade/>
+      </p:transition>
+    </mc:Choice>
+    <mc:Fallback>
+      <p:transition spd="med">
+        <p:fade/>
+      </p:transition>
+    </mc:Fallback>
+  </mc:AlternateContent>
 </p:sld>
 </file>
 
@@ -23708,6 +23876,18 @@
   <p:clrMapOvr>
     <a:masterClrMapping/>
   </p:clrMapOvr>
+  <mc:AlternateContent xmlns:mc="http://schemas.openxmlformats.org/markup-compatibility/2006">
+    <mc:Choice xmlns:p14="http://schemas.microsoft.com/office/powerpoint/2010/main" Requires="p14">
+      <p:transition spd="med" p14:dur="700">
+        <p:fade/>
+      </p:transition>
+    </mc:Choice>
+    <mc:Fallback>
+      <p:transition spd="med">
+        <p:fade/>
+      </p:transition>
+    </mc:Fallback>
+  </mc:AlternateContent>
   <p:timing>
     <p:tnLst>
       <p:par>
@@ -24509,13 +24689,13 @@
   <p:clrMapOvr>
     <a:masterClrMapping/>
   </p:clrMapOvr>
-  <mc:AlternateContent xmlns:mc="http://schemas.openxmlformats.org/markup-compatibility/2006" xmlns:p14="http://schemas.microsoft.com/office/powerpoint/2010/main">
-    <mc:Choice Requires="p14">
+  <mc:AlternateContent xmlns:mc="http://schemas.openxmlformats.org/markup-compatibility/2006">
+    <mc:Choice xmlns:p14="http://schemas.microsoft.com/office/powerpoint/2010/main" Requires="p14">
       <p:transition spd="med" p14:dur="700">
         <p:fade/>
       </p:transition>
     </mc:Choice>
-    <mc:Fallback xmlns="">
+    <mc:Fallback>
       <p:transition spd="med">
         <p:fade/>
       </p:transition>
@@ -25017,13 +25197,13 @@
   <p:clrMapOvr>
     <a:masterClrMapping/>
   </p:clrMapOvr>
-  <mc:AlternateContent xmlns:mc="http://schemas.openxmlformats.org/markup-compatibility/2006" xmlns:p14="http://schemas.microsoft.com/office/powerpoint/2010/main">
-    <mc:Choice Requires="p14">
+  <mc:AlternateContent xmlns:mc="http://schemas.openxmlformats.org/markup-compatibility/2006">
+    <mc:Choice xmlns:p14="http://schemas.microsoft.com/office/powerpoint/2010/main" Requires="p14">
       <p:transition spd="med" p14:dur="700">
         <p:fade/>
       </p:transition>
     </mc:Choice>
-    <mc:Fallback xmlns="">
+    <mc:Fallback>
       <p:transition spd="med">
         <p:fade/>
       </p:transition>
@@ -25049,6 +25229,224 @@
           <a:chExt cx="0" cy="0"/>
         </a:xfrm>
       </p:grpSpPr>
+      <p:sp>
+        <p:nvSpPr>
+          <p:cNvPr id="12" name="TextBox 11"/>
+          <p:cNvSpPr txBox="1"/>
+          <p:nvPr/>
+        </p:nvSpPr>
+        <p:spPr>
+          <a:xfrm>
+            <a:off x="218137" y="2018147"/>
+            <a:ext cx="8590306" cy="2431435"/>
+          </a:xfrm>
+          <a:prstGeom prst="rect">
+            <a:avLst/>
+          </a:prstGeom>
+          <a:noFill/>
+          <a:ln w="25400">
+            <a:noFill/>
+          </a:ln>
+        </p:spPr>
+        <p:txBody>
+          <a:bodyPr wrap="square" rtlCol="0">
+            <a:spAutoFit/>
+          </a:bodyPr>
+          <a:lstStyle/>
+          <a:p>
+            <a:pPr marL="360000" lvl="0" indent="-360000" algn="l" rtl="0">
+              <a:spcBef>
+                <a:spcPts val="600"/>
+              </a:spcBef>
+              <a:tabLst>
+                <a:tab pos="179388" algn="l"/>
+                <a:tab pos="1978025" algn="l"/>
+              </a:tabLst>
+            </a:pPr>
+            <a:r>
+              <a:rPr lang="en-US" sz="2400" dirty="0">
+                <a:solidFill>
+                  <a:srgbClr val="002060"/>
+                </a:solidFill>
+                <a:latin typeface="Calibri" pitchFamily="34" charset="0"/>
+              </a:rPr>
+              <a:t>Name:	</a:t>
+            </a:r>
+            <a:r>
+              <a:rPr lang="en-US" sz="3600" dirty="0">
+                <a:solidFill>
+                  <a:srgbClr val="002060"/>
+                </a:solidFill>
+                <a:latin typeface="Calibri" pitchFamily="34" charset="0"/>
+              </a:rPr>
+              <a:t>Eitan Blumin</a:t>
+            </a:r>
+          </a:p>
+          <a:p>
+            <a:pPr marL="360000" lvl="0" indent="-360000" algn="l" rtl="0">
+              <a:spcBef>
+                <a:spcPts val="600"/>
+              </a:spcBef>
+              <a:tabLst>
+                <a:tab pos="179388" algn="l"/>
+                <a:tab pos="1978025" algn="l"/>
+              </a:tabLst>
+            </a:pPr>
+            <a:r>
+              <a:rPr lang="en-US" sz="2400" dirty="0">
+                <a:solidFill>
+                  <a:srgbClr val="002060"/>
+                </a:solidFill>
+                <a:latin typeface="Calibri" pitchFamily="34" charset="0"/>
+              </a:rPr>
+              <a:t>Email:	</a:t>
+            </a:r>
+            <a:r>
+              <a:rPr lang="en-US" sz="2400" dirty="0">
+                <a:solidFill>
+                  <a:srgbClr val="002060"/>
+                </a:solidFill>
+                <a:latin typeface="Calibri" pitchFamily="34" charset="0"/>
+                <a:hlinkClick r:id="rId3"/>
+              </a:rPr>
+              <a:t>eitan@eitanblumin.com</a:t>
+            </a:r>
+            <a:r>
+              <a:rPr lang="en-US" sz="2400" dirty="0">
+                <a:solidFill>
+                  <a:srgbClr val="002060"/>
+                </a:solidFill>
+                <a:latin typeface="Calibri" pitchFamily="34" charset="0"/>
+              </a:rPr>
+              <a:t> </a:t>
+            </a:r>
+          </a:p>
+          <a:p>
+            <a:pPr marL="360000" lvl="0" indent="-360000" algn="l" rtl="0">
+              <a:spcBef>
+                <a:spcPts val="600"/>
+              </a:spcBef>
+              <a:tabLst>
+                <a:tab pos="179388" algn="l"/>
+                <a:tab pos="1978025" algn="l"/>
+              </a:tabLst>
+            </a:pPr>
+            <a:r>
+              <a:rPr lang="en-US" sz="2400" dirty="0">
+                <a:solidFill>
+                  <a:srgbClr val="002060"/>
+                </a:solidFill>
+                <a:latin typeface="Calibri" pitchFamily="34" charset="0"/>
+              </a:rPr>
+              <a:t>Twitter:	</a:t>
+            </a:r>
+            <a:r>
+              <a:rPr lang="en-US" sz="2400" dirty="0">
+                <a:solidFill>
+                  <a:srgbClr val="002060"/>
+                </a:solidFill>
+                <a:latin typeface="Calibri" pitchFamily="34" charset="0"/>
+                <a:hlinkClick r:id="rId4"/>
+              </a:rPr>
+              <a:t>@</a:t>
+            </a:r>
+            <a:r>
+              <a:rPr lang="en-US" sz="2400" dirty="0" err="1">
+                <a:solidFill>
+                  <a:srgbClr val="002060"/>
+                </a:solidFill>
+                <a:latin typeface="Calibri" pitchFamily="34" charset="0"/>
+                <a:hlinkClick r:id="rId4"/>
+              </a:rPr>
+              <a:t>EitanBlumin</a:t>
+            </a:r>
+            <a:endParaRPr lang="en-US" sz="2400" dirty="0">
+              <a:solidFill>
+                <a:srgbClr val="002060"/>
+              </a:solidFill>
+              <a:latin typeface="Calibri" pitchFamily="34" charset="0"/>
+            </a:endParaRPr>
+          </a:p>
+          <a:p>
+            <a:pPr marL="360000" lvl="0" indent="-360000">
+              <a:spcBef>
+                <a:spcPts val="600"/>
+              </a:spcBef>
+              <a:tabLst>
+                <a:tab pos="179388" algn="l"/>
+                <a:tab pos="1978025" algn="l"/>
+              </a:tabLst>
+            </a:pPr>
+            <a:r>
+              <a:rPr lang="en-US" sz="2400" dirty="0">
+                <a:solidFill>
+                  <a:srgbClr val="002060"/>
+                </a:solidFill>
+                <a:latin typeface="Calibri" pitchFamily="34" charset="0"/>
+              </a:rPr>
+              <a:t>LinkedIn:	</a:t>
+            </a:r>
+            <a:r>
+              <a:rPr lang="en-US" sz="2400" dirty="0">
+                <a:solidFill>
+                  <a:srgbClr val="002060"/>
+                </a:solidFill>
+                <a:latin typeface="Calibri" pitchFamily="34" charset="0"/>
+                <a:hlinkClick r:id="rId5"/>
+              </a:rPr>
+              <a:t>www.linkedin.com/in/eitanblumin</a:t>
+            </a:r>
+            <a:r>
+              <a:rPr lang="en-US" sz="2400" dirty="0">
+                <a:solidFill>
+                  <a:srgbClr val="002060"/>
+                </a:solidFill>
+                <a:latin typeface="Calibri" pitchFamily="34" charset="0"/>
+              </a:rPr>
+              <a:t> </a:t>
+            </a:r>
+          </a:p>
+          <a:p>
+            <a:pPr marL="360000" lvl="0" indent="-360000" algn="l" rtl="0">
+              <a:spcBef>
+                <a:spcPts val="600"/>
+              </a:spcBef>
+              <a:tabLst>
+                <a:tab pos="179388" algn="l"/>
+                <a:tab pos="1978025" algn="l"/>
+              </a:tabLst>
+            </a:pPr>
+            <a:r>
+              <a:rPr lang="en-US" sz="2400" dirty="0">
+                <a:solidFill>
+                  <a:srgbClr val="002060"/>
+                </a:solidFill>
+                <a:latin typeface="Calibri" pitchFamily="34" charset="0"/>
+              </a:rPr>
+              <a:t>Blog:	</a:t>
+            </a:r>
+            <a:r>
+              <a:rPr lang="en-US" sz="2400" dirty="0">
+                <a:solidFill>
+                  <a:srgbClr val="002060"/>
+                </a:solidFill>
+                <a:latin typeface="Calibri" pitchFamily="34" charset="0"/>
+                <a:hlinkClick r:id="rId6"/>
+              </a:rPr>
+              <a:t>www.eitanblumin.com</a:t>
+            </a:r>
+            <a:r>
+              <a:rPr lang="en-US" sz="2400" dirty="0">
+                <a:solidFill>
+                  <a:srgbClr val="002060"/>
+                </a:solidFill>
+                <a:latin typeface="Calibri" pitchFamily="34" charset="0"/>
+              </a:rPr>
+              <a:t> </a:t>
+            </a:r>
+          </a:p>
+        </p:txBody>
+      </p:sp>
       <p:pic>
         <p:nvPicPr>
           <p:cNvPr id="6" name="Picture 5"/>
@@ -25058,7 +25456,7 @@
           <p:nvPr/>
         </p:nvPicPr>
         <p:blipFill>
-          <a:blip r:embed="rId3" cstate="print">
+          <a:blip r:embed="rId7" cstate="print">
             <a:extLst>
               <a:ext uri="{28A0092B-C50C-407E-A947-70E740481C1C}">
                 <a14:useLocalDpi xmlns:a14="http://schemas.microsoft.com/office/drawing/2010/main" val="0"/>
@@ -25071,7 +25469,7 @@
         </p:blipFill>
         <p:spPr>
           <a:xfrm>
-            <a:off x="6991834" y="1554154"/>
+            <a:off x="6991834" y="2878859"/>
             <a:ext cx="1816608" cy="1816608"/>
           </a:xfrm>
           <a:prstGeom prst="rect">
@@ -25126,224 +25524,6 @@
           </a:p>
         </p:txBody>
       </p:sp>
-      <p:sp>
-        <p:nvSpPr>
-          <p:cNvPr id="12" name="TextBox 11"/>
-          <p:cNvSpPr txBox="1"/>
-          <p:nvPr/>
-        </p:nvSpPr>
-        <p:spPr>
-          <a:xfrm>
-            <a:off x="218137" y="2018147"/>
-            <a:ext cx="8590306" cy="2431435"/>
-          </a:xfrm>
-          <a:prstGeom prst="rect">
-            <a:avLst/>
-          </a:prstGeom>
-          <a:noFill/>
-          <a:ln w="25400">
-            <a:noFill/>
-          </a:ln>
-        </p:spPr>
-        <p:txBody>
-          <a:bodyPr wrap="square" rtlCol="0">
-            <a:spAutoFit/>
-          </a:bodyPr>
-          <a:lstStyle/>
-          <a:p>
-            <a:pPr marL="360000" lvl="0" indent="-360000" algn="l" rtl="0">
-              <a:spcBef>
-                <a:spcPts val="600"/>
-              </a:spcBef>
-              <a:tabLst>
-                <a:tab pos="179388" algn="l"/>
-                <a:tab pos="1978025" algn="l"/>
-              </a:tabLst>
-            </a:pPr>
-            <a:r>
-              <a:rPr lang="en-US" sz="2400" dirty="0">
-                <a:solidFill>
-                  <a:srgbClr val="002060"/>
-                </a:solidFill>
-                <a:latin typeface="Calibri" pitchFamily="34" charset="0"/>
-              </a:rPr>
-              <a:t>Name:	</a:t>
-            </a:r>
-            <a:r>
-              <a:rPr lang="en-US" sz="3600" dirty="0">
-                <a:solidFill>
-                  <a:srgbClr val="002060"/>
-                </a:solidFill>
-                <a:latin typeface="Calibri" pitchFamily="34" charset="0"/>
-              </a:rPr>
-              <a:t>Eitan Blumin</a:t>
-            </a:r>
-          </a:p>
-          <a:p>
-            <a:pPr marL="360000" lvl="0" indent="-360000" algn="l" rtl="0">
-              <a:spcBef>
-                <a:spcPts val="600"/>
-              </a:spcBef>
-              <a:tabLst>
-                <a:tab pos="179388" algn="l"/>
-                <a:tab pos="1978025" algn="l"/>
-              </a:tabLst>
-            </a:pPr>
-            <a:r>
-              <a:rPr lang="en-US" sz="2400" dirty="0">
-                <a:solidFill>
-                  <a:srgbClr val="002060"/>
-                </a:solidFill>
-                <a:latin typeface="Calibri" pitchFamily="34" charset="0"/>
-              </a:rPr>
-              <a:t>Email:	</a:t>
-            </a:r>
-            <a:r>
-              <a:rPr lang="en-US" sz="2400" dirty="0">
-                <a:solidFill>
-                  <a:srgbClr val="002060"/>
-                </a:solidFill>
-                <a:latin typeface="Calibri" pitchFamily="34" charset="0"/>
-                <a:hlinkClick r:id="rId4"/>
-              </a:rPr>
-              <a:t>eitan@eitanblumin.com</a:t>
-            </a:r>
-            <a:r>
-              <a:rPr lang="en-US" sz="2400" dirty="0">
-                <a:solidFill>
-                  <a:srgbClr val="002060"/>
-                </a:solidFill>
-                <a:latin typeface="Calibri" pitchFamily="34" charset="0"/>
-              </a:rPr>
-              <a:t> </a:t>
-            </a:r>
-          </a:p>
-          <a:p>
-            <a:pPr marL="360000" lvl="0" indent="-360000" algn="l" rtl="0">
-              <a:spcBef>
-                <a:spcPts val="600"/>
-              </a:spcBef>
-              <a:tabLst>
-                <a:tab pos="179388" algn="l"/>
-                <a:tab pos="1978025" algn="l"/>
-              </a:tabLst>
-            </a:pPr>
-            <a:r>
-              <a:rPr lang="en-US" sz="2400" dirty="0">
-                <a:solidFill>
-                  <a:srgbClr val="002060"/>
-                </a:solidFill>
-                <a:latin typeface="Calibri" pitchFamily="34" charset="0"/>
-              </a:rPr>
-              <a:t>Twitter:	</a:t>
-            </a:r>
-            <a:r>
-              <a:rPr lang="en-US" sz="2400" dirty="0">
-                <a:solidFill>
-                  <a:srgbClr val="002060"/>
-                </a:solidFill>
-                <a:latin typeface="Calibri" pitchFamily="34" charset="0"/>
-                <a:hlinkClick r:id="rId5"/>
-              </a:rPr>
-              <a:t>@</a:t>
-            </a:r>
-            <a:r>
-              <a:rPr lang="en-US" sz="2400" dirty="0" err="1">
-                <a:solidFill>
-                  <a:srgbClr val="002060"/>
-                </a:solidFill>
-                <a:latin typeface="Calibri" pitchFamily="34" charset="0"/>
-                <a:hlinkClick r:id="rId5"/>
-              </a:rPr>
-              <a:t>EitanBlumin</a:t>
-            </a:r>
-            <a:endParaRPr lang="en-US" sz="2400" dirty="0">
-              <a:solidFill>
-                <a:srgbClr val="002060"/>
-              </a:solidFill>
-              <a:latin typeface="Calibri" pitchFamily="34" charset="0"/>
-            </a:endParaRPr>
-          </a:p>
-          <a:p>
-            <a:pPr marL="360000" lvl="0" indent="-360000">
-              <a:spcBef>
-                <a:spcPts val="600"/>
-              </a:spcBef>
-              <a:tabLst>
-                <a:tab pos="179388" algn="l"/>
-                <a:tab pos="1978025" algn="l"/>
-              </a:tabLst>
-            </a:pPr>
-            <a:r>
-              <a:rPr lang="en-US" sz="2400" dirty="0">
-                <a:solidFill>
-                  <a:srgbClr val="002060"/>
-                </a:solidFill>
-                <a:latin typeface="Calibri" pitchFamily="34" charset="0"/>
-              </a:rPr>
-              <a:t>LinkedIn:	</a:t>
-            </a:r>
-            <a:r>
-              <a:rPr lang="en-US" sz="2400" dirty="0">
-                <a:solidFill>
-                  <a:srgbClr val="002060"/>
-                </a:solidFill>
-                <a:latin typeface="Calibri" pitchFamily="34" charset="0"/>
-                <a:hlinkClick r:id="rId6"/>
-              </a:rPr>
-              <a:t>www.linkedin.com/in/eitanblumin</a:t>
-            </a:r>
-            <a:r>
-              <a:rPr lang="en-US" sz="2400" dirty="0">
-                <a:solidFill>
-                  <a:srgbClr val="002060"/>
-                </a:solidFill>
-                <a:latin typeface="Calibri" pitchFamily="34" charset="0"/>
-              </a:rPr>
-              <a:t> </a:t>
-            </a:r>
-          </a:p>
-          <a:p>
-            <a:pPr marL="360000" lvl="0" indent="-360000" algn="l" rtl="0">
-              <a:spcBef>
-                <a:spcPts val="600"/>
-              </a:spcBef>
-              <a:tabLst>
-                <a:tab pos="179388" algn="l"/>
-                <a:tab pos="1978025" algn="l"/>
-              </a:tabLst>
-            </a:pPr>
-            <a:r>
-              <a:rPr lang="en-US" sz="2400" dirty="0">
-                <a:solidFill>
-                  <a:srgbClr val="002060"/>
-                </a:solidFill>
-                <a:latin typeface="Calibri" pitchFamily="34" charset="0"/>
-              </a:rPr>
-              <a:t>Blog:	</a:t>
-            </a:r>
-            <a:r>
-              <a:rPr lang="en-US" sz="2400" dirty="0">
-                <a:solidFill>
-                  <a:srgbClr val="002060"/>
-                </a:solidFill>
-                <a:latin typeface="Calibri" pitchFamily="34" charset="0"/>
-                <a:hlinkClick r:id="rId7"/>
-              </a:rPr>
-              <a:t>www.eitanblumin.com</a:t>
-            </a:r>
-            <a:r>
-              <a:rPr lang="en-US" sz="2400" dirty="0">
-                <a:solidFill>
-                  <a:srgbClr val="002060"/>
-                </a:solidFill>
-                <a:latin typeface="Calibri" pitchFamily="34" charset="0"/>
-              </a:rPr>
-              <a:t> </a:t>
-            </a:r>
-          </a:p>
-        </p:txBody>
-      </p:sp>
       <p:pic>
         <p:nvPicPr>
           <p:cNvPr id="1026" name="Picture 2" descr="MCSE: Data Management and Analytics â Certified 2016">
@@ -25511,10 +25691,10 @@
       </p:pic>
       <p:sp>
         <p:nvSpPr>
-          <p:cNvPr id="3" name="TextBox 2">
+          <p:cNvPr id="5" name="TextBox 4">
             <a:extLst>
               <a:ext uri="{FF2B5EF4-FFF2-40B4-BE49-F238E27FC236}">
-                <a16:creationId xmlns:a16="http://schemas.microsoft.com/office/drawing/2014/main" id="{4892CDDA-FB8B-4EEF-BB23-BCBCCB2570B9}"/>
+                <a16:creationId xmlns:a16="http://schemas.microsoft.com/office/drawing/2014/main" id="{44D44E1A-BDF6-4B5F-B6B4-AE260B3E1FFC}"/>
               </a:ext>
             </a:extLst>
           </p:cNvPr>
@@ -25523,43 +25703,7 @@
         </p:nvSpPr>
         <p:spPr>
           <a:xfrm>
-            <a:off x="7209692" y="1315825"/>
-            <a:ext cx="1598750" cy="646331"/>
-          </a:xfrm>
-          <a:prstGeom prst="rect">
-            <a:avLst/>
-          </a:prstGeom>
-          <a:noFill/>
-        </p:spPr>
-        <p:txBody>
-          <a:bodyPr wrap="square" rtlCol="0">
-            <a:spAutoFit/>
-          </a:bodyPr>
-          <a:lstStyle/>
-          <a:p>
-            <a:pPr algn="ctr"/>
-            <a:r>
-              <a:rPr lang="en-US" dirty="0"/>
-              <a:t>SQL Server consultant in:</a:t>
-            </a:r>
-          </a:p>
-        </p:txBody>
-      </p:sp>
-      <p:sp>
-        <p:nvSpPr>
-          <p:cNvPr id="5" name="TextBox 4">
-            <a:extLst>
-              <a:ext uri="{FF2B5EF4-FFF2-40B4-BE49-F238E27FC236}">
-                <a16:creationId xmlns:a16="http://schemas.microsoft.com/office/drawing/2014/main" id="{44D44E1A-BDF6-4B5F-B6B4-AE260B3E1FFC}"/>
-              </a:ext>
-            </a:extLst>
-          </p:cNvPr>
-          <p:cNvSpPr txBox="1"/>
-          <p:nvPr/>
-        </p:nvSpPr>
-        <p:spPr>
-          <a:xfrm>
-            <a:off x="7257975" y="2943805"/>
+            <a:off x="7257975" y="4268510"/>
             <a:ext cx="1284326" cy="369332"/>
           </a:xfrm>
           <a:prstGeom prst="rect">
@@ -25595,8 +25739,8 @@
         </p:nvSpPr>
         <p:spPr>
           <a:xfrm>
-            <a:off x="5155549" y="370721"/>
-            <a:ext cx="3652893" cy="369332"/>
+            <a:off x="7008136" y="1871271"/>
+            <a:ext cx="1800306" cy="1477328"/>
           </a:xfrm>
           <a:prstGeom prst="rect">
             <a:avLst/>
@@ -25609,10 +25753,21 @@
           </a:bodyPr>
           <a:lstStyle/>
           <a:p>
-            <a:pPr algn="r"/>
+            <a:pPr algn="ctr"/>
             <a:r>
               <a:rPr lang="en-US" dirty="0"/>
               <a:t>SQL Server DBA since 2005</a:t>
+            </a:r>
+          </a:p>
+          <a:p>
+            <a:pPr algn="ctr"/>
+            <a:endParaRPr lang="en-US" dirty="0"/>
+          </a:p>
+          <a:p>
+            <a:pPr algn="ctr"/>
+            <a:r>
+              <a:rPr lang="en-US" dirty="0"/>
+              <a:t>SQL Server consultant in:</a:t>
             </a:r>
           </a:p>
         </p:txBody>
@@ -25627,13 +25782,13 @@
   <p:clrMapOvr>
     <a:masterClrMapping/>
   </p:clrMapOvr>
-  <mc:AlternateContent xmlns:mc="http://schemas.openxmlformats.org/markup-compatibility/2006" xmlns:p14="http://schemas.microsoft.com/office/powerpoint/2010/main">
-    <mc:Choice Requires="p14">
+  <mc:AlternateContent xmlns:mc="http://schemas.openxmlformats.org/markup-compatibility/2006">
+    <mc:Choice xmlns:p14="http://schemas.microsoft.com/office/powerpoint/2010/main" Requires="p14">
       <p:transition spd="med" p14:dur="700">
         <p:fade/>
       </p:transition>
     </mc:Choice>
-    <mc:Fallback xmlns="">
+    <mc:Fallback>
       <p:transition spd="med">
         <p:fade/>
       </p:transition>
@@ -25884,13 +26039,13 @@
   <p:clrMapOvr>
     <a:masterClrMapping/>
   </p:clrMapOvr>
-  <mc:AlternateContent xmlns:mc="http://schemas.openxmlformats.org/markup-compatibility/2006" xmlns:p14="http://schemas.microsoft.com/office/powerpoint/2010/main">
-    <mc:Choice Requires="p14">
+  <mc:AlternateContent xmlns:mc="http://schemas.openxmlformats.org/markup-compatibility/2006">
+    <mc:Choice xmlns:p14="http://schemas.microsoft.com/office/powerpoint/2010/main" Requires="p14">
       <p:transition spd="med" p14:dur="700">
         <p:fade/>
       </p:transition>
     </mc:Choice>
-    <mc:Fallback xmlns="">
+    <mc:Fallback>
       <p:transition spd="med">
         <p:fade/>
       </p:transition>
@@ -26122,13 +26277,13 @@
   <p:clrMapOvr>
     <a:masterClrMapping/>
   </p:clrMapOvr>
-  <mc:AlternateContent xmlns:mc="http://schemas.openxmlformats.org/markup-compatibility/2006" xmlns:p14="http://schemas.microsoft.com/office/powerpoint/2010/main">
-    <mc:Choice Requires="p14">
+  <mc:AlternateContent xmlns:mc="http://schemas.openxmlformats.org/markup-compatibility/2006">
+    <mc:Choice xmlns:p14="http://schemas.microsoft.com/office/powerpoint/2010/main" Requires="p14">
       <p:transition spd="med" p14:dur="700">
         <p:fade/>
       </p:transition>
     </mc:Choice>
-    <mc:Fallback xmlns="">
+    <mc:Fallback>
       <p:transition spd="med">
         <p:fade/>
       </p:transition>
@@ -26211,13 +26366,13 @@
   <p:clrMapOvr>
     <a:masterClrMapping/>
   </p:clrMapOvr>
-  <mc:AlternateContent xmlns:mc="http://schemas.openxmlformats.org/markup-compatibility/2006" xmlns:p14="http://schemas.microsoft.com/office/powerpoint/2010/main">
-    <mc:Choice Requires="p14">
+  <mc:AlternateContent xmlns:mc="http://schemas.openxmlformats.org/markup-compatibility/2006">
+    <mc:Choice xmlns:p14="http://schemas.microsoft.com/office/powerpoint/2010/main" Requires="p14">
       <p:transition spd="med" p14:dur="700">
         <p:fade/>
       </p:transition>
     </mc:Choice>
-    <mc:Fallback xmlns="">
+    <mc:Fallback>
       <p:transition spd="med">
         <p:fade/>
       </p:transition>
@@ -26245,10 +26400,10 @@
       </p:grpSpPr>
       <p:pic>
         <p:nvPicPr>
-          <p:cNvPr id="4" name="Picture 3">
+          <p:cNvPr id="12" name="Picture 11">
             <a:extLst>
               <a:ext uri="{FF2B5EF4-FFF2-40B4-BE49-F238E27FC236}">
-                <a16:creationId xmlns:a16="http://schemas.microsoft.com/office/drawing/2014/main" id="{0766732D-DFFA-4E74-9BE9-D499CC4A7522}"/>
+                <a16:creationId xmlns:a16="http://schemas.microsoft.com/office/drawing/2014/main" id="{BBC38701-B71A-4C37-A529-79329206E1D7}"/>
               </a:ext>
             </a:extLst>
           </p:cNvPr>
@@ -26258,27 +26413,461 @@
           <p:nvPr/>
         </p:nvPicPr>
         <p:blipFill>
-          <a:blip r:embed="rId3">
-            <a:extLst>
-              <a:ext uri="{28A0092B-C50C-407E-A947-70E740481C1C}">
-                <a14:useLocalDpi xmlns:a14="http://schemas.microsoft.com/office/drawing/2010/main" val="0"/>
-              </a:ext>
-            </a:extLst>
-          </a:blip>
+          <a:blip r:embed="rId3"/>
           <a:stretch>
             <a:fillRect/>
           </a:stretch>
         </p:blipFill>
         <p:spPr>
           <a:xfrm>
-            <a:off x="2062162" y="1343025"/>
-            <a:ext cx="5019675" cy="2457450"/>
+            <a:off x="1800225" y="833437"/>
+            <a:ext cx="5543550" cy="3476625"/>
           </a:xfrm>
           <a:prstGeom prst="rect">
             <a:avLst/>
           </a:prstGeom>
         </p:spPr>
       </p:pic>
+      <p:sp>
+        <p:nvSpPr>
+          <p:cNvPr id="8" name="Arrow: Down 7">
+            <a:extLst>
+              <a:ext uri="{FF2B5EF4-FFF2-40B4-BE49-F238E27FC236}">
+                <a16:creationId xmlns:a16="http://schemas.microsoft.com/office/drawing/2014/main" id="{7B2E0E8F-A732-41CE-B8EC-9B53C054C898}"/>
+              </a:ext>
+            </a:extLst>
+          </p:cNvPr>
+          <p:cNvSpPr/>
+          <p:nvPr/>
+        </p:nvSpPr>
+        <p:spPr>
+          <a:xfrm>
+            <a:off x="3271471" y="751681"/>
+            <a:ext cx="117231" cy="163512"/>
+          </a:xfrm>
+          <a:prstGeom prst="downArrow">
+            <a:avLst/>
+          </a:prstGeom>
+        </p:spPr>
+        <p:style>
+          <a:lnRef idx="1">
+            <a:schemeClr val="accent3"/>
+          </a:lnRef>
+          <a:fillRef idx="3">
+            <a:schemeClr val="accent3"/>
+          </a:fillRef>
+          <a:effectRef idx="2">
+            <a:schemeClr val="accent3"/>
+          </a:effectRef>
+          <a:fontRef idx="minor">
+            <a:schemeClr val="lt1"/>
+          </a:fontRef>
+        </p:style>
+        <p:txBody>
+          <a:bodyPr rtlCol="0" anchor="ctr"/>
+          <a:lstStyle/>
+          <a:p>
+            <a:pPr algn="ctr"/>
+            <a:endParaRPr lang="en-US"/>
+          </a:p>
+        </p:txBody>
+      </p:sp>
+      <p:sp>
+        <p:nvSpPr>
+          <p:cNvPr id="9" name="Arrow: Down 8">
+            <a:extLst>
+              <a:ext uri="{FF2B5EF4-FFF2-40B4-BE49-F238E27FC236}">
+                <a16:creationId xmlns:a16="http://schemas.microsoft.com/office/drawing/2014/main" id="{D087467A-7EE7-4736-A8C4-B3DF101E2DD3}"/>
+              </a:ext>
+            </a:extLst>
+          </p:cNvPr>
+          <p:cNvSpPr/>
+          <p:nvPr/>
+        </p:nvSpPr>
+        <p:spPr>
+          <a:xfrm>
+            <a:off x="3006237" y="1151304"/>
+            <a:ext cx="117231" cy="163512"/>
+          </a:xfrm>
+          <a:prstGeom prst="downArrow">
+            <a:avLst/>
+          </a:prstGeom>
+        </p:spPr>
+        <p:style>
+          <a:lnRef idx="1">
+            <a:schemeClr val="accent3"/>
+          </a:lnRef>
+          <a:fillRef idx="3">
+            <a:schemeClr val="accent3"/>
+          </a:fillRef>
+          <a:effectRef idx="2">
+            <a:schemeClr val="accent3"/>
+          </a:effectRef>
+          <a:fontRef idx="minor">
+            <a:schemeClr val="lt1"/>
+          </a:fontRef>
+        </p:style>
+        <p:txBody>
+          <a:bodyPr rtlCol="0" anchor="ctr"/>
+          <a:lstStyle/>
+          <a:p>
+            <a:pPr algn="ctr"/>
+            <a:endParaRPr lang="en-US"/>
+          </a:p>
+        </p:txBody>
+      </p:sp>
+      <p:sp>
+        <p:nvSpPr>
+          <p:cNvPr id="10" name="Arrow: Down 9">
+            <a:extLst>
+              <a:ext uri="{FF2B5EF4-FFF2-40B4-BE49-F238E27FC236}">
+                <a16:creationId xmlns:a16="http://schemas.microsoft.com/office/drawing/2014/main" id="{BC5F5DD6-A0C7-436B-B21F-2C58E36E7667}"/>
+              </a:ext>
+            </a:extLst>
+          </p:cNvPr>
+          <p:cNvSpPr/>
+          <p:nvPr/>
+        </p:nvSpPr>
+        <p:spPr>
+          <a:xfrm>
+            <a:off x="4536829" y="1505194"/>
+            <a:ext cx="117231" cy="163512"/>
+          </a:xfrm>
+          <a:prstGeom prst="downArrow">
+            <a:avLst/>
+          </a:prstGeom>
+        </p:spPr>
+        <p:style>
+          <a:lnRef idx="1">
+            <a:schemeClr val="accent3"/>
+          </a:lnRef>
+          <a:fillRef idx="3">
+            <a:schemeClr val="accent3"/>
+          </a:fillRef>
+          <a:effectRef idx="2">
+            <a:schemeClr val="accent3"/>
+          </a:effectRef>
+          <a:fontRef idx="minor">
+            <a:schemeClr val="lt1"/>
+          </a:fontRef>
+        </p:style>
+        <p:txBody>
+          <a:bodyPr rtlCol="0" anchor="ctr"/>
+          <a:lstStyle/>
+          <a:p>
+            <a:pPr algn="ctr"/>
+            <a:endParaRPr lang="en-US"/>
+          </a:p>
+        </p:txBody>
+      </p:sp>
+      <p:sp>
+        <p:nvSpPr>
+          <p:cNvPr id="11" name="Arrow: Down 10">
+            <a:extLst>
+              <a:ext uri="{FF2B5EF4-FFF2-40B4-BE49-F238E27FC236}">
+                <a16:creationId xmlns:a16="http://schemas.microsoft.com/office/drawing/2014/main" id="{6B77F869-283E-4785-BC95-E4A9A5AA91A0}"/>
+              </a:ext>
+            </a:extLst>
+          </p:cNvPr>
+          <p:cNvSpPr/>
+          <p:nvPr/>
+        </p:nvSpPr>
+        <p:spPr>
+          <a:xfrm>
+            <a:off x="4501658" y="2430584"/>
+            <a:ext cx="117231" cy="163512"/>
+          </a:xfrm>
+          <a:prstGeom prst="downArrow">
+            <a:avLst/>
+          </a:prstGeom>
+        </p:spPr>
+        <p:style>
+          <a:lnRef idx="1">
+            <a:schemeClr val="accent3"/>
+          </a:lnRef>
+          <a:fillRef idx="3">
+            <a:schemeClr val="accent3"/>
+          </a:fillRef>
+          <a:effectRef idx="2">
+            <a:schemeClr val="accent3"/>
+          </a:effectRef>
+          <a:fontRef idx="minor">
+            <a:schemeClr val="lt1"/>
+          </a:fontRef>
+        </p:style>
+        <p:txBody>
+          <a:bodyPr rtlCol="0" anchor="ctr"/>
+          <a:lstStyle/>
+          <a:p>
+            <a:pPr algn="ctr"/>
+            <a:endParaRPr lang="en-US"/>
+          </a:p>
+        </p:txBody>
+      </p:sp>
+      <p:sp>
+        <p:nvSpPr>
+          <p:cNvPr id="13" name="Arrow: Down 12">
+            <a:extLst>
+              <a:ext uri="{FF2B5EF4-FFF2-40B4-BE49-F238E27FC236}">
+                <a16:creationId xmlns:a16="http://schemas.microsoft.com/office/drawing/2014/main" id="{3934F4E6-EA3E-4BD5-9B77-DC6952E2C62C}"/>
+              </a:ext>
+            </a:extLst>
+          </p:cNvPr>
+          <p:cNvSpPr/>
+          <p:nvPr/>
+        </p:nvSpPr>
+        <p:spPr>
+          <a:xfrm>
+            <a:off x="4489936" y="2805721"/>
+            <a:ext cx="117231" cy="163512"/>
+          </a:xfrm>
+          <a:prstGeom prst="downArrow">
+            <a:avLst/>
+          </a:prstGeom>
+        </p:spPr>
+        <p:style>
+          <a:lnRef idx="1">
+            <a:schemeClr val="accent3"/>
+          </a:lnRef>
+          <a:fillRef idx="3">
+            <a:schemeClr val="accent3"/>
+          </a:fillRef>
+          <a:effectRef idx="2">
+            <a:schemeClr val="accent3"/>
+          </a:effectRef>
+          <a:fontRef idx="minor">
+            <a:schemeClr val="lt1"/>
+          </a:fontRef>
+        </p:style>
+        <p:txBody>
+          <a:bodyPr rtlCol="0" anchor="ctr"/>
+          <a:lstStyle/>
+          <a:p>
+            <a:pPr algn="ctr"/>
+            <a:endParaRPr lang="en-US"/>
+          </a:p>
+        </p:txBody>
+      </p:sp>
+      <p:sp>
+        <p:nvSpPr>
+          <p:cNvPr id="14" name="Arrow: Down 13">
+            <a:extLst>
+              <a:ext uri="{FF2B5EF4-FFF2-40B4-BE49-F238E27FC236}">
+                <a16:creationId xmlns:a16="http://schemas.microsoft.com/office/drawing/2014/main" id="{F3CF78D3-3E70-4E2B-BB8B-DBAC90B5E5AE}"/>
+              </a:ext>
+            </a:extLst>
+          </p:cNvPr>
+          <p:cNvSpPr/>
+          <p:nvPr/>
+        </p:nvSpPr>
+        <p:spPr>
+          <a:xfrm>
+            <a:off x="4630613" y="3028459"/>
+            <a:ext cx="117231" cy="163512"/>
+          </a:xfrm>
+          <a:prstGeom prst="downArrow">
+            <a:avLst/>
+          </a:prstGeom>
+        </p:spPr>
+        <p:style>
+          <a:lnRef idx="1">
+            <a:schemeClr val="accent3"/>
+          </a:lnRef>
+          <a:fillRef idx="3">
+            <a:schemeClr val="accent3"/>
+          </a:fillRef>
+          <a:effectRef idx="2">
+            <a:schemeClr val="accent3"/>
+          </a:effectRef>
+          <a:fontRef idx="minor">
+            <a:schemeClr val="lt1"/>
+          </a:fontRef>
+        </p:style>
+        <p:txBody>
+          <a:bodyPr rtlCol="0" anchor="ctr"/>
+          <a:lstStyle/>
+          <a:p>
+            <a:pPr algn="ctr"/>
+            <a:endParaRPr lang="en-US"/>
+          </a:p>
+        </p:txBody>
+      </p:sp>
+      <p:sp>
+        <p:nvSpPr>
+          <p:cNvPr id="15" name="Arrow: Down 14">
+            <a:extLst>
+              <a:ext uri="{FF2B5EF4-FFF2-40B4-BE49-F238E27FC236}">
+                <a16:creationId xmlns:a16="http://schemas.microsoft.com/office/drawing/2014/main" id="{18E777DD-AE9A-4BEE-BC03-0C7388875FFF}"/>
+              </a:ext>
+            </a:extLst>
+          </p:cNvPr>
+          <p:cNvSpPr/>
+          <p:nvPr/>
+        </p:nvSpPr>
+        <p:spPr>
+          <a:xfrm>
+            <a:off x="4325816" y="3251197"/>
+            <a:ext cx="117231" cy="163512"/>
+          </a:xfrm>
+          <a:prstGeom prst="downArrow">
+            <a:avLst/>
+          </a:prstGeom>
+        </p:spPr>
+        <p:style>
+          <a:lnRef idx="1">
+            <a:schemeClr val="accent3"/>
+          </a:lnRef>
+          <a:fillRef idx="3">
+            <a:schemeClr val="accent3"/>
+          </a:fillRef>
+          <a:effectRef idx="2">
+            <a:schemeClr val="accent3"/>
+          </a:effectRef>
+          <a:fontRef idx="minor">
+            <a:schemeClr val="lt1"/>
+          </a:fontRef>
+        </p:style>
+        <p:txBody>
+          <a:bodyPr rtlCol="0" anchor="ctr"/>
+          <a:lstStyle/>
+          <a:p>
+            <a:pPr algn="ctr"/>
+            <a:endParaRPr lang="en-US"/>
+          </a:p>
+        </p:txBody>
+      </p:sp>
+      <p:sp>
+        <p:nvSpPr>
+          <p:cNvPr id="16" name="Arrow: Down 15">
+            <a:extLst>
+              <a:ext uri="{FF2B5EF4-FFF2-40B4-BE49-F238E27FC236}">
+                <a16:creationId xmlns:a16="http://schemas.microsoft.com/office/drawing/2014/main" id="{7668AB3C-ECE6-4A39-ABF2-39220E386A0E}"/>
+              </a:ext>
+            </a:extLst>
+          </p:cNvPr>
+          <p:cNvSpPr/>
+          <p:nvPr/>
+        </p:nvSpPr>
+        <p:spPr>
+          <a:xfrm>
+            <a:off x="4665784" y="3462212"/>
+            <a:ext cx="117231" cy="163512"/>
+          </a:xfrm>
+          <a:prstGeom prst="downArrow">
+            <a:avLst/>
+          </a:prstGeom>
+        </p:spPr>
+        <p:style>
+          <a:lnRef idx="1">
+            <a:schemeClr val="accent3"/>
+          </a:lnRef>
+          <a:fillRef idx="3">
+            <a:schemeClr val="accent3"/>
+          </a:fillRef>
+          <a:effectRef idx="2">
+            <a:schemeClr val="accent3"/>
+          </a:effectRef>
+          <a:fontRef idx="minor">
+            <a:schemeClr val="lt1"/>
+          </a:fontRef>
+        </p:style>
+        <p:txBody>
+          <a:bodyPr rtlCol="0" anchor="ctr"/>
+          <a:lstStyle/>
+          <a:p>
+            <a:pPr algn="ctr"/>
+            <a:endParaRPr lang="en-US"/>
+          </a:p>
+        </p:txBody>
+      </p:sp>
+      <p:sp>
+        <p:nvSpPr>
+          <p:cNvPr id="17" name="Arrow: Down 16">
+            <a:extLst>
+              <a:ext uri="{FF2B5EF4-FFF2-40B4-BE49-F238E27FC236}">
+                <a16:creationId xmlns:a16="http://schemas.microsoft.com/office/drawing/2014/main" id="{388EE624-C53C-42CF-8699-2C70F6C703E7}"/>
+              </a:ext>
+            </a:extLst>
+          </p:cNvPr>
+          <p:cNvSpPr/>
+          <p:nvPr/>
+        </p:nvSpPr>
+        <p:spPr>
+          <a:xfrm>
+            <a:off x="4349263" y="3673227"/>
+            <a:ext cx="117231" cy="163512"/>
+          </a:xfrm>
+          <a:prstGeom prst="downArrow">
+            <a:avLst/>
+          </a:prstGeom>
+        </p:spPr>
+        <p:style>
+          <a:lnRef idx="1">
+            <a:schemeClr val="accent3"/>
+          </a:lnRef>
+          <a:fillRef idx="3">
+            <a:schemeClr val="accent3"/>
+          </a:fillRef>
+          <a:effectRef idx="2">
+            <a:schemeClr val="accent3"/>
+          </a:effectRef>
+          <a:fontRef idx="minor">
+            <a:schemeClr val="lt1"/>
+          </a:fontRef>
+        </p:style>
+        <p:txBody>
+          <a:bodyPr rtlCol="0" anchor="ctr"/>
+          <a:lstStyle/>
+          <a:p>
+            <a:pPr algn="ctr"/>
+            <a:endParaRPr lang="en-US"/>
+          </a:p>
+        </p:txBody>
+      </p:sp>
+      <p:sp>
+        <p:nvSpPr>
+          <p:cNvPr id="18" name="Arrow: Down 17">
+            <a:extLst>
+              <a:ext uri="{FF2B5EF4-FFF2-40B4-BE49-F238E27FC236}">
+                <a16:creationId xmlns:a16="http://schemas.microsoft.com/office/drawing/2014/main" id="{03E3CE83-47B5-496C-8FB0-F1672928A6A0}"/>
+              </a:ext>
+            </a:extLst>
+          </p:cNvPr>
+          <p:cNvSpPr/>
+          <p:nvPr/>
+        </p:nvSpPr>
+        <p:spPr>
+          <a:xfrm>
+            <a:off x="4431324" y="3884242"/>
+            <a:ext cx="117231" cy="163512"/>
+          </a:xfrm>
+          <a:prstGeom prst="downArrow">
+            <a:avLst/>
+          </a:prstGeom>
+        </p:spPr>
+        <p:style>
+          <a:lnRef idx="1">
+            <a:schemeClr val="accent3"/>
+          </a:lnRef>
+          <a:fillRef idx="3">
+            <a:schemeClr val="accent3"/>
+          </a:fillRef>
+          <a:effectRef idx="2">
+            <a:schemeClr val="accent3"/>
+          </a:effectRef>
+          <a:fontRef idx="minor">
+            <a:schemeClr val="lt1"/>
+          </a:fontRef>
+        </p:style>
+        <p:txBody>
+          <a:bodyPr rtlCol="0" anchor="ctr"/>
+          <a:lstStyle/>
+          <a:p>
+            <a:pPr algn="ctr"/>
+            <a:endParaRPr lang="en-US"/>
+          </a:p>
+        </p:txBody>
+      </p:sp>
     </p:spTree>
     <p:extLst>
       <p:ext uri="{BB962C8B-B14F-4D97-AF65-F5344CB8AC3E}">
@@ -26289,18 +26878,889 @@
   <p:clrMapOvr>
     <a:masterClrMapping/>
   </p:clrMapOvr>
-  <mc:AlternateContent xmlns:mc="http://schemas.openxmlformats.org/markup-compatibility/2006" xmlns:p14="http://schemas.microsoft.com/office/powerpoint/2010/main">
-    <mc:Choice Requires="p14">
+  <mc:AlternateContent xmlns:mc="http://schemas.openxmlformats.org/markup-compatibility/2006">
+    <mc:Choice xmlns:p14="http://schemas.microsoft.com/office/powerpoint/2010/main" Requires="p14">
       <p:transition spd="med" p14:dur="700">
         <p:fade/>
       </p:transition>
     </mc:Choice>
-    <mc:Fallback xmlns="">
+    <mc:Fallback>
       <p:transition spd="med">
         <p:fade/>
       </p:transition>
     </mc:Fallback>
   </mc:AlternateContent>
+  <p:timing>
+    <p:tnLst>
+      <p:par>
+        <p:cTn id="1" dur="indefinite" restart="never" nodeType="tmRoot">
+          <p:childTnLst>
+            <p:seq concurrent="1" nextAc="seek">
+              <p:cTn id="2" dur="indefinite" nodeType="mainSeq">
+                <p:childTnLst>
+                  <p:par>
+                    <p:cTn id="3" fill="hold">
+                      <p:stCondLst>
+                        <p:cond delay="indefinite"/>
+                      </p:stCondLst>
+                      <p:childTnLst>
+                        <p:par>
+                          <p:cTn id="4" fill="hold">
+                            <p:stCondLst>
+                              <p:cond delay="0"/>
+                            </p:stCondLst>
+                            <p:childTnLst>
+                              <p:par>
+                                <p:cTn id="5" presetID="2" presetClass="entr" presetSubtype="1" fill="hold" grpId="0" nodeType="clickEffect">
+                                  <p:stCondLst>
+                                    <p:cond delay="0"/>
+                                  </p:stCondLst>
+                                  <p:childTnLst>
+                                    <p:set>
+                                      <p:cBhvr>
+                                        <p:cTn id="6" dur="1" fill="hold">
+                                          <p:stCondLst>
+                                            <p:cond delay="0"/>
+                                          </p:stCondLst>
+                                        </p:cTn>
+                                        <p:tgtEl>
+                                          <p:spTgt spid="8"/>
+                                        </p:tgtEl>
+                                        <p:attrNameLst>
+                                          <p:attrName>style.visibility</p:attrName>
+                                        </p:attrNameLst>
+                                      </p:cBhvr>
+                                      <p:to>
+                                        <p:strVal val="visible"/>
+                                      </p:to>
+                                    </p:set>
+                                    <p:anim calcmode="lin" valueType="num">
+                                      <p:cBhvr additive="base">
+                                        <p:cTn id="7" dur="250" fill="hold"/>
+                                        <p:tgtEl>
+                                          <p:spTgt spid="8"/>
+                                        </p:tgtEl>
+                                        <p:attrNameLst>
+                                          <p:attrName>ppt_x</p:attrName>
+                                        </p:attrNameLst>
+                                      </p:cBhvr>
+                                      <p:tavLst>
+                                        <p:tav tm="0">
+                                          <p:val>
+                                            <p:strVal val="#ppt_x"/>
+                                          </p:val>
+                                        </p:tav>
+                                        <p:tav tm="100000">
+                                          <p:val>
+                                            <p:strVal val="#ppt_x"/>
+                                          </p:val>
+                                        </p:tav>
+                                      </p:tavLst>
+                                    </p:anim>
+                                    <p:anim calcmode="lin" valueType="num">
+                                      <p:cBhvr additive="base">
+                                        <p:cTn id="8" dur="250" fill="hold"/>
+                                        <p:tgtEl>
+                                          <p:spTgt spid="8"/>
+                                        </p:tgtEl>
+                                        <p:attrNameLst>
+                                          <p:attrName>ppt_y</p:attrName>
+                                        </p:attrNameLst>
+                                      </p:cBhvr>
+                                      <p:tavLst>
+                                        <p:tav tm="0">
+                                          <p:val>
+                                            <p:strVal val="0-#ppt_h/2"/>
+                                          </p:val>
+                                        </p:tav>
+                                        <p:tav tm="100000">
+                                          <p:val>
+                                            <p:strVal val="#ppt_y"/>
+                                          </p:val>
+                                        </p:tav>
+                                      </p:tavLst>
+                                    </p:anim>
+                                  </p:childTnLst>
+                                </p:cTn>
+                              </p:par>
+                            </p:childTnLst>
+                          </p:cTn>
+                        </p:par>
+                        <p:par>
+                          <p:cTn id="9" fill="hold">
+                            <p:stCondLst>
+                              <p:cond delay="250"/>
+                            </p:stCondLst>
+                            <p:childTnLst>
+                              <p:par>
+                                <p:cTn id="10" presetID="2" presetClass="entr" presetSubtype="1" fill="hold" grpId="0" nodeType="afterEffect">
+                                  <p:stCondLst>
+                                    <p:cond delay="0"/>
+                                  </p:stCondLst>
+                                  <p:childTnLst>
+                                    <p:set>
+                                      <p:cBhvr>
+                                        <p:cTn id="11" dur="1" fill="hold">
+                                          <p:stCondLst>
+                                            <p:cond delay="0"/>
+                                          </p:stCondLst>
+                                        </p:cTn>
+                                        <p:tgtEl>
+                                          <p:spTgt spid="9"/>
+                                        </p:tgtEl>
+                                        <p:attrNameLst>
+                                          <p:attrName>style.visibility</p:attrName>
+                                        </p:attrNameLst>
+                                      </p:cBhvr>
+                                      <p:to>
+                                        <p:strVal val="visible"/>
+                                      </p:to>
+                                    </p:set>
+                                    <p:anim calcmode="lin" valueType="num">
+                                      <p:cBhvr additive="base">
+                                        <p:cTn id="12" dur="250" fill="hold"/>
+                                        <p:tgtEl>
+                                          <p:spTgt spid="9"/>
+                                        </p:tgtEl>
+                                        <p:attrNameLst>
+                                          <p:attrName>ppt_x</p:attrName>
+                                        </p:attrNameLst>
+                                      </p:cBhvr>
+                                      <p:tavLst>
+                                        <p:tav tm="0">
+                                          <p:val>
+                                            <p:strVal val="#ppt_x"/>
+                                          </p:val>
+                                        </p:tav>
+                                        <p:tav tm="100000">
+                                          <p:val>
+                                            <p:strVal val="#ppt_x"/>
+                                          </p:val>
+                                        </p:tav>
+                                      </p:tavLst>
+                                    </p:anim>
+                                    <p:anim calcmode="lin" valueType="num">
+                                      <p:cBhvr additive="base">
+                                        <p:cTn id="13" dur="250" fill="hold"/>
+                                        <p:tgtEl>
+                                          <p:spTgt spid="9"/>
+                                        </p:tgtEl>
+                                        <p:attrNameLst>
+                                          <p:attrName>ppt_y</p:attrName>
+                                        </p:attrNameLst>
+                                      </p:cBhvr>
+                                      <p:tavLst>
+                                        <p:tav tm="0">
+                                          <p:val>
+                                            <p:strVal val="0-#ppt_h/2"/>
+                                          </p:val>
+                                        </p:tav>
+                                        <p:tav tm="100000">
+                                          <p:val>
+                                            <p:strVal val="#ppt_y"/>
+                                          </p:val>
+                                        </p:tav>
+                                      </p:tavLst>
+                                    </p:anim>
+                                  </p:childTnLst>
+                                </p:cTn>
+                              </p:par>
+                            </p:childTnLst>
+                          </p:cTn>
+                        </p:par>
+                        <p:par>
+                          <p:cTn id="14" fill="hold">
+                            <p:stCondLst>
+                              <p:cond delay="500"/>
+                            </p:stCondLst>
+                            <p:childTnLst>
+                              <p:par>
+                                <p:cTn id="15" presetID="2" presetClass="entr" presetSubtype="1" fill="hold" grpId="0" nodeType="afterEffect">
+                                  <p:stCondLst>
+                                    <p:cond delay="0"/>
+                                  </p:stCondLst>
+                                  <p:childTnLst>
+                                    <p:set>
+                                      <p:cBhvr>
+                                        <p:cTn id="16" dur="1" fill="hold">
+                                          <p:stCondLst>
+                                            <p:cond delay="0"/>
+                                          </p:stCondLst>
+                                        </p:cTn>
+                                        <p:tgtEl>
+                                          <p:spTgt spid="10"/>
+                                        </p:tgtEl>
+                                        <p:attrNameLst>
+                                          <p:attrName>style.visibility</p:attrName>
+                                        </p:attrNameLst>
+                                      </p:cBhvr>
+                                      <p:to>
+                                        <p:strVal val="visible"/>
+                                      </p:to>
+                                    </p:set>
+                                    <p:anim calcmode="lin" valueType="num">
+                                      <p:cBhvr additive="base">
+                                        <p:cTn id="17" dur="250" fill="hold"/>
+                                        <p:tgtEl>
+                                          <p:spTgt spid="10"/>
+                                        </p:tgtEl>
+                                        <p:attrNameLst>
+                                          <p:attrName>ppt_x</p:attrName>
+                                        </p:attrNameLst>
+                                      </p:cBhvr>
+                                      <p:tavLst>
+                                        <p:tav tm="0">
+                                          <p:val>
+                                            <p:strVal val="#ppt_x"/>
+                                          </p:val>
+                                        </p:tav>
+                                        <p:tav tm="100000">
+                                          <p:val>
+                                            <p:strVal val="#ppt_x"/>
+                                          </p:val>
+                                        </p:tav>
+                                      </p:tavLst>
+                                    </p:anim>
+                                    <p:anim calcmode="lin" valueType="num">
+                                      <p:cBhvr additive="base">
+                                        <p:cTn id="18" dur="250" fill="hold"/>
+                                        <p:tgtEl>
+                                          <p:spTgt spid="10"/>
+                                        </p:tgtEl>
+                                        <p:attrNameLst>
+                                          <p:attrName>ppt_y</p:attrName>
+                                        </p:attrNameLst>
+                                      </p:cBhvr>
+                                      <p:tavLst>
+                                        <p:tav tm="0">
+                                          <p:val>
+                                            <p:strVal val="0-#ppt_h/2"/>
+                                          </p:val>
+                                        </p:tav>
+                                        <p:tav tm="100000">
+                                          <p:val>
+                                            <p:strVal val="#ppt_y"/>
+                                          </p:val>
+                                        </p:tav>
+                                      </p:tavLst>
+                                    </p:anim>
+                                  </p:childTnLst>
+                                </p:cTn>
+                              </p:par>
+                            </p:childTnLst>
+                          </p:cTn>
+                        </p:par>
+                        <p:par>
+                          <p:cTn id="19" fill="hold">
+                            <p:stCondLst>
+                              <p:cond delay="750"/>
+                            </p:stCondLst>
+                            <p:childTnLst>
+                              <p:par>
+                                <p:cTn id="20" presetID="2" presetClass="entr" presetSubtype="1" fill="hold" grpId="0" nodeType="afterEffect">
+                                  <p:stCondLst>
+                                    <p:cond delay="0"/>
+                                  </p:stCondLst>
+                                  <p:childTnLst>
+                                    <p:set>
+                                      <p:cBhvr>
+                                        <p:cTn id="21" dur="1" fill="hold">
+                                          <p:stCondLst>
+                                            <p:cond delay="0"/>
+                                          </p:stCondLst>
+                                        </p:cTn>
+                                        <p:tgtEl>
+                                          <p:spTgt spid="11"/>
+                                        </p:tgtEl>
+                                        <p:attrNameLst>
+                                          <p:attrName>style.visibility</p:attrName>
+                                        </p:attrNameLst>
+                                      </p:cBhvr>
+                                      <p:to>
+                                        <p:strVal val="visible"/>
+                                      </p:to>
+                                    </p:set>
+                                    <p:anim calcmode="lin" valueType="num">
+                                      <p:cBhvr additive="base">
+                                        <p:cTn id="22" dur="250" fill="hold"/>
+                                        <p:tgtEl>
+                                          <p:spTgt spid="11"/>
+                                        </p:tgtEl>
+                                        <p:attrNameLst>
+                                          <p:attrName>ppt_x</p:attrName>
+                                        </p:attrNameLst>
+                                      </p:cBhvr>
+                                      <p:tavLst>
+                                        <p:tav tm="0">
+                                          <p:val>
+                                            <p:strVal val="#ppt_x"/>
+                                          </p:val>
+                                        </p:tav>
+                                        <p:tav tm="100000">
+                                          <p:val>
+                                            <p:strVal val="#ppt_x"/>
+                                          </p:val>
+                                        </p:tav>
+                                      </p:tavLst>
+                                    </p:anim>
+                                    <p:anim calcmode="lin" valueType="num">
+                                      <p:cBhvr additive="base">
+                                        <p:cTn id="23" dur="250" fill="hold"/>
+                                        <p:tgtEl>
+                                          <p:spTgt spid="11"/>
+                                        </p:tgtEl>
+                                        <p:attrNameLst>
+                                          <p:attrName>ppt_y</p:attrName>
+                                        </p:attrNameLst>
+                                      </p:cBhvr>
+                                      <p:tavLst>
+                                        <p:tav tm="0">
+                                          <p:val>
+                                            <p:strVal val="0-#ppt_h/2"/>
+                                          </p:val>
+                                        </p:tav>
+                                        <p:tav tm="100000">
+                                          <p:val>
+                                            <p:strVal val="#ppt_y"/>
+                                          </p:val>
+                                        </p:tav>
+                                      </p:tavLst>
+                                    </p:anim>
+                                  </p:childTnLst>
+                                </p:cTn>
+                              </p:par>
+                            </p:childTnLst>
+                          </p:cTn>
+                        </p:par>
+                        <p:par>
+                          <p:cTn id="24" fill="hold">
+                            <p:stCondLst>
+                              <p:cond delay="1000"/>
+                            </p:stCondLst>
+                            <p:childTnLst>
+                              <p:par>
+                                <p:cTn id="25" presetID="2" presetClass="entr" presetSubtype="1" fill="hold" grpId="0" nodeType="afterEffect">
+                                  <p:stCondLst>
+                                    <p:cond delay="0"/>
+                                  </p:stCondLst>
+                                  <p:childTnLst>
+                                    <p:set>
+                                      <p:cBhvr>
+                                        <p:cTn id="26" dur="1" fill="hold">
+                                          <p:stCondLst>
+                                            <p:cond delay="0"/>
+                                          </p:stCondLst>
+                                        </p:cTn>
+                                        <p:tgtEl>
+                                          <p:spTgt spid="13"/>
+                                        </p:tgtEl>
+                                        <p:attrNameLst>
+                                          <p:attrName>style.visibility</p:attrName>
+                                        </p:attrNameLst>
+                                      </p:cBhvr>
+                                      <p:to>
+                                        <p:strVal val="visible"/>
+                                      </p:to>
+                                    </p:set>
+                                    <p:anim calcmode="lin" valueType="num">
+                                      <p:cBhvr additive="base">
+                                        <p:cTn id="27" dur="250" fill="hold"/>
+                                        <p:tgtEl>
+                                          <p:spTgt spid="13"/>
+                                        </p:tgtEl>
+                                        <p:attrNameLst>
+                                          <p:attrName>ppt_x</p:attrName>
+                                        </p:attrNameLst>
+                                      </p:cBhvr>
+                                      <p:tavLst>
+                                        <p:tav tm="0">
+                                          <p:val>
+                                            <p:strVal val="#ppt_x"/>
+                                          </p:val>
+                                        </p:tav>
+                                        <p:tav tm="100000">
+                                          <p:val>
+                                            <p:strVal val="#ppt_x"/>
+                                          </p:val>
+                                        </p:tav>
+                                      </p:tavLst>
+                                    </p:anim>
+                                    <p:anim calcmode="lin" valueType="num">
+                                      <p:cBhvr additive="base">
+                                        <p:cTn id="28" dur="250" fill="hold"/>
+                                        <p:tgtEl>
+                                          <p:spTgt spid="13"/>
+                                        </p:tgtEl>
+                                        <p:attrNameLst>
+                                          <p:attrName>ppt_y</p:attrName>
+                                        </p:attrNameLst>
+                                      </p:cBhvr>
+                                      <p:tavLst>
+                                        <p:tav tm="0">
+                                          <p:val>
+                                            <p:strVal val="0-#ppt_h/2"/>
+                                          </p:val>
+                                        </p:tav>
+                                        <p:tav tm="100000">
+                                          <p:val>
+                                            <p:strVal val="#ppt_y"/>
+                                          </p:val>
+                                        </p:tav>
+                                      </p:tavLst>
+                                    </p:anim>
+                                  </p:childTnLst>
+                                </p:cTn>
+                              </p:par>
+                            </p:childTnLst>
+                          </p:cTn>
+                        </p:par>
+                        <p:par>
+                          <p:cTn id="29" fill="hold">
+                            <p:stCondLst>
+                              <p:cond delay="1250"/>
+                            </p:stCondLst>
+                            <p:childTnLst>
+                              <p:par>
+                                <p:cTn id="30" presetID="2" presetClass="entr" presetSubtype="1" fill="hold" grpId="0" nodeType="afterEffect">
+                                  <p:stCondLst>
+                                    <p:cond delay="0"/>
+                                  </p:stCondLst>
+                                  <p:childTnLst>
+                                    <p:set>
+                                      <p:cBhvr>
+                                        <p:cTn id="31" dur="1" fill="hold">
+                                          <p:stCondLst>
+                                            <p:cond delay="0"/>
+                                          </p:stCondLst>
+                                        </p:cTn>
+                                        <p:tgtEl>
+                                          <p:spTgt spid="14"/>
+                                        </p:tgtEl>
+                                        <p:attrNameLst>
+                                          <p:attrName>style.visibility</p:attrName>
+                                        </p:attrNameLst>
+                                      </p:cBhvr>
+                                      <p:to>
+                                        <p:strVal val="visible"/>
+                                      </p:to>
+                                    </p:set>
+                                    <p:anim calcmode="lin" valueType="num">
+                                      <p:cBhvr additive="base">
+                                        <p:cTn id="32" dur="250" fill="hold"/>
+                                        <p:tgtEl>
+                                          <p:spTgt spid="14"/>
+                                        </p:tgtEl>
+                                        <p:attrNameLst>
+                                          <p:attrName>ppt_x</p:attrName>
+                                        </p:attrNameLst>
+                                      </p:cBhvr>
+                                      <p:tavLst>
+                                        <p:tav tm="0">
+                                          <p:val>
+                                            <p:strVal val="#ppt_x"/>
+                                          </p:val>
+                                        </p:tav>
+                                        <p:tav tm="100000">
+                                          <p:val>
+                                            <p:strVal val="#ppt_x"/>
+                                          </p:val>
+                                        </p:tav>
+                                      </p:tavLst>
+                                    </p:anim>
+                                    <p:anim calcmode="lin" valueType="num">
+                                      <p:cBhvr additive="base">
+                                        <p:cTn id="33" dur="250" fill="hold"/>
+                                        <p:tgtEl>
+                                          <p:spTgt spid="14"/>
+                                        </p:tgtEl>
+                                        <p:attrNameLst>
+                                          <p:attrName>ppt_y</p:attrName>
+                                        </p:attrNameLst>
+                                      </p:cBhvr>
+                                      <p:tavLst>
+                                        <p:tav tm="0">
+                                          <p:val>
+                                            <p:strVal val="0-#ppt_h/2"/>
+                                          </p:val>
+                                        </p:tav>
+                                        <p:tav tm="100000">
+                                          <p:val>
+                                            <p:strVal val="#ppt_y"/>
+                                          </p:val>
+                                        </p:tav>
+                                      </p:tavLst>
+                                    </p:anim>
+                                  </p:childTnLst>
+                                </p:cTn>
+                              </p:par>
+                            </p:childTnLst>
+                          </p:cTn>
+                        </p:par>
+                        <p:par>
+                          <p:cTn id="34" fill="hold">
+                            <p:stCondLst>
+                              <p:cond delay="1500"/>
+                            </p:stCondLst>
+                            <p:childTnLst>
+                              <p:par>
+                                <p:cTn id="35" presetID="2" presetClass="entr" presetSubtype="1" fill="hold" grpId="0" nodeType="afterEffect">
+                                  <p:stCondLst>
+                                    <p:cond delay="0"/>
+                                  </p:stCondLst>
+                                  <p:childTnLst>
+                                    <p:set>
+                                      <p:cBhvr>
+                                        <p:cTn id="36" dur="1" fill="hold">
+                                          <p:stCondLst>
+                                            <p:cond delay="0"/>
+                                          </p:stCondLst>
+                                        </p:cTn>
+                                        <p:tgtEl>
+                                          <p:spTgt spid="15"/>
+                                        </p:tgtEl>
+                                        <p:attrNameLst>
+                                          <p:attrName>style.visibility</p:attrName>
+                                        </p:attrNameLst>
+                                      </p:cBhvr>
+                                      <p:to>
+                                        <p:strVal val="visible"/>
+                                      </p:to>
+                                    </p:set>
+                                    <p:anim calcmode="lin" valueType="num">
+                                      <p:cBhvr additive="base">
+                                        <p:cTn id="37" dur="250" fill="hold"/>
+                                        <p:tgtEl>
+                                          <p:spTgt spid="15"/>
+                                        </p:tgtEl>
+                                        <p:attrNameLst>
+                                          <p:attrName>ppt_x</p:attrName>
+                                        </p:attrNameLst>
+                                      </p:cBhvr>
+                                      <p:tavLst>
+                                        <p:tav tm="0">
+                                          <p:val>
+                                            <p:strVal val="#ppt_x"/>
+                                          </p:val>
+                                        </p:tav>
+                                        <p:tav tm="100000">
+                                          <p:val>
+                                            <p:strVal val="#ppt_x"/>
+                                          </p:val>
+                                        </p:tav>
+                                      </p:tavLst>
+                                    </p:anim>
+                                    <p:anim calcmode="lin" valueType="num">
+                                      <p:cBhvr additive="base">
+                                        <p:cTn id="38" dur="250" fill="hold"/>
+                                        <p:tgtEl>
+                                          <p:spTgt spid="15"/>
+                                        </p:tgtEl>
+                                        <p:attrNameLst>
+                                          <p:attrName>ppt_y</p:attrName>
+                                        </p:attrNameLst>
+                                      </p:cBhvr>
+                                      <p:tavLst>
+                                        <p:tav tm="0">
+                                          <p:val>
+                                            <p:strVal val="0-#ppt_h/2"/>
+                                          </p:val>
+                                        </p:tav>
+                                        <p:tav tm="100000">
+                                          <p:val>
+                                            <p:strVal val="#ppt_y"/>
+                                          </p:val>
+                                        </p:tav>
+                                      </p:tavLst>
+                                    </p:anim>
+                                  </p:childTnLst>
+                                </p:cTn>
+                              </p:par>
+                            </p:childTnLst>
+                          </p:cTn>
+                        </p:par>
+                        <p:par>
+                          <p:cTn id="39" fill="hold">
+                            <p:stCondLst>
+                              <p:cond delay="1750"/>
+                            </p:stCondLst>
+                            <p:childTnLst>
+                              <p:par>
+                                <p:cTn id="40" presetID="2" presetClass="entr" presetSubtype="1" fill="hold" grpId="0" nodeType="afterEffect">
+                                  <p:stCondLst>
+                                    <p:cond delay="0"/>
+                                  </p:stCondLst>
+                                  <p:childTnLst>
+                                    <p:set>
+                                      <p:cBhvr>
+                                        <p:cTn id="41" dur="1" fill="hold">
+                                          <p:stCondLst>
+                                            <p:cond delay="0"/>
+                                          </p:stCondLst>
+                                        </p:cTn>
+                                        <p:tgtEl>
+                                          <p:spTgt spid="16"/>
+                                        </p:tgtEl>
+                                        <p:attrNameLst>
+                                          <p:attrName>style.visibility</p:attrName>
+                                        </p:attrNameLst>
+                                      </p:cBhvr>
+                                      <p:to>
+                                        <p:strVal val="visible"/>
+                                      </p:to>
+                                    </p:set>
+                                    <p:anim calcmode="lin" valueType="num">
+                                      <p:cBhvr additive="base">
+                                        <p:cTn id="42" dur="250" fill="hold"/>
+                                        <p:tgtEl>
+                                          <p:spTgt spid="16"/>
+                                        </p:tgtEl>
+                                        <p:attrNameLst>
+                                          <p:attrName>ppt_x</p:attrName>
+                                        </p:attrNameLst>
+                                      </p:cBhvr>
+                                      <p:tavLst>
+                                        <p:tav tm="0">
+                                          <p:val>
+                                            <p:strVal val="#ppt_x"/>
+                                          </p:val>
+                                        </p:tav>
+                                        <p:tav tm="100000">
+                                          <p:val>
+                                            <p:strVal val="#ppt_x"/>
+                                          </p:val>
+                                        </p:tav>
+                                      </p:tavLst>
+                                    </p:anim>
+                                    <p:anim calcmode="lin" valueType="num">
+                                      <p:cBhvr additive="base">
+                                        <p:cTn id="43" dur="250" fill="hold"/>
+                                        <p:tgtEl>
+                                          <p:spTgt spid="16"/>
+                                        </p:tgtEl>
+                                        <p:attrNameLst>
+                                          <p:attrName>ppt_y</p:attrName>
+                                        </p:attrNameLst>
+                                      </p:cBhvr>
+                                      <p:tavLst>
+                                        <p:tav tm="0">
+                                          <p:val>
+                                            <p:strVal val="0-#ppt_h/2"/>
+                                          </p:val>
+                                        </p:tav>
+                                        <p:tav tm="100000">
+                                          <p:val>
+                                            <p:strVal val="#ppt_y"/>
+                                          </p:val>
+                                        </p:tav>
+                                      </p:tavLst>
+                                    </p:anim>
+                                  </p:childTnLst>
+                                </p:cTn>
+                              </p:par>
+                            </p:childTnLst>
+                          </p:cTn>
+                        </p:par>
+                        <p:par>
+                          <p:cTn id="44" fill="hold">
+                            <p:stCondLst>
+                              <p:cond delay="2000"/>
+                            </p:stCondLst>
+                            <p:childTnLst>
+                              <p:par>
+                                <p:cTn id="45" presetID="2" presetClass="entr" presetSubtype="1" fill="hold" grpId="0" nodeType="afterEffect">
+                                  <p:stCondLst>
+                                    <p:cond delay="0"/>
+                                  </p:stCondLst>
+                                  <p:childTnLst>
+                                    <p:set>
+                                      <p:cBhvr>
+                                        <p:cTn id="46" dur="1" fill="hold">
+                                          <p:stCondLst>
+                                            <p:cond delay="0"/>
+                                          </p:stCondLst>
+                                        </p:cTn>
+                                        <p:tgtEl>
+                                          <p:spTgt spid="17"/>
+                                        </p:tgtEl>
+                                        <p:attrNameLst>
+                                          <p:attrName>style.visibility</p:attrName>
+                                        </p:attrNameLst>
+                                      </p:cBhvr>
+                                      <p:to>
+                                        <p:strVal val="visible"/>
+                                      </p:to>
+                                    </p:set>
+                                    <p:anim calcmode="lin" valueType="num">
+                                      <p:cBhvr additive="base">
+                                        <p:cTn id="47" dur="250" fill="hold"/>
+                                        <p:tgtEl>
+                                          <p:spTgt spid="17"/>
+                                        </p:tgtEl>
+                                        <p:attrNameLst>
+                                          <p:attrName>ppt_x</p:attrName>
+                                        </p:attrNameLst>
+                                      </p:cBhvr>
+                                      <p:tavLst>
+                                        <p:tav tm="0">
+                                          <p:val>
+                                            <p:strVal val="#ppt_x"/>
+                                          </p:val>
+                                        </p:tav>
+                                        <p:tav tm="100000">
+                                          <p:val>
+                                            <p:strVal val="#ppt_x"/>
+                                          </p:val>
+                                        </p:tav>
+                                      </p:tavLst>
+                                    </p:anim>
+                                    <p:anim calcmode="lin" valueType="num">
+                                      <p:cBhvr additive="base">
+                                        <p:cTn id="48" dur="250" fill="hold"/>
+                                        <p:tgtEl>
+                                          <p:spTgt spid="17"/>
+                                        </p:tgtEl>
+                                        <p:attrNameLst>
+                                          <p:attrName>ppt_y</p:attrName>
+                                        </p:attrNameLst>
+                                      </p:cBhvr>
+                                      <p:tavLst>
+                                        <p:tav tm="0">
+                                          <p:val>
+                                            <p:strVal val="0-#ppt_h/2"/>
+                                          </p:val>
+                                        </p:tav>
+                                        <p:tav tm="100000">
+                                          <p:val>
+                                            <p:strVal val="#ppt_y"/>
+                                          </p:val>
+                                        </p:tav>
+                                      </p:tavLst>
+                                    </p:anim>
+                                  </p:childTnLst>
+                                </p:cTn>
+                              </p:par>
+                            </p:childTnLst>
+                          </p:cTn>
+                        </p:par>
+                        <p:par>
+                          <p:cTn id="49" fill="hold">
+                            <p:stCondLst>
+                              <p:cond delay="2250"/>
+                            </p:stCondLst>
+                            <p:childTnLst>
+                              <p:par>
+                                <p:cTn id="50" presetID="2" presetClass="entr" presetSubtype="1" fill="hold" grpId="0" nodeType="afterEffect">
+                                  <p:stCondLst>
+                                    <p:cond delay="0"/>
+                                  </p:stCondLst>
+                                  <p:childTnLst>
+                                    <p:set>
+                                      <p:cBhvr>
+                                        <p:cTn id="51" dur="1" fill="hold">
+                                          <p:stCondLst>
+                                            <p:cond delay="0"/>
+                                          </p:stCondLst>
+                                        </p:cTn>
+                                        <p:tgtEl>
+                                          <p:spTgt spid="18"/>
+                                        </p:tgtEl>
+                                        <p:attrNameLst>
+                                          <p:attrName>style.visibility</p:attrName>
+                                        </p:attrNameLst>
+                                      </p:cBhvr>
+                                      <p:to>
+                                        <p:strVal val="visible"/>
+                                      </p:to>
+                                    </p:set>
+                                    <p:anim calcmode="lin" valueType="num">
+                                      <p:cBhvr additive="base">
+                                        <p:cTn id="52" dur="250" fill="hold"/>
+                                        <p:tgtEl>
+                                          <p:spTgt spid="18"/>
+                                        </p:tgtEl>
+                                        <p:attrNameLst>
+                                          <p:attrName>ppt_x</p:attrName>
+                                        </p:attrNameLst>
+                                      </p:cBhvr>
+                                      <p:tavLst>
+                                        <p:tav tm="0">
+                                          <p:val>
+                                            <p:strVal val="#ppt_x"/>
+                                          </p:val>
+                                        </p:tav>
+                                        <p:tav tm="100000">
+                                          <p:val>
+                                            <p:strVal val="#ppt_x"/>
+                                          </p:val>
+                                        </p:tav>
+                                      </p:tavLst>
+                                    </p:anim>
+                                    <p:anim calcmode="lin" valueType="num">
+                                      <p:cBhvr additive="base">
+                                        <p:cTn id="53" dur="250" fill="hold"/>
+                                        <p:tgtEl>
+                                          <p:spTgt spid="18"/>
+                                        </p:tgtEl>
+                                        <p:attrNameLst>
+                                          <p:attrName>ppt_y</p:attrName>
+                                        </p:attrNameLst>
+                                      </p:cBhvr>
+                                      <p:tavLst>
+                                        <p:tav tm="0">
+                                          <p:val>
+                                            <p:strVal val="0-#ppt_h/2"/>
+                                          </p:val>
+                                        </p:tav>
+                                        <p:tav tm="100000">
+                                          <p:val>
+                                            <p:strVal val="#ppt_y"/>
+                                          </p:val>
+                                        </p:tav>
+                                      </p:tavLst>
+                                    </p:anim>
+                                  </p:childTnLst>
+                                </p:cTn>
+                              </p:par>
+                            </p:childTnLst>
+                          </p:cTn>
+                        </p:par>
+                      </p:childTnLst>
+                    </p:cTn>
+                  </p:par>
+                </p:childTnLst>
+              </p:cTn>
+              <p:prevCondLst>
+                <p:cond evt="onPrev" delay="0">
+                  <p:tgtEl>
+                    <p:sldTgt/>
+                  </p:tgtEl>
+                </p:cond>
+              </p:prevCondLst>
+              <p:nextCondLst>
+                <p:cond evt="onNext" delay="0">
+                  <p:tgtEl>
+                    <p:sldTgt/>
+                  </p:tgtEl>
+                </p:cond>
+              </p:nextCondLst>
+            </p:seq>
+          </p:childTnLst>
+        </p:cTn>
+      </p:par>
+    </p:tnLst>
+    <p:bldLst>
+      <p:bldP spid="8" grpId="0" animBg="1"/>
+      <p:bldP spid="9" grpId="0" animBg="1"/>
+      <p:bldP spid="10" grpId="0" animBg="1"/>
+      <p:bldP spid="11" grpId="0" animBg="1"/>
+      <p:bldP spid="13" grpId="0" animBg="1"/>
+      <p:bldP spid="14" grpId="0" animBg="1"/>
+      <p:bldP spid="15" grpId="0" animBg="1"/>
+      <p:bldP spid="16" grpId="0" animBg="1"/>
+      <p:bldP spid="17" grpId="0" animBg="1"/>
+      <p:bldP spid="18" grpId="0" animBg="1"/>
+    </p:bldLst>
+  </p:timing>
 </p:sld>
 </file>
 
@@ -26543,7 +28003,7 @@
                 </a:solidFill>
                 <a:latin typeface="Consolas"/>
               </a:rPr>
-              <a:t>AND Country = 11</a:t>
+              <a:t>AND Country = 1</a:t>
             </a:r>
           </a:p>
           <a:p>
@@ -26951,6 +28411,77 @@
           </a:extLst>
         </p:spPr>
       </p:pic>
+      <p:sp>
+        <p:nvSpPr>
+          <p:cNvPr id="5" name="TextBox 4">
+            <a:extLst>
+              <a:ext uri="{FF2B5EF4-FFF2-40B4-BE49-F238E27FC236}">
+                <a16:creationId xmlns:a16="http://schemas.microsoft.com/office/drawing/2014/main" id="{9111E4C6-E2F0-4DB3-8A3B-30265717D62F}"/>
+              </a:ext>
+            </a:extLst>
+          </p:cNvPr>
+          <p:cNvSpPr txBox="1"/>
+          <p:nvPr/>
+        </p:nvSpPr>
+        <p:spPr>
+          <a:xfrm>
+            <a:off x="487608" y="813243"/>
+            <a:ext cx="4491038" cy="369332"/>
+          </a:xfrm>
+          <a:prstGeom prst="rect">
+            <a:avLst/>
+          </a:prstGeom>
+          <a:noFill/>
+        </p:spPr>
+        <p:txBody>
+          <a:bodyPr wrap="none" rtlCol="0">
+            <a:spAutoFit/>
+          </a:bodyPr>
+          <a:lstStyle/>
+          <a:p>
+            <a:r>
+              <a:rPr lang="en-US" dirty="0"/>
+              <a:t>(we’ll start with simple, common methods)</a:t>
+            </a:r>
+          </a:p>
+        </p:txBody>
+      </p:sp>
+      <p:sp>
+        <p:nvSpPr>
+          <p:cNvPr id="6" name="TextBox 5">
+            <a:extLst>
+              <a:ext uri="{FF2B5EF4-FFF2-40B4-BE49-F238E27FC236}">
+                <a16:creationId xmlns:a16="http://schemas.microsoft.com/office/drawing/2014/main" id="{592CB582-CEDC-4E5C-B5E6-7BEF9506DC4E}"/>
+              </a:ext>
+            </a:extLst>
+          </p:cNvPr>
+          <p:cNvSpPr txBox="1"/>
+          <p:nvPr/>
+        </p:nvSpPr>
+        <p:spPr>
+          <a:xfrm>
+            <a:off x="5932030" y="4243754"/>
+            <a:ext cx="2693174" cy="369332"/>
+          </a:xfrm>
+          <a:prstGeom prst="rect">
+            <a:avLst/>
+          </a:prstGeom>
+          <a:noFill/>
+        </p:spPr>
+        <p:txBody>
+          <a:bodyPr wrap="none" rtlCol="0">
+            <a:spAutoFit/>
+          </a:bodyPr>
+          <a:lstStyle/>
+          <a:p>
+            <a:pPr algn="ctr"/>
+            <a:r>
+              <a:rPr lang="en-US" dirty="0"/>
+              <a:t>Implemented by the app</a:t>
+            </a:r>
+          </a:p>
+        </p:txBody>
+      </p:sp>
     </p:spTree>
     <p:extLst>
       <p:ext uri="{BB962C8B-B14F-4D97-AF65-F5344CB8AC3E}">
@@ -27277,6 +28808,42 @@
           </a:prstGeom>
         </p:spPr>
       </p:pic>
+      <p:sp>
+        <p:nvSpPr>
+          <p:cNvPr id="8" name="TextBox 7">
+            <a:extLst>
+              <a:ext uri="{FF2B5EF4-FFF2-40B4-BE49-F238E27FC236}">
+                <a16:creationId xmlns:a16="http://schemas.microsoft.com/office/drawing/2014/main" id="{B8B81AF6-7FF6-4EAB-87B4-86CABA6C5EFB}"/>
+              </a:ext>
+            </a:extLst>
+          </p:cNvPr>
+          <p:cNvSpPr txBox="1"/>
+          <p:nvPr/>
+        </p:nvSpPr>
+        <p:spPr>
+          <a:xfrm>
+            <a:off x="6223255" y="2470490"/>
+            <a:ext cx="2598596" cy="369332"/>
+          </a:xfrm>
+          <a:prstGeom prst="rect">
+            <a:avLst/>
+          </a:prstGeom>
+          <a:noFill/>
+        </p:spPr>
+        <p:txBody>
+          <a:bodyPr wrap="none" rtlCol="0">
+            <a:spAutoFit/>
+          </a:bodyPr>
+          <a:lstStyle/>
+          <a:p>
+            <a:pPr algn="ctr"/>
+            <a:r>
+              <a:rPr lang="en-US" dirty="0"/>
+              <a:t>Implemented by the DB</a:t>
+            </a:r>
+          </a:p>
+        </p:txBody>
+      </p:sp>
     </p:spTree>
     <p:extLst>
       <p:ext uri="{BB962C8B-B14F-4D97-AF65-F5344CB8AC3E}">
@@ -27287,13 +28854,13 @@
   <p:clrMapOvr>
     <a:masterClrMapping/>
   </p:clrMapOvr>
-  <mc:AlternateContent xmlns:mc="http://schemas.openxmlformats.org/markup-compatibility/2006" xmlns:p14="http://schemas.microsoft.com/office/powerpoint/2010/main">
-    <mc:Choice Requires="p14">
+  <mc:AlternateContent xmlns:mc="http://schemas.openxmlformats.org/markup-compatibility/2006">
+    <mc:Choice xmlns:p14="http://schemas.microsoft.com/office/powerpoint/2010/main" Requires="p14">
       <p:transition spd="med" p14:dur="700">
         <p:fade/>
       </p:transition>
     </mc:Choice>
-    <mc:Fallback xmlns="">
+    <mc:Fallback>
       <p:transition spd="med">
         <p:fade/>
       </p:transition>

--- a/DynamicFilters2.pptx
+++ b/DynamicFilters2.pptx
@@ -952,7 +952,7 @@
       </dgm:t>
     </dgm:pt>
     <dgm:pt modelId="{8BD667A4-33A7-48AE-9DD6-73F8E3567422}">
-      <dgm:prSet phldrT="[Text]"/>
+      <dgm:prSet phldrT="[Text]" custT="1"/>
       <dgm:spPr/>
       <dgm:t>
         <a:bodyPr/>
@@ -963,14 +963,14 @@
             <a:buAutoNum type="arabicPeriod"/>
           </a:pPr>
           <a:r>
-            <a:rPr lang="en-US" dirty="0"/>
+            <a:rPr lang="en-US" sz="1800" dirty="0"/>
             <a:t>1</a:t>
           </a:r>
           <a:br>
-            <a:rPr lang="en-US" dirty="0"/>
+            <a:rPr lang="en-US" sz="1300" dirty="0"/>
           </a:br>
           <a:r>
-            <a:rPr lang="en-US" dirty="0"/>
+            <a:rPr lang="en-US" sz="1300" dirty="0"/>
             <a:t>Go to my GitHub repository and download the project</a:t>
           </a:r>
         </a:p>
@@ -999,7 +999,7 @@
       </dgm:t>
     </dgm:pt>
     <dgm:pt modelId="{1113E082-BE16-4010-A112-94EBA383F0D8}">
-      <dgm:prSet phldrT="[Text]"/>
+      <dgm:prSet phldrT="[Text]" custT="1"/>
       <dgm:spPr/>
       <dgm:t>
         <a:bodyPr/>
@@ -1010,14 +1010,14 @@
             <a:buAutoNum type="arabicPeriod"/>
           </a:pPr>
           <a:r>
-            <a:rPr lang="en-US" dirty="0"/>
+            <a:rPr lang="en-US" sz="1800" dirty="0"/>
             <a:t>2</a:t>
           </a:r>
           <a:br>
-            <a:rPr lang="en-US" dirty="0"/>
+            <a:rPr lang="en-US" sz="1300" dirty="0"/>
           </a:br>
           <a:r>
-            <a:rPr lang="en-US" dirty="0"/>
+            <a:rPr lang="en-US" sz="1300" dirty="0"/>
             <a:t>Review and study the SP responsible for parsing filters (or build your own based on your understanding of this presentation)</a:t>
           </a:r>
         </a:p>
@@ -1046,7 +1046,7 @@
       </dgm:t>
     </dgm:pt>
     <dgm:pt modelId="{A3CDB910-BC04-492F-9400-F1CB7A9C5B46}">
-      <dgm:prSet phldrT="[Text]"/>
+      <dgm:prSet phldrT="[Text]" custT="1"/>
       <dgm:spPr/>
       <dgm:t>
         <a:bodyPr/>
@@ -1057,16 +1057,17 @@
             <a:buAutoNum type="arabicPeriod"/>
           </a:pPr>
           <a:r>
-            <a:rPr lang="en-US" dirty="0"/>
+            <a:rPr lang="en-US" sz="1800" dirty="0"/>
             <a:t>3</a:t>
           </a:r>
           <a:br>
-            <a:rPr lang="en-US" dirty="0"/>
+            <a:rPr lang="en-US" sz="1500" dirty="0"/>
           </a:br>
           <a:r>
-            <a:rPr lang="en-US" dirty="0"/>
+            <a:rPr lang="en-US" sz="1400" dirty="0"/>
             <a:t>Go to your developers and tell them you have a nice surprise for them</a:t>
           </a:r>
+          <a:endParaRPr lang="en-US" sz="1500" dirty="0"/>
         </a:p>
       </dgm:t>
     </dgm:pt>
@@ -1093,7 +1094,7 @@
       </dgm:t>
     </dgm:pt>
     <dgm:pt modelId="{2E58F353-AF1A-4953-82A0-5909404B5CFF}">
-      <dgm:prSet phldrT="[Text]"/>
+      <dgm:prSet phldrT="[Text]" custT="1"/>
       <dgm:spPr/>
       <dgm:t>
         <a:bodyPr/>
@@ -1104,16 +1105,17 @@
             <a:buAutoNum type="arabicPeriod"/>
           </a:pPr>
           <a:r>
-            <a:rPr lang="en-US" dirty="0"/>
+            <a:rPr lang="en-US" sz="1800" dirty="0"/>
             <a:t>4</a:t>
           </a:r>
           <a:br>
-            <a:rPr lang="en-US" dirty="0"/>
+            <a:rPr lang="en-US" sz="1800" dirty="0"/>
           </a:br>
           <a:r>
-            <a:rPr lang="en-US" dirty="0"/>
-            <a:t>Start worrying about end users going wild</a:t>
+            <a:rPr lang="en-US" sz="1400" dirty="0"/>
+            <a:t>Start worrying about end users going wild and abusing your indexes</a:t>
           </a:r>
+          <a:endParaRPr lang="en-US" sz="1800" dirty="0"/>
         </a:p>
       </dgm:t>
     </dgm:pt>
@@ -1519,12 +1521,12 @@
         </a:fontRef>
       </dsp:style>
       <dsp:txBody>
-        <a:bodyPr spcFirstLastPara="0" vert="horz" wrap="square" lIns="92456" tIns="92456" rIns="92456" bIns="92456" numCol="1" spcCol="1270" anchor="t" anchorCtr="0">
+        <a:bodyPr spcFirstLastPara="0" vert="horz" wrap="square" lIns="128016" tIns="128016" rIns="128016" bIns="128016" numCol="1" spcCol="1270" anchor="t" anchorCtr="0">
           <a:noAutofit/>
         </a:bodyPr>
         <a:lstStyle/>
         <a:p>
-          <a:pPr marL="0" lvl="0" indent="0" algn="ctr" defTabSz="577850">
+          <a:pPr marL="0" lvl="0" indent="0" algn="ctr" defTabSz="800100">
             <a:lnSpc>
               <a:spcPct val="90000"/>
             </a:lnSpc>
@@ -1538,7 +1540,7 @@
             <a:buNone/>
           </a:pPr>
           <a:r>
-            <a:rPr lang="en-US" sz="1300" kern="1200" dirty="0"/>
+            <a:rPr lang="en-US" sz="1800" kern="1200" dirty="0"/>
             <a:t>1</a:t>
           </a:r>
           <a:br>
@@ -1661,12 +1663,12 @@
         </a:fontRef>
       </dsp:style>
       <dsp:txBody>
-        <a:bodyPr spcFirstLastPara="0" vert="horz" wrap="square" lIns="92456" tIns="92456" rIns="92456" bIns="92456" numCol="1" spcCol="1270" anchor="t" anchorCtr="0">
+        <a:bodyPr spcFirstLastPara="0" vert="horz" wrap="square" lIns="128016" tIns="128016" rIns="128016" bIns="128016" numCol="1" spcCol="1270" anchor="t" anchorCtr="0">
           <a:noAutofit/>
         </a:bodyPr>
         <a:lstStyle/>
         <a:p>
-          <a:pPr marL="0" lvl="0" indent="0" algn="ctr" defTabSz="577850">
+          <a:pPr marL="0" lvl="0" indent="0" algn="ctr" defTabSz="800100">
             <a:lnSpc>
               <a:spcPct val="90000"/>
             </a:lnSpc>
@@ -1680,7 +1682,7 @@
             <a:buNone/>
           </a:pPr>
           <a:r>
-            <a:rPr lang="en-US" sz="1300" kern="1200" dirty="0"/>
+            <a:rPr lang="en-US" sz="1800" kern="1200" dirty="0"/>
             <a:t>2</a:t>
           </a:r>
           <a:br>
@@ -1796,12 +1798,12 @@
         </a:fontRef>
       </dsp:style>
       <dsp:txBody>
-        <a:bodyPr spcFirstLastPara="0" vert="horz" wrap="square" lIns="92456" tIns="92456" rIns="92456" bIns="92456" numCol="1" spcCol="1270" anchor="t" anchorCtr="0">
+        <a:bodyPr spcFirstLastPara="0" vert="horz" wrap="square" lIns="128016" tIns="128016" rIns="128016" bIns="128016" numCol="1" spcCol="1270" anchor="t" anchorCtr="0">
           <a:noAutofit/>
         </a:bodyPr>
         <a:lstStyle/>
         <a:p>
-          <a:pPr marL="0" lvl="0" indent="0" algn="ctr" defTabSz="577850">
+          <a:pPr marL="0" lvl="0" indent="0" algn="ctr" defTabSz="800100">
             <a:lnSpc>
               <a:spcPct val="90000"/>
             </a:lnSpc>
@@ -1815,16 +1817,17 @@
             <a:buNone/>
           </a:pPr>
           <a:r>
-            <a:rPr lang="en-US" sz="1300" kern="1200" dirty="0"/>
+            <a:rPr lang="en-US" sz="1800" kern="1200" dirty="0"/>
             <a:t>3</a:t>
           </a:r>
           <a:br>
-            <a:rPr lang="en-US" sz="1300" kern="1200" dirty="0"/>
+            <a:rPr lang="en-US" sz="1500" kern="1200" dirty="0"/>
           </a:br>
           <a:r>
-            <a:rPr lang="en-US" sz="1300" kern="1200" dirty="0"/>
+            <a:rPr lang="en-US" sz="1400" kern="1200" dirty="0"/>
             <a:t>Go to your developers and tell them you have a nice surprise for them</a:t>
           </a:r>
+          <a:endParaRPr lang="en-US" sz="1500" kern="1200" dirty="0"/>
         </a:p>
       </dsp:txBody>
       <dsp:txXfrm rot="10800000">
@@ -1931,12 +1934,12 @@
         </a:fontRef>
       </dsp:style>
       <dsp:txBody>
-        <a:bodyPr spcFirstLastPara="0" vert="horz" wrap="square" lIns="92456" tIns="92456" rIns="92456" bIns="92456" numCol="1" spcCol="1270" anchor="t" anchorCtr="0">
+        <a:bodyPr spcFirstLastPara="0" vert="horz" wrap="square" lIns="128016" tIns="128016" rIns="128016" bIns="128016" numCol="1" spcCol="1270" anchor="t" anchorCtr="0">
           <a:noAutofit/>
         </a:bodyPr>
         <a:lstStyle/>
         <a:p>
-          <a:pPr marL="0" lvl="0" indent="0" algn="ctr" defTabSz="577850">
+          <a:pPr marL="0" lvl="0" indent="0" algn="ctr" defTabSz="800100">
             <a:lnSpc>
               <a:spcPct val="90000"/>
             </a:lnSpc>
@@ -1950,16 +1953,17 @@
             <a:buNone/>
           </a:pPr>
           <a:r>
-            <a:rPr lang="en-US" sz="1300" kern="1200" dirty="0"/>
+            <a:rPr lang="en-US" sz="1800" kern="1200" dirty="0"/>
             <a:t>4</a:t>
           </a:r>
           <a:br>
-            <a:rPr lang="en-US" sz="1300" kern="1200" dirty="0"/>
+            <a:rPr lang="en-US" sz="1800" kern="1200" dirty="0"/>
           </a:br>
           <a:r>
-            <a:rPr lang="en-US" sz="1300" kern="1200" dirty="0"/>
-            <a:t>Start worrying about end users going wild</a:t>
+            <a:rPr lang="en-US" sz="1400" kern="1200" dirty="0"/>
+            <a:t>Start worrying about end users going wild and abusing your indexes</a:t>
           </a:r>
+          <a:endParaRPr lang="en-US" sz="1800" kern="1200" dirty="0"/>
         </a:p>
       </dsp:txBody>
       <dsp:txXfrm rot="10800000">
@@ -3276,7 +3280,7 @@
           <a:p>
             <a:fld id="{61F4F17F-797E-F743-99C7-34FA65335D3C}" type="datetimeFigureOut">
               <a:rPr lang="en-US" smtClean="0"/>
-              <a:t>4/23/2019</a:t>
+              <a:t>4/25/2019</a:t>
             </a:fld>
             <a:endParaRPr lang="en-US"/>
           </a:p>
@@ -3442,7 +3446,7 @@
           <a:p>
             <a:fld id="{A76353FC-0869-45D3-95AF-CC29198471C2}" type="datetimeFigureOut">
               <a:rPr lang="en-US" smtClean="0"/>
-              <a:t>4/23/2019</a:t>
+              <a:t>4/24/2019</a:t>
             </a:fld>
             <a:endParaRPr lang="en-US"/>
           </a:p>
@@ -4472,15 +4476,6 @@
               <a:t>The BL would only be responsible for delivering the data as it is to the next layer.</a:t>
             </a:r>
           </a:p>
-          <a:p>
-            <a:endParaRPr lang="en-US" dirty="0"/>
-          </a:p>
-          <a:p>
-            <a:r>
-              <a:rPr lang="en-US" dirty="0"/>
-              <a:t>TODO: Change the code samples to be consistent with each other</a:t>
-            </a:r>
-          </a:p>
         </p:txBody>
       </p:sp>
       <p:sp>
@@ -4566,15 +4561,6 @@
             <a:r>
               <a:rPr lang="en-US" dirty="0"/>
               <a:t>The parameter collection itself could be either of the following: XML, JSON, or Table-Valued Parameter.</a:t>
-            </a:r>
-          </a:p>
-          <a:p>
-            <a:endParaRPr lang="en-US" dirty="0"/>
-          </a:p>
-          <a:p>
-            <a:r>
-              <a:rPr lang="en-US" dirty="0"/>
-              <a:t>TODO: Change the code samples to be consistent with each other</a:t>
             </a:r>
           </a:p>
         </p:txBody>
@@ -6145,13 +6131,13 @@
   <p:clrMapOvr>
     <a:masterClrMapping/>
   </p:clrMapOvr>
-  <mc:AlternateContent xmlns:mc="http://schemas.openxmlformats.org/markup-compatibility/2006">
-    <mc:Choice xmlns:p14="http://schemas.microsoft.com/office/powerpoint/2010/main" Requires="p14">
+  <mc:AlternateContent xmlns:mc="http://schemas.openxmlformats.org/markup-compatibility/2006" xmlns:p14="http://schemas.microsoft.com/office/powerpoint/2010/main">
+    <mc:Choice Requires="p14">
       <p:transition spd="med" p14:dur="700">
         <p:fade/>
       </p:transition>
     </mc:Choice>
-    <mc:Fallback>
+    <mc:Fallback xmlns="">
       <p:transition spd="med">
         <p:fade/>
       </p:transition>
@@ -6343,13 +6329,13 @@
   <p:clrMapOvr>
     <a:masterClrMapping/>
   </p:clrMapOvr>
-  <mc:AlternateContent xmlns:mc="http://schemas.openxmlformats.org/markup-compatibility/2006">
-    <mc:Choice xmlns:p14="http://schemas.microsoft.com/office/powerpoint/2010/main" Requires="p14">
+  <mc:AlternateContent xmlns:mc="http://schemas.openxmlformats.org/markup-compatibility/2006" xmlns:p14="http://schemas.microsoft.com/office/powerpoint/2010/main">
+    <mc:Choice Requires="p14">
       <p:transition spd="med" p14:dur="700">
         <p:fade/>
       </p:transition>
     </mc:Choice>
-    <mc:Fallback>
+    <mc:Fallback xmlns="">
       <p:transition spd="med">
         <p:fade/>
       </p:transition>
@@ -6541,13 +6527,13 @@
   <p:clrMapOvr>
     <a:masterClrMapping/>
   </p:clrMapOvr>
-  <mc:AlternateContent xmlns:mc="http://schemas.openxmlformats.org/markup-compatibility/2006">
-    <mc:Choice xmlns:p14="http://schemas.microsoft.com/office/powerpoint/2010/main" Requires="p14">
+  <mc:AlternateContent xmlns:mc="http://schemas.openxmlformats.org/markup-compatibility/2006" xmlns:p14="http://schemas.microsoft.com/office/powerpoint/2010/main">
+    <mc:Choice Requires="p14">
       <p:transition spd="med" p14:dur="700">
         <p:fade/>
       </p:transition>
     </mc:Choice>
-    <mc:Fallback>
+    <mc:Fallback xmlns="">
       <p:transition spd="med">
         <p:fade/>
       </p:transition>
@@ -7055,13 +7041,13 @@
   <p:clrMapOvr>
     <a:masterClrMapping/>
   </p:clrMapOvr>
-  <mc:AlternateContent xmlns:mc="http://schemas.openxmlformats.org/markup-compatibility/2006">
-    <mc:Choice xmlns:p14="http://schemas.microsoft.com/office/powerpoint/2010/main" Requires="p14">
+  <mc:AlternateContent xmlns:mc="http://schemas.openxmlformats.org/markup-compatibility/2006" xmlns:p14="http://schemas.microsoft.com/office/powerpoint/2010/main">
+    <mc:Choice Requires="p14">
       <p:transition spd="med" p14:dur="700">
         <p:fade/>
       </p:transition>
     </mc:Choice>
-    <mc:Fallback>
+    <mc:Fallback xmlns="">
       <p:transition spd="med">
         <p:fade/>
       </p:transition>
@@ -7154,13 +7140,13 @@
   <p:clrMapOvr>
     <a:masterClrMapping/>
   </p:clrMapOvr>
-  <mc:AlternateContent xmlns:mc="http://schemas.openxmlformats.org/markup-compatibility/2006">
-    <mc:Choice xmlns:p14="http://schemas.microsoft.com/office/powerpoint/2010/main" Requires="p14">
+  <mc:AlternateContent xmlns:mc="http://schemas.openxmlformats.org/markup-compatibility/2006" xmlns:p14="http://schemas.microsoft.com/office/powerpoint/2010/main">
+    <mc:Choice Requires="p14">
       <p:transition spd="med" p14:dur="700">
         <p:fade/>
       </p:transition>
     </mc:Choice>
-    <mc:Fallback>
+    <mc:Fallback xmlns="">
       <p:transition spd="med">
         <p:fade/>
       </p:transition>
@@ -7414,13 +7400,13 @@
   <p:clrMapOvr>
     <a:masterClrMapping/>
   </p:clrMapOvr>
-  <mc:AlternateContent xmlns:mc="http://schemas.openxmlformats.org/markup-compatibility/2006">
-    <mc:Choice xmlns:p14="http://schemas.microsoft.com/office/powerpoint/2010/main" Requires="p14">
+  <mc:AlternateContent xmlns:mc="http://schemas.openxmlformats.org/markup-compatibility/2006" xmlns:p14="http://schemas.microsoft.com/office/powerpoint/2010/main">
+    <mc:Choice Requires="p14">
       <p:transition spd="med" p14:dur="700">
         <p:fade/>
       </p:transition>
     </mc:Choice>
-    <mc:Fallback>
+    <mc:Fallback xmlns="">
       <p:transition spd="med">
         <p:fade/>
       </p:transition>
@@ -7609,13 +7595,13 @@
   <p:clrMapOvr>
     <a:masterClrMapping/>
   </p:clrMapOvr>
-  <mc:AlternateContent xmlns:mc="http://schemas.openxmlformats.org/markup-compatibility/2006">
-    <mc:Choice xmlns:p14="http://schemas.microsoft.com/office/powerpoint/2010/main" Requires="p14">
+  <mc:AlternateContent xmlns:mc="http://schemas.openxmlformats.org/markup-compatibility/2006" xmlns:p14="http://schemas.microsoft.com/office/powerpoint/2010/main">
+    <mc:Choice Requires="p14">
       <p:transition spd="med" p14:dur="700">
         <p:fade/>
       </p:transition>
     </mc:Choice>
-    <mc:Fallback>
+    <mc:Fallback xmlns="">
       <p:transition spd="med">
         <p:fade/>
       </p:transition>
@@ -7777,13 +7763,13 @@
   <p:clrMapOvr>
     <a:masterClrMapping/>
   </p:clrMapOvr>
-  <mc:AlternateContent xmlns:mc="http://schemas.openxmlformats.org/markup-compatibility/2006">
-    <mc:Choice xmlns:p14="http://schemas.microsoft.com/office/powerpoint/2010/main" Requires="p14">
+  <mc:AlternateContent xmlns:mc="http://schemas.openxmlformats.org/markup-compatibility/2006" xmlns:p14="http://schemas.microsoft.com/office/powerpoint/2010/main">
+    <mc:Choice Requires="p14">
       <p:transition spd="med" p14:dur="700">
         <p:fade/>
       </p:transition>
     </mc:Choice>
-    <mc:Fallback>
+    <mc:Fallback xmlns="">
       <p:transition spd="med">
         <p:fade/>
       </p:transition>
@@ -7983,13 +7969,13 @@
     <p:sldLayoutId id="2147483656" r:id="rId7"/>
     <p:sldLayoutId id="2147483660" r:id="rId8"/>
   </p:sldLayoutIdLst>
-  <mc:AlternateContent xmlns:mc="http://schemas.openxmlformats.org/markup-compatibility/2006">
-    <mc:Choice xmlns:p14="http://schemas.microsoft.com/office/powerpoint/2010/main" Requires="p14">
+  <mc:AlternateContent xmlns:mc="http://schemas.openxmlformats.org/markup-compatibility/2006" xmlns:p14="http://schemas.microsoft.com/office/powerpoint/2010/main">
+    <mc:Choice Requires="p14">
       <p:transition spd="med" p14:dur="700">
         <p:fade/>
       </p:transition>
     </mc:Choice>
-    <mc:Fallback>
+    <mc:Fallback xmlns="">
       <p:transition spd="med">
         <p:fade/>
       </p:transition>
@@ -8692,13 +8678,13 @@
   <p:clrMapOvr>
     <a:masterClrMapping/>
   </p:clrMapOvr>
-  <mc:AlternateContent xmlns:mc="http://schemas.openxmlformats.org/markup-compatibility/2006">
-    <mc:Choice xmlns:p14="http://schemas.microsoft.com/office/powerpoint/2010/main" Requires="p14">
+  <mc:AlternateContent xmlns:mc="http://schemas.openxmlformats.org/markup-compatibility/2006" xmlns:p14="http://schemas.microsoft.com/office/powerpoint/2010/main">
+    <mc:Choice Requires="p14">
       <p:transition spd="med" p14:dur="700">
         <p:fade/>
       </p:transition>
     </mc:Choice>
-    <mc:Fallback>
+    <mc:Fallback xmlns="">
       <p:transition spd="med">
         <p:fade/>
       </p:transition>
@@ -9266,13 +9252,13 @@
   <p:clrMapOvr>
     <a:masterClrMapping/>
   </p:clrMapOvr>
-  <mc:AlternateContent xmlns:mc="http://schemas.openxmlformats.org/markup-compatibility/2006">
-    <mc:Choice xmlns:p14="http://schemas.microsoft.com/office/powerpoint/2010/main" Requires="p14">
+  <mc:AlternateContent xmlns:mc="http://schemas.openxmlformats.org/markup-compatibility/2006" xmlns:p14="http://schemas.microsoft.com/office/powerpoint/2010/main">
+    <mc:Choice Requires="p14">
       <p:transition spd="med" p14:dur="700">
         <p:fade/>
       </p:transition>
     </mc:Choice>
-    <mc:Fallback>
+    <mc:Fallback xmlns="">
       <p:transition spd="med">
         <p:fade/>
       </p:transition>
@@ -10019,13 +10005,13 @@
   <p:clrMapOvr>
     <a:masterClrMapping/>
   </p:clrMapOvr>
-  <mc:AlternateContent xmlns:mc="http://schemas.openxmlformats.org/markup-compatibility/2006">
-    <mc:Choice xmlns:p14="http://schemas.microsoft.com/office/powerpoint/2010/main" Requires="p14">
+  <mc:AlternateContent xmlns:mc="http://schemas.openxmlformats.org/markup-compatibility/2006" xmlns:p14="http://schemas.microsoft.com/office/powerpoint/2010/main">
+    <mc:Choice Requires="p14">
       <p:transition spd="med" p14:dur="700">
         <p:fade/>
       </p:transition>
     </mc:Choice>
-    <mc:Fallback>
+    <mc:Fallback xmlns="">
       <p:transition spd="med">
         <p:fade/>
       </p:transition>
@@ -10454,13 +10440,13 @@
   <p:clrMapOvr>
     <a:masterClrMapping/>
   </p:clrMapOvr>
-  <mc:AlternateContent xmlns:mc="http://schemas.openxmlformats.org/markup-compatibility/2006">
-    <mc:Choice xmlns:p14="http://schemas.microsoft.com/office/powerpoint/2010/main" Requires="p14">
+  <mc:AlternateContent xmlns:mc="http://schemas.openxmlformats.org/markup-compatibility/2006" xmlns:p14="http://schemas.microsoft.com/office/powerpoint/2010/main">
+    <mc:Choice Requires="p14">
       <p:transition spd="med" p14:dur="700">
         <p:fade/>
       </p:transition>
     </mc:Choice>
-    <mc:Fallback>
+    <mc:Fallback xmlns="">
       <p:transition spd="med">
         <p:fade/>
       </p:transition>
@@ -11357,7 +11343,7 @@
           <a:noFill/>
           <a:ln w="38100">
             <a:solidFill>
-              <a:srgbClr val="05F170"/>
+              <a:srgbClr val="00B050"/>
             </a:solidFill>
           </a:ln>
         </p:spPr>
@@ -11396,13 +11382,13 @@
   <p:clrMapOvr>
     <a:masterClrMapping/>
   </p:clrMapOvr>
-  <mc:AlternateContent xmlns:mc="http://schemas.openxmlformats.org/markup-compatibility/2006">
-    <mc:Choice xmlns:p14="http://schemas.microsoft.com/office/powerpoint/2010/main" Requires="p14">
+  <mc:AlternateContent xmlns:mc="http://schemas.openxmlformats.org/markup-compatibility/2006" xmlns:p14="http://schemas.microsoft.com/office/powerpoint/2010/main">
+    <mc:Choice Requires="p14">
       <p:transition spd="med" p14:dur="700">
         <p:fade/>
       </p:transition>
     </mc:Choice>
-    <mc:Fallback>
+    <mc:Fallback xmlns="">
       <p:transition spd="med">
         <p:fade/>
       </p:transition>
@@ -12120,13 +12106,13 @@
   <p:clrMapOvr>
     <a:masterClrMapping/>
   </p:clrMapOvr>
-  <mc:AlternateContent xmlns:mc="http://schemas.openxmlformats.org/markup-compatibility/2006">
-    <mc:Choice xmlns:p14="http://schemas.microsoft.com/office/powerpoint/2010/main" Requires="p14">
+  <mc:AlternateContent xmlns:mc="http://schemas.openxmlformats.org/markup-compatibility/2006" xmlns:p14="http://schemas.microsoft.com/office/powerpoint/2010/main">
+    <mc:Choice Requires="p14">
       <p:transition spd="med" p14:dur="700">
         <p:fade/>
       </p:transition>
     </mc:Choice>
-    <mc:Fallback>
+    <mc:Fallback xmlns="">
       <p:transition spd="med">
         <p:fade/>
       </p:transition>
@@ -12621,7 +12607,7 @@
         <p:spPr>
           <a:xfrm>
             <a:off x="477814" y="3907571"/>
-            <a:ext cx="2553115" cy="525457"/>
+            <a:ext cx="2553115" cy="1202424"/>
           </a:xfrm>
           <a:prstGeom prst="rect">
             <a:avLst/>
@@ -12787,7 +12773,7 @@
             </a:r>
             <a:r>
               <a:rPr lang="en-US" sz="1100" dirty="0"/>
-              <a:t>(</a:t>
+              <a:t>(	</a:t>
             </a:r>
             <a:r>
               <a:rPr lang="en-US" sz="1100" dirty="0" err="1">
@@ -12805,6 +12791,12 @@
               </a:rPr>
               <a:t>, </a:t>
             </a:r>
+          </a:p>
+          <a:p>
+            <a:r>
+              <a:rPr lang="en-US" sz="1100" dirty="0"/>
+              <a:t>	</a:t>
+            </a:r>
             <a:r>
               <a:rPr lang="en-US" sz="1100" dirty="0" err="1">
                 <a:highlight>
@@ -12814,8 +12806,24 @@
               <a:t>frm.Country</a:t>
             </a:r>
             <a:r>
+              <a:rPr lang="en-US" sz="1100" dirty="0">
+                <a:highlight>
+                  <a:srgbClr val="FFFF00"/>
+                </a:highlight>
+              </a:rPr>
+              <a:t>,</a:t>
+            </a:r>
+          </a:p>
+          <a:p>
+            <a:r>
               <a:rPr lang="en-US" sz="1100" dirty="0"/>
-              <a:t>,…)</a:t>
+              <a:t>	…</a:t>
+            </a:r>
+          </a:p>
+          <a:p>
+            <a:r>
+              <a:rPr lang="en-US" sz="1100" dirty="0"/>
+              <a:t>	)</a:t>
             </a:r>
           </a:p>
         </p:txBody>
@@ -12836,8 +12844,8 @@
         </p:nvSpPr>
         <p:spPr>
           <a:xfrm>
-            <a:off x="3188682" y="3907570"/>
-            <a:ext cx="2553115" cy="525457"/>
+            <a:off x="3028109" y="3907570"/>
+            <a:ext cx="2874262" cy="1202421"/>
           </a:xfrm>
           <a:prstGeom prst="rect">
             <a:avLst/>
@@ -13027,6 +13035,54 @@
               </a:highlight>
             </a:endParaRPr>
           </a:p>
+          <a:p>
+            <a:r>
+              <a:rPr lang="en-US" sz="1100" dirty="0" err="1"/>
+              <a:t>cmd.parameters.add</a:t>
+            </a:r>
+            <a:r>
+              <a:rPr lang="en-US" sz="1100" dirty="0"/>
+              <a:t> </a:t>
+            </a:r>
+            <a:r>
+              <a:rPr lang="en-US" sz="1100" dirty="0">
+                <a:highlight>
+                  <a:srgbClr val="FFFF00"/>
+                </a:highlight>
+              </a:rPr>
+              <a:t>@Country, </a:t>
+            </a:r>
+            <a:r>
+              <a:rPr lang="en-US" sz="1100" dirty="0" err="1">
+                <a:highlight>
+                  <a:srgbClr val="FFFF00"/>
+                </a:highlight>
+              </a:rPr>
+              <a:t>pCountry</a:t>
+            </a:r>
+            <a:endParaRPr lang="en-US" sz="1100" dirty="0">
+              <a:highlight>
+                <a:srgbClr val="FFFF00"/>
+              </a:highlight>
+            </a:endParaRPr>
+          </a:p>
+          <a:p>
+            <a:r>
+              <a:rPr lang="en-US" sz="1100" dirty="0" err="1"/>
+              <a:t>cmd.parameters.add</a:t>
+            </a:r>
+            <a:r>
+              <a:rPr lang="en-US" sz="1100" dirty="0"/>
+              <a:t> …</a:t>
+            </a:r>
+          </a:p>
+          <a:p>
+            <a:endParaRPr lang="en-US" sz="1100" dirty="0">
+              <a:highlight>
+                <a:srgbClr val="FFFF00"/>
+              </a:highlight>
+            </a:endParaRPr>
+          </a:p>
         </p:txBody>
       </p:sp>
       <p:sp>
@@ -13046,7 +13102,7 @@
         <p:spPr>
           <a:xfrm>
             <a:off x="5928774" y="3907570"/>
-            <a:ext cx="2871442" cy="525457"/>
+            <a:ext cx="2871442" cy="1142142"/>
           </a:xfrm>
           <a:prstGeom prst="rect">
             <a:avLst/>
@@ -13212,11 +13268,17 @@
             </a:r>
             <a:r>
               <a:rPr lang="en-US" sz="1100" dirty="0" err="1"/>
-              <a:t>SearchContacts</a:t>
+              <a:t>SearchMembers</a:t>
             </a:r>
             <a:r>
               <a:rPr lang="en-US" sz="1100" dirty="0"/>
               <a:t> </a:t>
+            </a:r>
+          </a:p>
+          <a:p>
+            <a:r>
+              <a:rPr lang="en-US" sz="1100" dirty="0"/>
+              <a:t>	</a:t>
             </a:r>
             <a:r>
               <a:rPr lang="en-US" sz="1100" dirty="0">
@@ -13240,7 +13302,27 @@
                   <a:srgbClr val="FFFF00"/>
                 </a:highlight>
               </a:rPr>
-              <a:t>(…)</a:t>
+              <a:t>(…),</a:t>
+            </a:r>
+          </a:p>
+          <a:p>
+            <a:r>
+              <a:rPr lang="en-US" sz="1100" dirty="0"/>
+              <a:t>	</a:t>
+            </a:r>
+            <a:r>
+              <a:rPr lang="en-US" sz="1100" dirty="0">
+                <a:highlight>
+                  <a:srgbClr val="FFFF00"/>
+                </a:highlight>
+              </a:rPr>
+              <a:t>@Country int,</a:t>
+            </a:r>
+          </a:p>
+          <a:p>
+            <a:r>
+              <a:rPr lang="en-US" sz="1100" dirty="0"/>
+              <a:t>	…</a:t>
             </a:r>
           </a:p>
         </p:txBody>
@@ -13509,13 +13591,13 @@
   <p:clrMapOvr>
     <a:masterClrMapping/>
   </p:clrMapOvr>
-  <mc:AlternateContent xmlns:mc="http://schemas.openxmlformats.org/markup-compatibility/2006">
-    <mc:Choice xmlns:p14="http://schemas.microsoft.com/office/powerpoint/2010/main" Requires="p14">
+  <mc:AlternateContent xmlns:mc="http://schemas.openxmlformats.org/markup-compatibility/2006" xmlns:p14="http://schemas.microsoft.com/office/powerpoint/2010/main">
+    <mc:Choice Requires="p14">
       <p:transition spd="med" p14:dur="700">
         <p:fade/>
       </p:transition>
     </mc:Choice>
-    <mc:Fallback>
+    <mc:Fallback xmlns="">
       <p:transition spd="med">
         <p:fade/>
       </p:transition>
@@ -14174,13 +14256,13 @@
   <p:clrMapOvr>
     <a:masterClrMapping/>
   </p:clrMapOvr>
-  <mc:AlternateContent xmlns:mc="http://schemas.openxmlformats.org/markup-compatibility/2006">
-    <mc:Choice xmlns:p14="http://schemas.microsoft.com/office/powerpoint/2010/main" Requires="p14">
+  <mc:AlternateContent xmlns:mc="http://schemas.openxmlformats.org/markup-compatibility/2006" xmlns:p14="http://schemas.microsoft.com/office/powerpoint/2010/main">
+    <mc:Choice Requires="p14">
       <p:transition spd="med" p14:dur="700">
         <p:fade/>
       </p:transition>
     </mc:Choice>
-    <mc:Fallback>
+    <mc:Fallback xmlns="">
       <p:transition spd="med">
         <p:fade/>
       </p:transition>
@@ -14573,6 +14655,224 @@
           </a:prstGeom>
         </p:spPr>
       </p:pic>
+      <p:sp>
+        <p:nvSpPr>
+          <p:cNvPr id="2" name="TextBox 1">
+            <a:extLst>
+              <a:ext uri="{FF2B5EF4-FFF2-40B4-BE49-F238E27FC236}">
+                <a16:creationId xmlns:a16="http://schemas.microsoft.com/office/drawing/2014/main" id="{BD3A6416-5721-4DFE-80B3-00A3F4C5E943}"/>
+              </a:ext>
+            </a:extLst>
+          </p:cNvPr>
+          <p:cNvSpPr txBox="1"/>
+          <p:nvPr/>
+        </p:nvSpPr>
+        <p:spPr>
+          <a:xfrm>
+            <a:off x="6439607" y="2309735"/>
+            <a:ext cx="718466" cy="369332"/>
+          </a:xfrm>
+          <a:prstGeom prst="rect">
+            <a:avLst/>
+          </a:prstGeom>
+          <a:noFill/>
+        </p:spPr>
+        <p:txBody>
+          <a:bodyPr wrap="none" rtlCol="0">
+            <a:spAutoFit/>
+          </a:bodyPr>
+          <a:lstStyle/>
+          <a:p>
+            <a:r>
+              <a:rPr lang="en-US" dirty="0"/>
+              <a:t>Code</a:t>
+            </a:r>
+          </a:p>
+        </p:txBody>
+      </p:sp>
+      <p:sp>
+        <p:nvSpPr>
+          <p:cNvPr id="12" name="TextBox 11">
+            <a:extLst>
+              <a:ext uri="{FF2B5EF4-FFF2-40B4-BE49-F238E27FC236}">
+                <a16:creationId xmlns:a16="http://schemas.microsoft.com/office/drawing/2014/main" id="{620FB8E6-D59C-43AB-9493-4FE2878774AE}"/>
+              </a:ext>
+            </a:extLst>
+          </p:cNvPr>
+          <p:cNvSpPr txBox="1"/>
+          <p:nvPr/>
+        </p:nvSpPr>
+        <p:spPr>
+          <a:xfrm>
+            <a:off x="7539617" y="4364690"/>
+            <a:ext cx="1117614" cy="369332"/>
+          </a:xfrm>
+          <a:prstGeom prst="rect">
+            <a:avLst/>
+          </a:prstGeom>
+          <a:noFill/>
+        </p:spPr>
+        <p:txBody>
+          <a:bodyPr wrap="none" rtlCol="0">
+            <a:spAutoFit/>
+          </a:bodyPr>
+          <a:lstStyle/>
+          <a:p>
+            <a:r>
+              <a:rPr lang="en-US" dirty="0"/>
+              <a:t>End-User</a:t>
+            </a:r>
+          </a:p>
+        </p:txBody>
+      </p:sp>
+      <p:sp>
+        <p:nvSpPr>
+          <p:cNvPr id="13" name="TextBox 12">
+            <a:extLst>
+              <a:ext uri="{FF2B5EF4-FFF2-40B4-BE49-F238E27FC236}">
+                <a16:creationId xmlns:a16="http://schemas.microsoft.com/office/drawing/2014/main" id="{8B503D00-8A40-438E-B7C4-F55EB36C43D2}"/>
+              </a:ext>
+            </a:extLst>
+          </p:cNvPr>
+          <p:cNvSpPr txBox="1"/>
+          <p:nvPr/>
+        </p:nvSpPr>
+        <p:spPr>
+          <a:xfrm>
+            <a:off x="5648234" y="1327648"/>
+            <a:ext cx="718466" cy="369332"/>
+          </a:xfrm>
+          <a:prstGeom prst="rect">
+            <a:avLst/>
+          </a:prstGeom>
+          <a:noFill/>
+        </p:spPr>
+        <p:txBody>
+          <a:bodyPr wrap="none" rtlCol="0">
+            <a:spAutoFit/>
+          </a:bodyPr>
+          <a:lstStyle/>
+          <a:p>
+            <a:r>
+              <a:rPr lang="en-US" dirty="0"/>
+              <a:t>Code</a:t>
+            </a:r>
+          </a:p>
+        </p:txBody>
+      </p:sp>
+      <p:sp>
+        <p:nvSpPr>
+          <p:cNvPr id="15" name="TextBox 14">
+            <a:extLst>
+              <a:ext uri="{FF2B5EF4-FFF2-40B4-BE49-F238E27FC236}">
+                <a16:creationId xmlns:a16="http://schemas.microsoft.com/office/drawing/2014/main" id="{D5D9C041-9718-479C-AB2D-468366657D27}"/>
+              </a:ext>
+            </a:extLst>
+          </p:cNvPr>
+          <p:cNvSpPr txBox="1"/>
+          <p:nvPr/>
+        </p:nvSpPr>
+        <p:spPr>
+          <a:xfrm>
+            <a:off x="7193242" y="3387564"/>
+            <a:ext cx="718466" cy="369332"/>
+          </a:xfrm>
+          <a:prstGeom prst="rect">
+            <a:avLst/>
+          </a:prstGeom>
+          <a:noFill/>
+        </p:spPr>
+        <p:txBody>
+          <a:bodyPr wrap="none" rtlCol="0">
+            <a:spAutoFit/>
+          </a:bodyPr>
+          <a:lstStyle/>
+          <a:p>
+            <a:r>
+              <a:rPr lang="en-US" dirty="0"/>
+              <a:t>Code</a:t>
+            </a:r>
+          </a:p>
+        </p:txBody>
+      </p:sp>
+      <p:sp>
+        <p:nvSpPr>
+          <p:cNvPr id="16" name="TextBox 15">
+            <a:extLst>
+              <a:ext uri="{FF2B5EF4-FFF2-40B4-BE49-F238E27FC236}">
+                <a16:creationId xmlns:a16="http://schemas.microsoft.com/office/drawing/2014/main" id="{F30A897E-C4B0-4721-A2AE-A8E02FF8C5EB}"/>
+              </a:ext>
+            </a:extLst>
+          </p:cNvPr>
+          <p:cNvSpPr txBox="1"/>
+          <p:nvPr/>
+        </p:nvSpPr>
+        <p:spPr>
+          <a:xfrm>
+            <a:off x="6709237" y="2415243"/>
+            <a:ext cx="659155" cy="369332"/>
+          </a:xfrm>
+          <a:prstGeom prst="rect">
+            <a:avLst/>
+          </a:prstGeom>
+          <a:noFill/>
+        </p:spPr>
+        <p:txBody>
+          <a:bodyPr wrap="none" rtlCol="0">
+            <a:spAutoFit/>
+          </a:bodyPr>
+          <a:lstStyle/>
+          <a:p>
+            <a:r>
+              <a:rPr lang="en-US" dirty="0">
+                <a:solidFill>
+                  <a:srgbClr val="7030A0"/>
+                </a:solidFill>
+              </a:rPr>
+              <a:t>Data</a:t>
+            </a:r>
+          </a:p>
+        </p:txBody>
+      </p:sp>
+      <p:sp>
+        <p:nvSpPr>
+          <p:cNvPr id="17" name="TextBox 16">
+            <a:extLst>
+              <a:ext uri="{FF2B5EF4-FFF2-40B4-BE49-F238E27FC236}">
+                <a16:creationId xmlns:a16="http://schemas.microsoft.com/office/drawing/2014/main" id="{2D4CAA10-8031-4C4A-8909-9622E6B7694F}"/>
+              </a:ext>
+            </a:extLst>
+          </p:cNvPr>
+          <p:cNvSpPr txBox="1"/>
+          <p:nvPr/>
+        </p:nvSpPr>
+        <p:spPr>
+          <a:xfrm>
+            <a:off x="7439269" y="3460802"/>
+            <a:ext cx="659155" cy="369332"/>
+          </a:xfrm>
+          <a:prstGeom prst="rect">
+            <a:avLst/>
+          </a:prstGeom>
+          <a:noFill/>
+        </p:spPr>
+        <p:txBody>
+          <a:bodyPr wrap="none" rtlCol="0">
+            <a:spAutoFit/>
+          </a:bodyPr>
+          <a:lstStyle/>
+          <a:p>
+            <a:r>
+              <a:rPr lang="en-US" dirty="0">
+                <a:solidFill>
+                  <a:srgbClr val="7030A0"/>
+                </a:solidFill>
+              </a:rPr>
+              <a:t>Data</a:t>
+            </a:r>
+          </a:p>
+        </p:txBody>
+      </p:sp>
     </p:spTree>
     <p:extLst>
       <p:ext uri="{BB962C8B-B14F-4D97-AF65-F5344CB8AC3E}">
@@ -14767,14 +15067,1568 @@
                             </p:stCondLst>
                             <p:childTnLst>
                               <p:par>
-                                <p:cTn id="16" presetID="42" presetClass="path" presetSubtype="0" accel="50000" decel="50000" fill="hold" nodeType="clickEffect">
+                                <p:cTn id="16" presetID="2" presetClass="entr" presetSubtype="2" fill="hold" grpId="0" nodeType="clickEffect">
+                                  <p:stCondLst>
+                                    <p:cond delay="0"/>
+                                  </p:stCondLst>
+                                  <p:childTnLst>
+                                    <p:set>
+                                      <p:cBhvr>
+                                        <p:cTn id="17" dur="1" fill="hold">
+                                          <p:stCondLst>
+                                            <p:cond delay="0"/>
+                                          </p:stCondLst>
+                                        </p:cTn>
+                                        <p:tgtEl>
+                                          <p:spTgt spid="2"/>
+                                        </p:tgtEl>
+                                        <p:attrNameLst>
+                                          <p:attrName>style.visibility</p:attrName>
+                                        </p:attrNameLst>
+                                      </p:cBhvr>
+                                      <p:to>
+                                        <p:strVal val="visible"/>
+                                      </p:to>
+                                    </p:set>
+                                    <p:anim calcmode="lin" valueType="num">
+                                      <p:cBhvr additive="base">
+                                        <p:cTn id="18" dur="500" fill="hold"/>
+                                        <p:tgtEl>
+                                          <p:spTgt spid="2"/>
+                                        </p:tgtEl>
+                                        <p:attrNameLst>
+                                          <p:attrName>ppt_x</p:attrName>
+                                        </p:attrNameLst>
+                                      </p:cBhvr>
+                                      <p:tavLst>
+                                        <p:tav tm="0">
+                                          <p:val>
+                                            <p:strVal val="1+#ppt_w/2"/>
+                                          </p:val>
+                                        </p:tav>
+                                        <p:tav tm="100000">
+                                          <p:val>
+                                            <p:strVal val="#ppt_x"/>
+                                          </p:val>
+                                        </p:tav>
+                                      </p:tavLst>
+                                    </p:anim>
+                                    <p:anim calcmode="lin" valueType="num">
+                                      <p:cBhvr additive="base">
+                                        <p:cTn id="19" dur="500" fill="hold"/>
+                                        <p:tgtEl>
+                                          <p:spTgt spid="2"/>
+                                        </p:tgtEl>
+                                        <p:attrNameLst>
+                                          <p:attrName>ppt_y</p:attrName>
+                                        </p:attrNameLst>
+                                      </p:cBhvr>
+                                      <p:tavLst>
+                                        <p:tav tm="0">
+                                          <p:val>
+                                            <p:strVal val="#ppt_y"/>
+                                          </p:val>
+                                        </p:tav>
+                                        <p:tav tm="100000">
+                                          <p:val>
+                                            <p:strVal val="#ppt_y"/>
+                                          </p:val>
+                                        </p:tav>
+                                      </p:tavLst>
+                                    </p:anim>
+                                  </p:childTnLst>
+                                </p:cTn>
+                              </p:par>
+                            </p:childTnLst>
+                          </p:cTn>
+                        </p:par>
+                        <p:par>
+                          <p:cTn id="20" fill="hold">
+                            <p:stCondLst>
+                              <p:cond delay="500"/>
+                            </p:stCondLst>
+                            <p:childTnLst>
+                              <p:par>
+                                <p:cTn id="21" presetID="2" presetClass="entr" presetSubtype="2" fill="hold" grpId="0" nodeType="afterEffect">
+                                  <p:stCondLst>
+                                    <p:cond delay="0"/>
+                                  </p:stCondLst>
+                                  <p:childTnLst>
+                                    <p:set>
+                                      <p:cBhvr>
+                                        <p:cTn id="22" dur="1" fill="hold">
+                                          <p:stCondLst>
+                                            <p:cond delay="0"/>
+                                          </p:stCondLst>
+                                        </p:cTn>
+                                        <p:tgtEl>
+                                          <p:spTgt spid="15"/>
+                                        </p:tgtEl>
+                                        <p:attrNameLst>
+                                          <p:attrName>style.visibility</p:attrName>
+                                        </p:attrNameLst>
+                                      </p:cBhvr>
+                                      <p:to>
+                                        <p:strVal val="visible"/>
+                                      </p:to>
+                                    </p:set>
+                                    <p:anim calcmode="lin" valueType="num">
+                                      <p:cBhvr additive="base">
+                                        <p:cTn id="23" dur="500" fill="hold"/>
+                                        <p:tgtEl>
+                                          <p:spTgt spid="15"/>
+                                        </p:tgtEl>
+                                        <p:attrNameLst>
+                                          <p:attrName>ppt_x</p:attrName>
+                                        </p:attrNameLst>
+                                      </p:cBhvr>
+                                      <p:tavLst>
+                                        <p:tav tm="0">
+                                          <p:val>
+                                            <p:strVal val="1+#ppt_w/2"/>
+                                          </p:val>
+                                        </p:tav>
+                                        <p:tav tm="100000">
+                                          <p:val>
+                                            <p:strVal val="#ppt_x"/>
+                                          </p:val>
+                                        </p:tav>
+                                      </p:tavLst>
+                                    </p:anim>
+                                    <p:anim calcmode="lin" valueType="num">
+                                      <p:cBhvr additive="base">
+                                        <p:cTn id="24" dur="500" fill="hold"/>
+                                        <p:tgtEl>
+                                          <p:spTgt spid="15"/>
+                                        </p:tgtEl>
+                                        <p:attrNameLst>
+                                          <p:attrName>ppt_y</p:attrName>
+                                        </p:attrNameLst>
+                                      </p:cBhvr>
+                                      <p:tavLst>
+                                        <p:tav tm="0">
+                                          <p:val>
+                                            <p:strVal val="#ppt_y"/>
+                                          </p:val>
+                                        </p:tav>
+                                        <p:tav tm="100000">
+                                          <p:val>
+                                            <p:strVal val="#ppt_y"/>
+                                          </p:val>
+                                        </p:tav>
+                                      </p:tavLst>
+                                    </p:anim>
+                                  </p:childTnLst>
+                                </p:cTn>
+                              </p:par>
+                            </p:childTnLst>
+                          </p:cTn>
+                        </p:par>
+                        <p:par>
+                          <p:cTn id="25" fill="hold">
+                            <p:stCondLst>
+                              <p:cond delay="1000"/>
+                            </p:stCondLst>
+                            <p:childTnLst>
+                              <p:par>
+                                <p:cTn id="26" presetID="2" presetClass="entr" presetSubtype="2" fill="hold" grpId="0" nodeType="afterEffect">
+                                  <p:stCondLst>
+                                    <p:cond delay="0"/>
+                                  </p:stCondLst>
+                                  <p:childTnLst>
+                                    <p:set>
+                                      <p:cBhvr>
+                                        <p:cTn id="27" dur="1" fill="hold">
+                                          <p:stCondLst>
+                                            <p:cond delay="0"/>
+                                          </p:stCondLst>
+                                        </p:cTn>
+                                        <p:tgtEl>
+                                          <p:spTgt spid="12"/>
+                                        </p:tgtEl>
+                                        <p:attrNameLst>
+                                          <p:attrName>style.visibility</p:attrName>
+                                        </p:attrNameLst>
+                                      </p:cBhvr>
+                                      <p:to>
+                                        <p:strVal val="visible"/>
+                                      </p:to>
+                                    </p:set>
+                                    <p:anim calcmode="lin" valueType="num">
+                                      <p:cBhvr additive="base">
+                                        <p:cTn id="28" dur="500" fill="hold"/>
+                                        <p:tgtEl>
+                                          <p:spTgt spid="12"/>
+                                        </p:tgtEl>
+                                        <p:attrNameLst>
+                                          <p:attrName>ppt_x</p:attrName>
+                                        </p:attrNameLst>
+                                      </p:cBhvr>
+                                      <p:tavLst>
+                                        <p:tav tm="0">
+                                          <p:val>
+                                            <p:strVal val="1+#ppt_w/2"/>
+                                          </p:val>
+                                        </p:tav>
+                                        <p:tav tm="100000">
+                                          <p:val>
+                                            <p:strVal val="#ppt_x"/>
+                                          </p:val>
+                                        </p:tav>
+                                      </p:tavLst>
+                                    </p:anim>
+                                    <p:anim calcmode="lin" valueType="num">
+                                      <p:cBhvr additive="base">
+                                        <p:cTn id="29" dur="500" fill="hold"/>
+                                        <p:tgtEl>
+                                          <p:spTgt spid="12"/>
+                                        </p:tgtEl>
+                                        <p:attrNameLst>
+                                          <p:attrName>ppt_y</p:attrName>
+                                        </p:attrNameLst>
+                                      </p:cBhvr>
+                                      <p:tavLst>
+                                        <p:tav tm="0">
+                                          <p:val>
+                                            <p:strVal val="#ppt_y"/>
+                                          </p:val>
+                                        </p:tav>
+                                        <p:tav tm="100000">
+                                          <p:val>
+                                            <p:strVal val="#ppt_y"/>
+                                          </p:val>
+                                        </p:tav>
+                                      </p:tavLst>
+                                    </p:anim>
+                                  </p:childTnLst>
+                                </p:cTn>
+                              </p:par>
+                            </p:childTnLst>
+                          </p:cTn>
+                        </p:par>
+                        <p:par>
+                          <p:cTn id="30" fill="hold">
+                            <p:stCondLst>
+                              <p:cond delay="1500"/>
+                            </p:stCondLst>
+                            <p:childTnLst>
+                              <p:par>
+                                <p:cTn id="31" presetID="2" presetClass="entr" presetSubtype="2" fill="hold" grpId="0" nodeType="afterEffect">
+                                  <p:stCondLst>
+                                    <p:cond delay="0"/>
+                                  </p:stCondLst>
+                                  <p:childTnLst>
+                                    <p:set>
+                                      <p:cBhvr>
+                                        <p:cTn id="32" dur="1" fill="hold">
+                                          <p:stCondLst>
+                                            <p:cond delay="0"/>
+                                          </p:stCondLst>
+                                        </p:cTn>
+                                        <p:tgtEl>
+                                          <p:spTgt spid="13"/>
+                                        </p:tgtEl>
+                                        <p:attrNameLst>
+                                          <p:attrName>style.visibility</p:attrName>
+                                        </p:attrNameLst>
+                                      </p:cBhvr>
+                                      <p:to>
+                                        <p:strVal val="visible"/>
+                                      </p:to>
+                                    </p:set>
+                                    <p:anim calcmode="lin" valueType="num">
+                                      <p:cBhvr additive="base">
+                                        <p:cTn id="33" dur="500" fill="hold"/>
+                                        <p:tgtEl>
+                                          <p:spTgt spid="13"/>
+                                        </p:tgtEl>
+                                        <p:attrNameLst>
+                                          <p:attrName>ppt_x</p:attrName>
+                                        </p:attrNameLst>
+                                      </p:cBhvr>
+                                      <p:tavLst>
+                                        <p:tav tm="0">
+                                          <p:val>
+                                            <p:strVal val="1+#ppt_w/2"/>
+                                          </p:val>
+                                        </p:tav>
+                                        <p:tav tm="100000">
+                                          <p:val>
+                                            <p:strVal val="#ppt_x"/>
+                                          </p:val>
+                                        </p:tav>
+                                      </p:tavLst>
+                                    </p:anim>
+                                    <p:anim calcmode="lin" valueType="num">
+                                      <p:cBhvr additive="base">
+                                        <p:cTn id="34" dur="500" fill="hold"/>
+                                        <p:tgtEl>
+                                          <p:spTgt spid="13"/>
+                                        </p:tgtEl>
+                                        <p:attrNameLst>
+                                          <p:attrName>ppt_y</p:attrName>
+                                        </p:attrNameLst>
+                                      </p:cBhvr>
+                                      <p:tavLst>
+                                        <p:tav tm="0">
+                                          <p:val>
+                                            <p:strVal val="#ppt_y"/>
+                                          </p:val>
+                                        </p:tav>
+                                        <p:tav tm="100000">
+                                          <p:val>
+                                            <p:strVal val="#ppt_y"/>
+                                          </p:val>
+                                        </p:tav>
+                                      </p:tavLst>
+                                    </p:anim>
+                                  </p:childTnLst>
+                                </p:cTn>
+                              </p:par>
+                            </p:childTnLst>
+                          </p:cTn>
+                        </p:par>
+                      </p:childTnLst>
+                    </p:cTn>
+                  </p:par>
+                  <p:par>
+                    <p:cTn id="35" fill="hold">
+                      <p:stCondLst>
+                        <p:cond delay="indefinite"/>
+                      </p:stCondLst>
+                      <p:childTnLst>
+                        <p:par>
+                          <p:cTn id="36" fill="hold">
+                            <p:stCondLst>
+                              <p:cond delay="0"/>
+                            </p:stCondLst>
+                            <p:childTnLst>
+                              <p:par>
+                                <p:cTn id="37" presetID="26" presetClass="exit" presetSubtype="0" fill="hold" grpId="1" nodeType="clickEffect">
+                                  <p:stCondLst>
+                                    <p:cond delay="0"/>
+                                  </p:stCondLst>
+                                  <p:childTnLst>
+                                    <p:animEffect transition="out" filter="wipe(down)">
+                                      <p:cBhvr>
+                                        <p:cTn id="38" dur="180" accel="50000">
+                                          <p:stCondLst>
+                                            <p:cond delay="1820"/>
+                                          </p:stCondLst>
+                                        </p:cTn>
+                                        <p:tgtEl>
+                                          <p:spTgt spid="2"/>
+                                        </p:tgtEl>
+                                      </p:cBhvr>
+                                    </p:animEffect>
+                                    <p:anim calcmode="lin" valueType="num">
+                                      <p:cBhvr>
+                                        <p:cTn id="39" dur="1822" tmFilter="0,0; 0.14,0.31; 0.43,0.73; 0.71,0.91; 1.0,1.0">
+                                          <p:stCondLst>
+                                            <p:cond delay="0"/>
+                                          </p:stCondLst>
+                                        </p:cTn>
+                                        <p:tgtEl>
+                                          <p:spTgt spid="2"/>
+                                        </p:tgtEl>
+                                        <p:attrNameLst>
+                                          <p:attrName>ppt_x</p:attrName>
+                                        </p:attrNameLst>
+                                      </p:cBhvr>
+                                      <p:tavLst>
+                                        <p:tav tm="0">
+                                          <p:val>
+                                            <p:strVal val="ppt_x"/>
+                                          </p:val>
+                                        </p:tav>
+                                        <p:tav tm="100000">
+                                          <p:val>
+                                            <p:strVal val="#ppt_x+0.25"/>
+                                          </p:val>
+                                        </p:tav>
+                                      </p:tavLst>
+                                    </p:anim>
+                                    <p:anim calcmode="lin" valueType="num">
+                                      <p:cBhvr>
+                                        <p:cTn id="40" dur="178">
+                                          <p:stCondLst>
+                                            <p:cond delay="1822"/>
+                                          </p:stCondLst>
+                                        </p:cTn>
+                                        <p:tgtEl>
+                                          <p:spTgt spid="2"/>
+                                        </p:tgtEl>
+                                        <p:attrNameLst>
+                                          <p:attrName>ppt_x</p:attrName>
+                                        </p:attrNameLst>
+                                      </p:cBhvr>
+                                      <p:tavLst>
+                                        <p:tav tm="0">
+                                          <p:val>
+                                            <p:strVal val="ppt_x"/>
+                                          </p:val>
+                                        </p:tav>
+                                        <p:tav tm="100000">
+                                          <p:val>
+                                            <p:strVal val="ppt_x"/>
+                                          </p:val>
+                                        </p:tav>
+                                      </p:tavLst>
+                                    </p:anim>
+                                    <p:anim calcmode="lin" valueType="num">
+                                      <p:cBhvr>
+                                        <p:cTn id="41" dur="664" tmFilter="0.0,0.0;0.25,0.07;0.50,0.2;0.75,0.467;1.0,1.0">
+                                          <p:stCondLst>
+                                            <p:cond delay="0"/>
+                                          </p:stCondLst>
+                                        </p:cTn>
+                                        <p:tgtEl>
+                                          <p:spTgt spid="2"/>
+                                        </p:tgtEl>
+                                        <p:attrNameLst>
+                                          <p:attrName>ppt_y</p:attrName>
+                                        </p:attrNameLst>
+                                      </p:cBhvr>
+                                      <p:tavLst>
+                                        <p:tav tm="0">
+                                          <p:val>
+                                            <p:strVal val="ppt_y"/>
+                                          </p:val>
+                                        </p:tav>
+                                        <p:tav tm="5000">
+                                          <p:val>
+                                            <p:strVal val="ppt_y+0.026"/>
+                                          </p:val>
+                                        </p:tav>
+                                        <p:tav tm="10000">
+                                          <p:val>
+                                            <p:strVal val="ppt_y+0.052"/>
+                                          </p:val>
+                                        </p:tav>
+                                        <p:tav tm="15000">
+                                          <p:val>
+                                            <p:strVal val="ppt_y+0.078"/>
+                                          </p:val>
+                                        </p:tav>
+                                        <p:tav tm="20000">
+                                          <p:val>
+                                            <p:strVal val="ppt_y+0.103"/>
+                                          </p:val>
+                                        </p:tav>
+                                        <p:tav tm="30000">
+                                          <p:val>
+                                            <p:strVal val="ppt_y+0.151"/>
+                                          </p:val>
+                                        </p:tav>
+                                        <p:tav tm="40000">
+                                          <p:val>
+                                            <p:strVal val="ppt_y+0.196"/>
+                                          </p:val>
+                                        </p:tav>
+                                        <p:tav tm="50000">
+                                          <p:val>
+                                            <p:strVal val="ppt_y+0.236"/>
+                                          </p:val>
+                                        </p:tav>
+                                        <p:tav tm="60000">
+                                          <p:val>
+                                            <p:strVal val="ppt_y+0.270"/>
+                                          </p:val>
+                                        </p:tav>
+                                        <p:tav tm="70000">
+                                          <p:val>
+                                            <p:strVal val="ppt_y+0.297"/>
+                                          </p:val>
+                                        </p:tav>
+                                        <p:tav tm="80000">
+                                          <p:val>
+                                            <p:strVal val="ppt_y+0.317"/>
+                                          </p:val>
+                                        </p:tav>
+                                        <p:tav tm="90000">
+                                          <p:val>
+                                            <p:strVal val="ppt_y+0.329"/>
+                                          </p:val>
+                                        </p:tav>
+                                        <p:tav tm="100000">
+                                          <p:val>
+                                            <p:strVal val="ppt_y+0.333"/>
+                                          </p:val>
+                                        </p:tav>
+                                      </p:tavLst>
+                                    </p:anim>
+                                    <p:anim calcmode="lin" valueType="num">
+                                      <p:cBhvr>
+                                        <p:cTn id="42" dur="664" tmFilter="0, 0; 0.125,0.2665; 0.25,0.4; 0.375,0.465; 0.5,0.5;  0.625,0.535; 0.75,0.6; 0.875,0.7335; 1,1">
+                                          <p:stCondLst>
+                                            <p:cond delay="664"/>
+                                          </p:stCondLst>
+                                        </p:cTn>
+                                        <p:tgtEl>
+                                          <p:spTgt spid="2"/>
+                                        </p:tgtEl>
+                                        <p:attrNameLst>
+                                          <p:attrName>ppt_y</p:attrName>
+                                        </p:attrNameLst>
+                                      </p:cBhvr>
+                                      <p:tavLst>
+                                        <p:tav tm="0">
+                                          <p:val>
+                                            <p:strVal val="ppt_y"/>
+                                          </p:val>
+                                        </p:tav>
+                                        <p:tav tm="10000">
+                                          <p:val>
+                                            <p:strVal val="ppt_y-0.034"/>
+                                          </p:val>
+                                        </p:tav>
+                                        <p:tav tm="20000">
+                                          <p:val>
+                                            <p:strVal val="ppt_y-0.065"/>
+                                          </p:val>
+                                        </p:tav>
+                                        <p:tav tm="30000">
+                                          <p:val>
+                                            <p:strVal val="ppt_y-0.090"/>
+                                          </p:val>
+                                        </p:tav>
+                                        <p:tav tm="40000">
+                                          <p:val>
+                                            <p:strVal val="ppt_y-0.106"/>
+                                          </p:val>
+                                        </p:tav>
+                                        <p:tav tm="50000">
+                                          <p:val>
+                                            <p:strVal val="ppt_y-0.111"/>
+                                          </p:val>
+                                        </p:tav>
+                                        <p:tav tm="60000">
+                                          <p:val>
+                                            <p:strVal val="ppt_y-0.106"/>
+                                          </p:val>
+                                        </p:tav>
+                                        <p:tav tm="70000">
+                                          <p:val>
+                                            <p:strVal val="ppt_y-0.090"/>
+                                          </p:val>
+                                        </p:tav>
+                                        <p:tav tm="80000">
+                                          <p:val>
+                                            <p:strVal val="ppt_y-0.065"/>
+                                          </p:val>
+                                        </p:tav>
+                                        <p:tav tm="90000">
+                                          <p:val>
+                                            <p:strVal val="ppt_y-0.034"/>
+                                          </p:val>
+                                        </p:tav>
+                                        <p:tav tm="100000">
+                                          <p:val>
+                                            <p:strVal val="ppt_y"/>
+                                          </p:val>
+                                        </p:tav>
+                                      </p:tavLst>
+                                    </p:anim>
+                                    <p:anim calcmode="lin" valueType="num">
+                                      <p:cBhvr>
+                                        <p:cTn id="43" dur="332" tmFilter="0, 0; 0.125,0.2665; 0.25,0.4; 0.375,0.465; 0.5,0.5;  0.625,0.535; 0.75,0.6; 0.875,0.7335; 1,1">
+                                          <p:stCondLst>
+                                            <p:cond delay="1324"/>
+                                          </p:stCondLst>
+                                        </p:cTn>
+                                        <p:tgtEl>
+                                          <p:spTgt spid="2"/>
+                                        </p:tgtEl>
+                                        <p:attrNameLst>
+                                          <p:attrName>ppt_y</p:attrName>
+                                        </p:attrNameLst>
+                                      </p:cBhvr>
+                                      <p:tavLst>
+                                        <p:tav tm="0">
+                                          <p:val>
+                                            <p:strVal val="ppt_y"/>
+                                          </p:val>
+                                        </p:tav>
+                                        <p:tav tm="10000">
+                                          <p:val>
+                                            <p:strVal val="ppt_y-0.011"/>
+                                          </p:val>
+                                        </p:tav>
+                                        <p:tav tm="20000">
+                                          <p:val>
+                                            <p:strVal val="ppt_y-0.022"/>
+                                          </p:val>
+                                        </p:tav>
+                                        <p:tav tm="30000">
+                                          <p:val>
+                                            <p:strVal val="ppt_y-0.030"/>
+                                          </p:val>
+                                        </p:tav>
+                                        <p:tav tm="40000">
+                                          <p:val>
+                                            <p:strVal val="ppt_y-0.035"/>
+                                          </p:val>
+                                        </p:tav>
+                                        <p:tav tm="50000">
+                                          <p:val>
+                                            <p:strVal val="ppt_y-0.037"/>
+                                          </p:val>
+                                        </p:tav>
+                                        <p:tav tm="60000">
+                                          <p:val>
+                                            <p:strVal val="ppt_y-0.035"/>
+                                          </p:val>
+                                        </p:tav>
+                                        <p:tav tm="70000">
+                                          <p:val>
+                                            <p:strVal val="ppt_y-0.030"/>
+                                          </p:val>
+                                        </p:tav>
+                                        <p:tav tm="80000">
+                                          <p:val>
+                                            <p:strVal val="ppt_y-0.022"/>
+                                          </p:val>
+                                        </p:tav>
+                                        <p:tav tm="90000">
+                                          <p:val>
+                                            <p:strVal val="ppt_y-0.011"/>
+                                          </p:val>
+                                        </p:tav>
+                                        <p:tav tm="100000">
+                                          <p:val>
+                                            <p:strVal val="ppt_y"/>
+                                          </p:val>
+                                        </p:tav>
+                                      </p:tavLst>
+                                    </p:anim>
+                                    <p:anim calcmode="lin" valueType="num">
+                                      <p:cBhvr>
+                                        <p:cTn id="44" dur="164" tmFilter="0, 0; 0.125,0.2665; 0.25,0.4; 0.375,0.465; 0.5,0.5;  0.625,0.535; 0.75,0.6; 0.875,0.7335; 1,1">
+                                          <p:stCondLst>
+                                            <p:cond delay="1656"/>
+                                          </p:stCondLst>
+                                        </p:cTn>
+                                        <p:tgtEl>
+                                          <p:spTgt spid="2"/>
+                                        </p:tgtEl>
+                                        <p:attrNameLst>
+                                          <p:attrName>ppt_y</p:attrName>
+                                        </p:attrNameLst>
+                                      </p:cBhvr>
+                                      <p:tavLst>
+                                        <p:tav tm="0">
+                                          <p:val>
+                                            <p:strVal val="ppt_y"/>
+                                          </p:val>
+                                        </p:tav>
+                                        <p:tav tm="10000">
+                                          <p:val>
+                                            <p:strVal val="ppt_y-0.004"/>
+                                          </p:val>
+                                        </p:tav>
+                                        <p:tav tm="20000">
+                                          <p:val>
+                                            <p:strVal val="ppt_y-0.007"/>
+                                          </p:val>
+                                        </p:tav>
+                                        <p:tav tm="30000">
+                                          <p:val>
+                                            <p:strVal val="ppt_y-0.010"/>
+                                          </p:val>
+                                        </p:tav>
+                                        <p:tav tm="40000">
+                                          <p:val>
+                                            <p:strVal val="ppt_y-0.012"/>
+                                          </p:val>
+                                        </p:tav>
+                                        <p:tav tm="50000">
+                                          <p:val>
+                                            <p:strVal val="ppt_y-0.0123"/>
+                                          </p:val>
+                                        </p:tav>
+                                        <p:tav tm="60000">
+                                          <p:val>
+                                            <p:strVal val="ppt_y-0.012"/>
+                                          </p:val>
+                                        </p:tav>
+                                        <p:tav tm="70000">
+                                          <p:val>
+                                            <p:strVal val="ppt_y-0.010"/>
+                                          </p:val>
+                                        </p:tav>
+                                        <p:tav tm="80000">
+                                          <p:val>
+                                            <p:strVal val="ppt_y-0.007"/>
+                                          </p:val>
+                                        </p:tav>
+                                        <p:tav tm="90000">
+                                          <p:val>
+                                            <p:strVal val="ppt_y-0.004"/>
+                                          </p:val>
+                                        </p:tav>
+                                        <p:tav tm="100000">
+                                          <p:val>
+                                            <p:strVal val="ppt_y"/>
+                                          </p:val>
+                                        </p:tav>
+                                      </p:tavLst>
+                                    </p:anim>
+                                    <p:anim calcmode="lin" valueType="num">
+                                      <p:cBhvr>
+                                        <p:cTn id="45" dur="180" accel="50000">
+                                          <p:stCondLst>
+                                            <p:cond delay="1820"/>
+                                          </p:stCondLst>
+                                        </p:cTn>
+                                        <p:tgtEl>
+                                          <p:spTgt spid="2"/>
+                                        </p:tgtEl>
+                                        <p:attrNameLst>
+                                          <p:attrName>ppt_y</p:attrName>
+                                        </p:attrNameLst>
+                                      </p:cBhvr>
+                                      <p:tavLst>
+                                        <p:tav tm="0">
+                                          <p:val>
+                                            <p:strVal val="ppt_y"/>
+                                          </p:val>
+                                        </p:tav>
+                                        <p:tav tm="100000">
+                                          <p:val>
+                                            <p:strVal val="ppt_y+ppt_h"/>
+                                          </p:val>
+                                        </p:tav>
+                                      </p:tavLst>
+                                    </p:anim>
+                                    <p:animScale>
+                                      <p:cBhvr>
+                                        <p:cTn id="46" dur="26">
+                                          <p:stCondLst>
+                                            <p:cond delay="620"/>
+                                          </p:stCondLst>
+                                        </p:cTn>
+                                        <p:tgtEl>
+                                          <p:spTgt spid="2"/>
+                                        </p:tgtEl>
+                                      </p:cBhvr>
+                                      <p:to x="100000" y="60000"/>
+                                    </p:animScale>
+                                    <p:animScale>
+                                      <p:cBhvr>
+                                        <p:cTn id="47" dur="166" decel="50000">
+                                          <p:stCondLst>
+                                            <p:cond delay="646"/>
+                                          </p:stCondLst>
+                                        </p:cTn>
+                                        <p:tgtEl>
+                                          <p:spTgt spid="2"/>
+                                        </p:tgtEl>
+                                      </p:cBhvr>
+                                      <p:to x="100000" y="100000"/>
+                                    </p:animScale>
+                                    <p:animScale>
+                                      <p:cBhvr>
+                                        <p:cTn id="48" dur="26">
+                                          <p:stCondLst>
+                                            <p:cond delay="1312"/>
+                                          </p:stCondLst>
+                                        </p:cTn>
+                                        <p:tgtEl>
+                                          <p:spTgt spid="2"/>
+                                        </p:tgtEl>
+                                      </p:cBhvr>
+                                      <p:to x="100000" y="80000"/>
+                                    </p:animScale>
+                                    <p:animScale>
+                                      <p:cBhvr>
+                                        <p:cTn id="49" dur="166" decel="50000">
+                                          <p:stCondLst>
+                                            <p:cond delay="1338"/>
+                                          </p:stCondLst>
+                                        </p:cTn>
+                                        <p:tgtEl>
+                                          <p:spTgt spid="2"/>
+                                        </p:tgtEl>
+                                      </p:cBhvr>
+                                      <p:to x="100000" y="100000"/>
+                                    </p:animScale>
+                                    <p:animScale>
+                                      <p:cBhvr>
+                                        <p:cTn id="50" dur="26">
+                                          <p:stCondLst>
+                                            <p:cond delay="1642"/>
+                                          </p:stCondLst>
+                                        </p:cTn>
+                                        <p:tgtEl>
+                                          <p:spTgt spid="2"/>
+                                        </p:tgtEl>
+                                      </p:cBhvr>
+                                      <p:to x="100000" y="90000"/>
+                                    </p:animScale>
+                                    <p:animScale>
+                                      <p:cBhvr>
+                                        <p:cTn id="51" dur="166" decel="50000">
+                                          <p:stCondLst>
+                                            <p:cond delay="1668"/>
+                                          </p:stCondLst>
+                                        </p:cTn>
+                                        <p:tgtEl>
+                                          <p:spTgt spid="2"/>
+                                        </p:tgtEl>
+                                      </p:cBhvr>
+                                      <p:to x="100000" y="100000"/>
+                                    </p:animScale>
+                                    <p:animScale>
+                                      <p:cBhvr>
+                                        <p:cTn id="52" dur="26">
+                                          <p:stCondLst>
+                                            <p:cond delay="1808"/>
+                                          </p:stCondLst>
+                                        </p:cTn>
+                                        <p:tgtEl>
+                                          <p:spTgt spid="2"/>
+                                        </p:tgtEl>
+                                      </p:cBhvr>
+                                      <p:to x="100000" y="95000"/>
+                                    </p:animScale>
+                                    <p:animScale>
+                                      <p:cBhvr>
+                                        <p:cTn id="53" dur="166" decel="50000">
+                                          <p:stCondLst>
+                                            <p:cond delay="1834"/>
+                                          </p:stCondLst>
+                                        </p:cTn>
+                                        <p:tgtEl>
+                                          <p:spTgt spid="2"/>
+                                        </p:tgtEl>
+                                      </p:cBhvr>
+                                      <p:to x="100000" y="100000"/>
+                                    </p:animScale>
+                                    <p:set>
+                                      <p:cBhvr>
+                                        <p:cTn id="54" dur="1" fill="hold">
+                                          <p:stCondLst>
+                                            <p:cond delay="1999"/>
+                                          </p:stCondLst>
+                                        </p:cTn>
+                                        <p:tgtEl>
+                                          <p:spTgt spid="2"/>
+                                        </p:tgtEl>
+                                        <p:attrNameLst>
+                                          <p:attrName>style.visibility</p:attrName>
+                                        </p:attrNameLst>
+                                      </p:cBhvr>
+                                      <p:to>
+                                        <p:strVal val="hidden"/>
+                                      </p:to>
+                                    </p:set>
+                                  </p:childTnLst>
+                                </p:cTn>
+                              </p:par>
+                              <p:par>
+                                <p:cTn id="55" presetID="26" presetClass="exit" presetSubtype="0" fill="hold" grpId="1" nodeType="withEffect">
+                                  <p:stCondLst>
+                                    <p:cond delay="0"/>
+                                  </p:stCondLst>
+                                  <p:childTnLst>
+                                    <p:animEffect transition="out" filter="wipe(down)">
+                                      <p:cBhvr>
+                                        <p:cTn id="56" dur="180" accel="50000">
+                                          <p:stCondLst>
+                                            <p:cond delay="1820"/>
+                                          </p:stCondLst>
+                                        </p:cTn>
+                                        <p:tgtEl>
+                                          <p:spTgt spid="15"/>
+                                        </p:tgtEl>
+                                      </p:cBhvr>
+                                    </p:animEffect>
+                                    <p:anim calcmode="lin" valueType="num">
+                                      <p:cBhvr>
+                                        <p:cTn id="57" dur="1822" tmFilter="0,0; 0.14,0.31; 0.43,0.73; 0.71,0.91; 1.0,1.0">
+                                          <p:stCondLst>
+                                            <p:cond delay="0"/>
+                                          </p:stCondLst>
+                                        </p:cTn>
+                                        <p:tgtEl>
+                                          <p:spTgt spid="15"/>
+                                        </p:tgtEl>
+                                        <p:attrNameLst>
+                                          <p:attrName>ppt_x</p:attrName>
+                                        </p:attrNameLst>
+                                      </p:cBhvr>
+                                      <p:tavLst>
+                                        <p:tav tm="0">
+                                          <p:val>
+                                            <p:strVal val="ppt_x"/>
+                                          </p:val>
+                                        </p:tav>
+                                        <p:tav tm="100000">
+                                          <p:val>
+                                            <p:strVal val="#ppt_x+0.25"/>
+                                          </p:val>
+                                        </p:tav>
+                                      </p:tavLst>
+                                    </p:anim>
+                                    <p:anim calcmode="lin" valueType="num">
+                                      <p:cBhvr>
+                                        <p:cTn id="58" dur="178">
+                                          <p:stCondLst>
+                                            <p:cond delay="1822"/>
+                                          </p:stCondLst>
+                                        </p:cTn>
+                                        <p:tgtEl>
+                                          <p:spTgt spid="15"/>
+                                        </p:tgtEl>
+                                        <p:attrNameLst>
+                                          <p:attrName>ppt_x</p:attrName>
+                                        </p:attrNameLst>
+                                      </p:cBhvr>
+                                      <p:tavLst>
+                                        <p:tav tm="0">
+                                          <p:val>
+                                            <p:strVal val="ppt_x"/>
+                                          </p:val>
+                                        </p:tav>
+                                        <p:tav tm="100000">
+                                          <p:val>
+                                            <p:strVal val="ppt_x"/>
+                                          </p:val>
+                                        </p:tav>
+                                      </p:tavLst>
+                                    </p:anim>
+                                    <p:anim calcmode="lin" valueType="num">
+                                      <p:cBhvr>
+                                        <p:cTn id="59" dur="664" tmFilter="0.0,0.0;0.25,0.07;0.50,0.2;0.75,0.467;1.0,1.0">
+                                          <p:stCondLst>
+                                            <p:cond delay="0"/>
+                                          </p:stCondLst>
+                                        </p:cTn>
+                                        <p:tgtEl>
+                                          <p:spTgt spid="15"/>
+                                        </p:tgtEl>
+                                        <p:attrNameLst>
+                                          <p:attrName>ppt_y</p:attrName>
+                                        </p:attrNameLst>
+                                      </p:cBhvr>
+                                      <p:tavLst>
+                                        <p:tav tm="0">
+                                          <p:val>
+                                            <p:strVal val="ppt_y"/>
+                                          </p:val>
+                                        </p:tav>
+                                        <p:tav tm="5000">
+                                          <p:val>
+                                            <p:strVal val="ppt_y+0.026"/>
+                                          </p:val>
+                                        </p:tav>
+                                        <p:tav tm="10000">
+                                          <p:val>
+                                            <p:strVal val="ppt_y+0.052"/>
+                                          </p:val>
+                                        </p:tav>
+                                        <p:tav tm="15000">
+                                          <p:val>
+                                            <p:strVal val="ppt_y+0.078"/>
+                                          </p:val>
+                                        </p:tav>
+                                        <p:tav tm="20000">
+                                          <p:val>
+                                            <p:strVal val="ppt_y+0.103"/>
+                                          </p:val>
+                                        </p:tav>
+                                        <p:tav tm="30000">
+                                          <p:val>
+                                            <p:strVal val="ppt_y+0.151"/>
+                                          </p:val>
+                                        </p:tav>
+                                        <p:tav tm="40000">
+                                          <p:val>
+                                            <p:strVal val="ppt_y+0.196"/>
+                                          </p:val>
+                                        </p:tav>
+                                        <p:tav tm="50000">
+                                          <p:val>
+                                            <p:strVal val="ppt_y+0.236"/>
+                                          </p:val>
+                                        </p:tav>
+                                        <p:tav tm="60000">
+                                          <p:val>
+                                            <p:strVal val="ppt_y+0.270"/>
+                                          </p:val>
+                                        </p:tav>
+                                        <p:tav tm="70000">
+                                          <p:val>
+                                            <p:strVal val="ppt_y+0.297"/>
+                                          </p:val>
+                                        </p:tav>
+                                        <p:tav tm="80000">
+                                          <p:val>
+                                            <p:strVal val="ppt_y+0.317"/>
+                                          </p:val>
+                                        </p:tav>
+                                        <p:tav tm="90000">
+                                          <p:val>
+                                            <p:strVal val="ppt_y+0.329"/>
+                                          </p:val>
+                                        </p:tav>
+                                        <p:tav tm="100000">
+                                          <p:val>
+                                            <p:strVal val="ppt_y+0.333"/>
+                                          </p:val>
+                                        </p:tav>
+                                      </p:tavLst>
+                                    </p:anim>
+                                    <p:anim calcmode="lin" valueType="num">
+                                      <p:cBhvr>
+                                        <p:cTn id="60" dur="664" tmFilter="0, 0; 0.125,0.2665; 0.25,0.4; 0.375,0.465; 0.5,0.5;  0.625,0.535; 0.75,0.6; 0.875,0.7335; 1,1">
+                                          <p:stCondLst>
+                                            <p:cond delay="664"/>
+                                          </p:stCondLst>
+                                        </p:cTn>
+                                        <p:tgtEl>
+                                          <p:spTgt spid="15"/>
+                                        </p:tgtEl>
+                                        <p:attrNameLst>
+                                          <p:attrName>ppt_y</p:attrName>
+                                        </p:attrNameLst>
+                                      </p:cBhvr>
+                                      <p:tavLst>
+                                        <p:tav tm="0">
+                                          <p:val>
+                                            <p:strVal val="ppt_y"/>
+                                          </p:val>
+                                        </p:tav>
+                                        <p:tav tm="10000">
+                                          <p:val>
+                                            <p:strVal val="ppt_y-0.034"/>
+                                          </p:val>
+                                        </p:tav>
+                                        <p:tav tm="20000">
+                                          <p:val>
+                                            <p:strVal val="ppt_y-0.065"/>
+                                          </p:val>
+                                        </p:tav>
+                                        <p:tav tm="30000">
+                                          <p:val>
+                                            <p:strVal val="ppt_y-0.090"/>
+                                          </p:val>
+                                        </p:tav>
+                                        <p:tav tm="40000">
+                                          <p:val>
+                                            <p:strVal val="ppt_y-0.106"/>
+                                          </p:val>
+                                        </p:tav>
+                                        <p:tav tm="50000">
+                                          <p:val>
+                                            <p:strVal val="ppt_y-0.111"/>
+                                          </p:val>
+                                        </p:tav>
+                                        <p:tav tm="60000">
+                                          <p:val>
+                                            <p:strVal val="ppt_y-0.106"/>
+                                          </p:val>
+                                        </p:tav>
+                                        <p:tav tm="70000">
+                                          <p:val>
+                                            <p:strVal val="ppt_y-0.090"/>
+                                          </p:val>
+                                        </p:tav>
+                                        <p:tav tm="80000">
+                                          <p:val>
+                                            <p:strVal val="ppt_y-0.065"/>
+                                          </p:val>
+                                        </p:tav>
+                                        <p:tav tm="90000">
+                                          <p:val>
+                                            <p:strVal val="ppt_y-0.034"/>
+                                          </p:val>
+                                        </p:tav>
+                                        <p:tav tm="100000">
+                                          <p:val>
+                                            <p:strVal val="ppt_y"/>
+                                          </p:val>
+                                        </p:tav>
+                                      </p:tavLst>
+                                    </p:anim>
+                                    <p:anim calcmode="lin" valueType="num">
+                                      <p:cBhvr>
+                                        <p:cTn id="61" dur="332" tmFilter="0, 0; 0.125,0.2665; 0.25,0.4; 0.375,0.465; 0.5,0.5;  0.625,0.535; 0.75,0.6; 0.875,0.7335; 1,1">
+                                          <p:stCondLst>
+                                            <p:cond delay="1324"/>
+                                          </p:stCondLst>
+                                        </p:cTn>
+                                        <p:tgtEl>
+                                          <p:spTgt spid="15"/>
+                                        </p:tgtEl>
+                                        <p:attrNameLst>
+                                          <p:attrName>ppt_y</p:attrName>
+                                        </p:attrNameLst>
+                                      </p:cBhvr>
+                                      <p:tavLst>
+                                        <p:tav tm="0">
+                                          <p:val>
+                                            <p:strVal val="ppt_y"/>
+                                          </p:val>
+                                        </p:tav>
+                                        <p:tav tm="10000">
+                                          <p:val>
+                                            <p:strVal val="ppt_y-0.011"/>
+                                          </p:val>
+                                        </p:tav>
+                                        <p:tav tm="20000">
+                                          <p:val>
+                                            <p:strVal val="ppt_y-0.022"/>
+                                          </p:val>
+                                        </p:tav>
+                                        <p:tav tm="30000">
+                                          <p:val>
+                                            <p:strVal val="ppt_y-0.030"/>
+                                          </p:val>
+                                        </p:tav>
+                                        <p:tav tm="40000">
+                                          <p:val>
+                                            <p:strVal val="ppt_y-0.035"/>
+                                          </p:val>
+                                        </p:tav>
+                                        <p:tav tm="50000">
+                                          <p:val>
+                                            <p:strVal val="ppt_y-0.037"/>
+                                          </p:val>
+                                        </p:tav>
+                                        <p:tav tm="60000">
+                                          <p:val>
+                                            <p:strVal val="ppt_y-0.035"/>
+                                          </p:val>
+                                        </p:tav>
+                                        <p:tav tm="70000">
+                                          <p:val>
+                                            <p:strVal val="ppt_y-0.030"/>
+                                          </p:val>
+                                        </p:tav>
+                                        <p:tav tm="80000">
+                                          <p:val>
+                                            <p:strVal val="ppt_y-0.022"/>
+                                          </p:val>
+                                        </p:tav>
+                                        <p:tav tm="90000">
+                                          <p:val>
+                                            <p:strVal val="ppt_y-0.011"/>
+                                          </p:val>
+                                        </p:tav>
+                                        <p:tav tm="100000">
+                                          <p:val>
+                                            <p:strVal val="ppt_y"/>
+                                          </p:val>
+                                        </p:tav>
+                                      </p:tavLst>
+                                    </p:anim>
+                                    <p:anim calcmode="lin" valueType="num">
+                                      <p:cBhvr>
+                                        <p:cTn id="62" dur="164" tmFilter="0, 0; 0.125,0.2665; 0.25,0.4; 0.375,0.465; 0.5,0.5;  0.625,0.535; 0.75,0.6; 0.875,0.7335; 1,1">
+                                          <p:stCondLst>
+                                            <p:cond delay="1656"/>
+                                          </p:stCondLst>
+                                        </p:cTn>
+                                        <p:tgtEl>
+                                          <p:spTgt spid="15"/>
+                                        </p:tgtEl>
+                                        <p:attrNameLst>
+                                          <p:attrName>ppt_y</p:attrName>
+                                        </p:attrNameLst>
+                                      </p:cBhvr>
+                                      <p:tavLst>
+                                        <p:tav tm="0">
+                                          <p:val>
+                                            <p:strVal val="ppt_y"/>
+                                          </p:val>
+                                        </p:tav>
+                                        <p:tav tm="10000">
+                                          <p:val>
+                                            <p:strVal val="ppt_y-0.004"/>
+                                          </p:val>
+                                        </p:tav>
+                                        <p:tav tm="20000">
+                                          <p:val>
+                                            <p:strVal val="ppt_y-0.007"/>
+                                          </p:val>
+                                        </p:tav>
+                                        <p:tav tm="30000">
+                                          <p:val>
+                                            <p:strVal val="ppt_y-0.010"/>
+                                          </p:val>
+                                        </p:tav>
+                                        <p:tav tm="40000">
+                                          <p:val>
+                                            <p:strVal val="ppt_y-0.012"/>
+                                          </p:val>
+                                        </p:tav>
+                                        <p:tav tm="50000">
+                                          <p:val>
+                                            <p:strVal val="ppt_y-0.0123"/>
+                                          </p:val>
+                                        </p:tav>
+                                        <p:tav tm="60000">
+                                          <p:val>
+                                            <p:strVal val="ppt_y-0.012"/>
+                                          </p:val>
+                                        </p:tav>
+                                        <p:tav tm="70000">
+                                          <p:val>
+                                            <p:strVal val="ppt_y-0.010"/>
+                                          </p:val>
+                                        </p:tav>
+                                        <p:tav tm="80000">
+                                          <p:val>
+                                            <p:strVal val="ppt_y-0.007"/>
+                                          </p:val>
+                                        </p:tav>
+                                        <p:tav tm="90000">
+                                          <p:val>
+                                            <p:strVal val="ppt_y-0.004"/>
+                                          </p:val>
+                                        </p:tav>
+                                        <p:tav tm="100000">
+                                          <p:val>
+                                            <p:strVal val="ppt_y"/>
+                                          </p:val>
+                                        </p:tav>
+                                      </p:tavLst>
+                                    </p:anim>
+                                    <p:anim calcmode="lin" valueType="num">
+                                      <p:cBhvr>
+                                        <p:cTn id="63" dur="180" accel="50000">
+                                          <p:stCondLst>
+                                            <p:cond delay="1820"/>
+                                          </p:stCondLst>
+                                        </p:cTn>
+                                        <p:tgtEl>
+                                          <p:spTgt spid="15"/>
+                                        </p:tgtEl>
+                                        <p:attrNameLst>
+                                          <p:attrName>ppt_y</p:attrName>
+                                        </p:attrNameLst>
+                                      </p:cBhvr>
+                                      <p:tavLst>
+                                        <p:tav tm="0">
+                                          <p:val>
+                                            <p:strVal val="ppt_y"/>
+                                          </p:val>
+                                        </p:tav>
+                                        <p:tav tm="100000">
+                                          <p:val>
+                                            <p:strVal val="ppt_y+ppt_h"/>
+                                          </p:val>
+                                        </p:tav>
+                                      </p:tavLst>
+                                    </p:anim>
+                                    <p:animScale>
+                                      <p:cBhvr>
+                                        <p:cTn id="64" dur="26">
+                                          <p:stCondLst>
+                                            <p:cond delay="620"/>
+                                          </p:stCondLst>
+                                        </p:cTn>
+                                        <p:tgtEl>
+                                          <p:spTgt spid="15"/>
+                                        </p:tgtEl>
+                                      </p:cBhvr>
+                                      <p:to x="100000" y="60000"/>
+                                    </p:animScale>
+                                    <p:animScale>
+                                      <p:cBhvr>
+                                        <p:cTn id="65" dur="166" decel="50000">
+                                          <p:stCondLst>
+                                            <p:cond delay="646"/>
+                                          </p:stCondLst>
+                                        </p:cTn>
+                                        <p:tgtEl>
+                                          <p:spTgt spid="15"/>
+                                        </p:tgtEl>
+                                      </p:cBhvr>
+                                      <p:to x="100000" y="100000"/>
+                                    </p:animScale>
+                                    <p:animScale>
+                                      <p:cBhvr>
+                                        <p:cTn id="66" dur="26">
+                                          <p:stCondLst>
+                                            <p:cond delay="1312"/>
+                                          </p:stCondLst>
+                                        </p:cTn>
+                                        <p:tgtEl>
+                                          <p:spTgt spid="15"/>
+                                        </p:tgtEl>
+                                      </p:cBhvr>
+                                      <p:to x="100000" y="80000"/>
+                                    </p:animScale>
+                                    <p:animScale>
+                                      <p:cBhvr>
+                                        <p:cTn id="67" dur="166" decel="50000">
+                                          <p:stCondLst>
+                                            <p:cond delay="1338"/>
+                                          </p:stCondLst>
+                                        </p:cTn>
+                                        <p:tgtEl>
+                                          <p:spTgt spid="15"/>
+                                        </p:tgtEl>
+                                      </p:cBhvr>
+                                      <p:to x="100000" y="100000"/>
+                                    </p:animScale>
+                                    <p:animScale>
+                                      <p:cBhvr>
+                                        <p:cTn id="68" dur="26">
+                                          <p:stCondLst>
+                                            <p:cond delay="1642"/>
+                                          </p:stCondLst>
+                                        </p:cTn>
+                                        <p:tgtEl>
+                                          <p:spTgt spid="15"/>
+                                        </p:tgtEl>
+                                      </p:cBhvr>
+                                      <p:to x="100000" y="90000"/>
+                                    </p:animScale>
+                                    <p:animScale>
+                                      <p:cBhvr>
+                                        <p:cTn id="69" dur="166" decel="50000">
+                                          <p:stCondLst>
+                                            <p:cond delay="1668"/>
+                                          </p:stCondLst>
+                                        </p:cTn>
+                                        <p:tgtEl>
+                                          <p:spTgt spid="15"/>
+                                        </p:tgtEl>
+                                      </p:cBhvr>
+                                      <p:to x="100000" y="100000"/>
+                                    </p:animScale>
+                                    <p:animScale>
+                                      <p:cBhvr>
+                                        <p:cTn id="70" dur="26">
+                                          <p:stCondLst>
+                                            <p:cond delay="1808"/>
+                                          </p:stCondLst>
+                                        </p:cTn>
+                                        <p:tgtEl>
+                                          <p:spTgt spid="15"/>
+                                        </p:tgtEl>
+                                      </p:cBhvr>
+                                      <p:to x="100000" y="95000"/>
+                                    </p:animScale>
+                                    <p:animScale>
+                                      <p:cBhvr>
+                                        <p:cTn id="71" dur="166" decel="50000">
+                                          <p:stCondLst>
+                                            <p:cond delay="1834"/>
+                                          </p:stCondLst>
+                                        </p:cTn>
+                                        <p:tgtEl>
+                                          <p:spTgt spid="15"/>
+                                        </p:tgtEl>
+                                      </p:cBhvr>
+                                      <p:to x="100000" y="100000"/>
+                                    </p:animScale>
+                                    <p:set>
+                                      <p:cBhvr>
+                                        <p:cTn id="72" dur="1" fill="hold">
+                                          <p:stCondLst>
+                                            <p:cond delay="1999"/>
+                                          </p:stCondLst>
+                                        </p:cTn>
+                                        <p:tgtEl>
+                                          <p:spTgt spid="15"/>
+                                        </p:tgtEl>
+                                        <p:attrNameLst>
+                                          <p:attrName>style.visibility</p:attrName>
+                                        </p:attrNameLst>
+                                      </p:cBhvr>
+                                      <p:to>
+                                        <p:strVal val="hidden"/>
+                                      </p:to>
+                                    </p:set>
+                                  </p:childTnLst>
+                                </p:cTn>
+                              </p:par>
+                            </p:childTnLst>
+                          </p:cTn>
+                        </p:par>
+                        <p:par>
+                          <p:cTn id="73" fill="hold">
+                            <p:stCondLst>
+                              <p:cond delay="2000"/>
+                            </p:stCondLst>
+                            <p:childTnLst>
+                              <p:par>
+                                <p:cTn id="74" presetID="2" presetClass="entr" presetSubtype="2" fill="hold" grpId="0" nodeType="afterEffect">
+                                  <p:stCondLst>
+                                    <p:cond delay="0"/>
+                                  </p:stCondLst>
+                                  <p:childTnLst>
+                                    <p:set>
+                                      <p:cBhvr>
+                                        <p:cTn id="75" dur="1" fill="hold">
+                                          <p:stCondLst>
+                                            <p:cond delay="0"/>
+                                          </p:stCondLst>
+                                        </p:cTn>
+                                        <p:tgtEl>
+                                          <p:spTgt spid="16"/>
+                                        </p:tgtEl>
+                                        <p:attrNameLst>
+                                          <p:attrName>style.visibility</p:attrName>
+                                        </p:attrNameLst>
+                                      </p:cBhvr>
+                                      <p:to>
+                                        <p:strVal val="visible"/>
+                                      </p:to>
+                                    </p:set>
+                                    <p:anim calcmode="lin" valueType="num">
+                                      <p:cBhvr additive="base">
+                                        <p:cTn id="76" dur="500" fill="hold"/>
+                                        <p:tgtEl>
+                                          <p:spTgt spid="16"/>
+                                        </p:tgtEl>
+                                        <p:attrNameLst>
+                                          <p:attrName>ppt_x</p:attrName>
+                                        </p:attrNameLst>
+                                      </p:cBhvr>
+                                      <p:tavLst>
+                                        <p:tav tm="0">
+                                          <p:val>
+                                            <p:strVal val="1+#ppt_w/2"/>
+                                          </p:val>
+                                        </p:tav>
+                                        <p:tav tm="100000">
+                                          <p:val>
+                                            <p:strVal val="#ppt_x"/>
+                                          </p:val>
+                                        </p:tav>
+                                      </p:tavLst>
+                                    </p:anim>
+                                    <p:anim calcmode="lin" valueType="num">
+                                      <p:cBhvr additive="base">
+                                        <p:cTn id="77" dur="500" fill="hold"/>
+                                        <p:tgtEl>
+                                          <p:spTgt spid="16"/>
+                                        </p:tgtEl>
+                                        <p:attrNameLst>
+                                          <p:attrName>ppt_y</p:attrName>
+                                        </p:attrNameLst>
+                                      </p:cBhvr>
+                                      <p:tavLst>
+                                        <p:tav tm="0">
+                                          <p:val>
+                                            <p:strVal val="#ppt_y"/>
+                                          </p:val>
+                                        </p:tav>
+                                        <p:tav tm="100000">
+                                          <p:val>
+                                            <p:strVal val="#ppt_y"/>
+                                          </p:val>
+                                        </p:tav>
+                                      </p:tavLst>
+                                    </p:anim>
+                                  </p:childTnLst>
+                                </p:cTn>
+                              </p:par>
+                              <p:par>
+                                <p:cTn id="78" presetID="2" presetClass="entr" presetSubtype="2" fill="hold" grpId="0" nodeType="withEffect">
+                                  <p:stCondLst>
+                                    <p:cond delay="0"/>
+                                  </p:stCondLst>
+                                  <p:childTnLst>
+                                    <p:set>
+                                      <p:cBhvr>
+                                        <p:cTn id="79" dur="1" fill="hold">
+                                          <p:stCondLst>
+                                            <p:cond delay="0"/>
+                                          </p:stCondLst>
+                                        </p:cTn>
+                                        <p:tgtEl>
+                                          <p:spTgt spid="17"/>
+                                        </p:tgtEl>
+                                        <p:attrNameLst>
+                                          <p:attrName>style.visibility</p:attrName>
+                                        </p:attrNameLst>
+                                      </p:cBhvr>
+                                      <p:to>
+                                        <p:strVal val="visible"/>
+                                      </p:to>
+                                    </p:set>
+                                    <p:anim calcmode="lin" valueType="num">
+                                      <p:cBhvr additive="base">
+                                        <p:cTn id="80" dur="500" fill="hold"/>
+                                        <p:tgtEl>
+                                          <p:spTgt spid="17"/>
+                                        </p:tgtEl>
+                                        <p:attrNameLst>
+                                          <p:attrName>ppt_x</p:attrName>
+                                        </p:attrNameLst>
+                                      </p:cBhvr>
+                                      <p:tavLst>
+                                        <p:tav tm="0">
+                                          <p:val>
+                                            <p:strVal val="1+#ppt_w/2"/>
+                                          </p:val>
+                                        </p:tav>
+                                        <p:tav tm="100000">
+                                          <p:val>
+                                            <p:strVal val="#ppt_x"/>
+                                          </p:val>
+                                        </p:tav>
+                                      </p:tavLst>
+                                    </p:anim>
+                                    <p:anim calcmode="lin" valueType="num">
+                                      <p:cBhvr additive="base">
+                                        <p:cTn id="81" dur="500" fill="hold"/>
+                                        <p:tgtEl>
+                                          <p:spTgt spid="17"/>
+                                        </p:tgtEl>
+                                        <p:attrNameLst>
+                                          <p:attrName>ppt_y</p:attrName>
+                                        </p:attrNameLst>
+                                      </p:cBhvr>
+                                      <p:tavLst>
+                                        <p:tav tm="0">
+                                          <p:val>
+                                            <p:strVal val="#ppt_y"/>
+                                          </p:val>
+                                        </p:tav>
+                                        <p:tav tm="100000">
+                                          <p:val>
+                                            <p:strVal val="#ppt_y"/>
+                                          </p:val>
+                                        </p:tav>
+                                      </p:tavLst>
+                                    </p:anim>
+                                  </p:childTnLst>
+                                </p:cTn>
+                              </p:par>
+                            </p:childTnLst>
+                          </p:cTn>
+                        </p:par>
+                      </p:childTnLst>
+                    </p:cTn>
+                  </p:par>
+                  <p:par>
+                    <p:cTn id="82" fill="hold">
+                      <p:stCondLst>
+                        <p:cond delay="indefinite"/>
+                      </p:stCondLst>
+                      <p:childTnLst>
+                        <p:par>
+                          <p:cTn id="83" fill="hold">
+                            <p:stCondLst>
+                              <p:cond delay="0"/>
+                            </p:stCondLst>
+                            <p:childTnLst>
+                              <p:par>
+                                <p:cTn id="84" presetID="42" presetClass="path" presetSubtype="0" accel="50000" decel="50000" fill="hold" nodeType="clickEffect">
                                   <p:stCondLst>
                                     <p:cond delay="0"/>
                                   </p:stCondLst>
                                   <p:childTnLst>
                                     <p:animMotion origin="layout" path="M 0 2.96296E-6 L 0.46285 -0.19229 " pathEditMode="relative" rAng="0" ptsTypes="AA">
                                       <p:cBhvr>
-                                        <p:cTn id="17" dur="2000" fill="hold"/>
+                                        <p:cTn id="85" dur="2000" fill="hold"/>
                                         <p:tgtEl>
                                           <p:spTgt spid="4"/>
                                         </p:tgtEl>
@@ -14792,20 +16646,20 @@
                           </p:cTn>
                         </p:par>
                         <p:par>
-                          <p:cTn id="18" fill="hold">
+                          <p:cTn id="86" fill="hold">
                             <p:stCondLst>
                               <p:cond delay="2000"/>
                             </p:stCondLst>
                             <p:childTnLst>
                               <p:par>
-                                <p:cTn id="19" presetID="10" presetClass="exit" presetSubtype="0" fill="hold" nodeType="afterEffect">
+                                <p:cTn id="87" presetID="10" presetClass="exit" presetSubtype="0" fill="hold" nodeType="afterEffect">
                                   <p:stCondLst>
                                     <p:cond delay="0"/>
                                   </p:stCondLst>
                                   <p:childTnLst>
                                     <p:animEffect transition="out" filter="fade">
                                       <p:cBhvr>
-                                        <p:cTn id="20" dur="500"/>
+                                        <p:cTn id="88" dur="500"/>
                                         <p:tgtEl>
                                           <p:spTgt spid="4"/>
                                         </p:tgtEl>
@@ -14813,7 +16667,7 @@
                                     </p:animEffect>
                                     <p:set>
                                       <p:cBhvr>
-                                        <p:cTn id="21" dur="1" fill="hold">
+                                        <p:cTn id="89" dur="1" fill="hold">
                                           <p:stCondLst>
                                             <p:cond delay="499"/>
                                           </p:stCondLst>
@@ -14833,14 +16687,14 @@
                                 </p:cTn>
                               </p:par>
                               <p:par>
-                                <p:cTn id="22" presetID="10" presetClass="entr" presetSubtype="0" fill="hold" nodeType="withEffect">
+                                <p:cTn id="90" presetID="10" presetClass="entr" presetSubtype="0" fill="hold" nodeType="withEffect">
                                   <p:stCondLst>
                                     <p:cond delay="0"/>
                                   </p:stCondLst>
                                   <p:childTnLst>
                                     <p:set>
                                       <p:cBhvr>
-                                        <p:cTn id="23" dur="1" fill="hold">
+                                        <p:cTn id="91" dur="1" fill="hold">
                                           <p:stCondLst>
                                             <p:cond delay="0"/>
                                           </p:stCondLst>
@@ -14858,7 +16712,7 @@
                                     </p:set>
                                     <p:animEffect transition="in" filter="fade">
                                       <p:cBhvr>
-                                        <p:cTn id="24" dur="500"/>
+                                        <p:cTn id="92" dur="500"/>
                                         <p:tgtEl>
                                           <p:spTgt spid="8"/>
                                         </p:tgtEl>
@@ -14896,6 +16750,14 @@
     </p:tnLst>
     <p:bldLst>
       <p:bldP spid="10" grpId="0" uiExpand="1" build="p"/>
+      <p:bldP spid="2" grpId="0"/>
+      <p:bldP spid="2" grpId="1"/>
+      <p:bldP spid="12" grpId="0"/>
+      <p:bldP spid="13" grpId="0"/>
+      <p:bldP spid="15" grpId="0"/>
+      <p:bldP spid="15" grpId="1"/>
+      <p:bldP spid="16" grpId="0"/>
+      <p:bldP spid="17" grpId="0"/>
     </p:bldLst>
   </p:timing>
 </p:sld>
@@ -16359,6 +18221,11 @@
               <a:lumMod val="95000"/>
             </a:schemeClr>
           </a:solidFill>
+          <a:ln>
+            <a:solidFill>
+              <a:srgbClr val="00B0F0"/>
+            </a:solidFill>
+          </a:ln>
         </p:spPr>
         <p:style>
           <a:lnRef idx="2">
@@ -18081,6 +19948,11 @@
               <a:lumMod val="95000"/>
             </a:schemeClr>
           </a:solidFill>
+          <a:ln>
+            <a:solidFill>
+              <a:srgbClr val="00B050"/>
+            </a:solidFill>
+          </a:ln>
         </p:spPr>
         <p:style>
           <a:lnRef idx="2">
@@ -18266,13 +20138,13 @@
   <p:clrMapOvr>
     <a:masterClrMapping/>
   </p:clrMapOvr>
-  <mc:AlternateContent xmlns:mc="http://schemas.openxmlformats.org/markup-compatibility/2006">
-    <mc:Choice xmlns:p14="http://schemas.microsoft.com/office/powerpoint/2010/main" Requires="p14">
+  <mc:AlternateContent xmlns:mc="http://schemas.openxmlformats.org/markup-compatibility/2006" xmlns:p14="http://schemas.microsoft.com/office/powerpoint/2010/main">
+    <mc:Choice Requires="p14">
       <p:transition spd="med" p14:dur="700">
         <p:fade/>
       </p:transition>
     </mc:Choice>
-    <mc:Fallback>
+    <mc:Fallback xmlns="">
       <p:transition spd="med">
         <p:fade/>
       </p:transition>
@@ -19297,13 +21169,13 @@
   <p:clrMapOvr>
     <a:masterClrMapping/>
   </p:clrMapOvr>
-  <mc:AlternateContent xmlns:mc="http://schemas.openxmlformats.org/markup-compatibility/2006">
-    <mc:Choice xmlns:p14="http://schemas.microsoft.com/office/powerpoint/2010/main" Requires="p14">
+  <mc:AlternateContent xmlns:mc="http://schemas.openxmlformats.org/markup-compatibility/2006" xmlns:p14="http://schemas.microsoft.com/office/powerpoint/2010/main">
+    <mc:Choice Requires="p14">
       <p:transition spd="med" p14:dur="700">
         <p:fade/>
       </p:transition>
     </mc:Choice>
-    <mc:Fallback>
+    <mc:Fallback xmlns="">
       <p:transition spd="med">
         <p:fade/>
       </p:transition>
@@ -20605,8 +22477,8 @@
             <a:avLst>
               <a:gd name="adj1" fmla="val 44845"/>
               <a:gd name="adj2" fmla="val 99580"/>
-              <a:gd name="adj3" fmla="val 42445"/>
-              <a:gd name="adj4" fmla="val 146777"/>
+              <a:gd name="adj3" fmla="val 33126"/>
+              <a:gd name="adj4" fmla="val 144822"/>
             </a:avLst>
           </a:prstGeom>
           <a:solidFill>
@@ -20614,6 +22486,11 @@
               <a:lumMod val="95000"/>
             </a:schemeClr>
           </a:solidFill>
+          <a:ln>
+            <a:solidFill>
+              <a:srgbClr val="00B050"/>
+            </a:solidFill>
+          </a:ln>
         </p:spPr>
         <p:style>
           <a:lnRef idx="2">
@@ -20744,6 +22621,11 @@
               <a:lumMod val="95000"/>
             </a:schemeClr>
           </a:solidFill>
+          <a:ln>
+            <a:solidFill>
+              <a:schemeClr val="accent2"/>
+            </a:solidFill>
+          </a:ln>
         </p:spPr>
         <p:style>
           <a:lnRef idx="2">
@@ -20764,33 +22646,57 @@
           <a:lstStyle/>
           <a:p>
             <a:r>
-              <a:rPr lang="en-US" sz="1400" dirty="0"/>
+              <a:rPr lang="en-US" sz="1400" dirty="0">
+                <a:highlight>
+                  <a:srgbClr val="00FFFF"/>
+                </a:highlight>
+              </a:rPr>
               <a:t>DECLARE @p1 </a:t>
             </a:r>
             <a:r>
-              <a:rPr lang="en-US" sz="1400" dirty="0" err="1"/>
+              <a:rPr lang="en-US" sz="1400" dirty="0" err="1">
+                <a:highlight>
+                  <a:srgbClr val="00FFFF"/>
+                </a:highlight>
+              </a:rPr>
               <a:t>nvarchar</a:t>
             </a:r>
             <a:r>
-              <a:rPr lang="en-US" sz="1400" dirty="0"/>
+              <a:rPr lang="en-US" sz="1400" dirty="0">
+                <a:highlight>
+                  <a:srgbClr val="00FFFF"/>
+                </a:highlight>
+              </a:rPr>
               <a:t>(100)</a:t>
             </a:r>
           </a:p>
           <a:p>
             <a:r>
-              <a:rPr lang="en-US" sz="1400" dirty="0"/>
+              <a:rPr lang="en-US" sz="1400" dirty="0">
+                <a:highlight>
+                  <a:srgbClr val="00FFFF"/>
+                </a:highlight>
+              </a:rPr>
               <a:t>    SET @p1 = @Params[id=1]</a:t>
             </a:r>
           </a:p>
           <a:p>
             <a:r>
-              <a:rPr lang="en-US" sz="1400" dirty="0"/>
+              <a:rPr lang="en-US" sz="1400" dirty="0">
+                <a:highlight>
+                  <a:srgbClr val="00FFFF"/>
+                </a:highlight>
+              </a:rPr>
               <a:t>DECLARE @p2 TABLE (int)</a:t>
             </a:r>
           </a:p>
           <a:p>
             <a:r>
-              <a:rPr lang="en-US" sz="1400" dirty="0"/>
+              <a:rPr lang="en-US" sz="1400" dirty="0">
+                <a:highlight>
+                  <a:srgbClr val="00FFFF"/>
+                </a:highlight>
+              </a:rPr>
               <a:t>    INSERT INTO @p2 SELECT value FROM @Params[id=2]</a:t>
             </a:r>
           </a:p>
@@ -20805,113 +22711,22 @@
           </a:p>
           <a:p>
             <a:r>
-              <a:rPr lang="en-US" sz="1400" dirty="0"/>
+              <a:rPr lang="en-US" sz="1400" dirty="0">
+                <a:highlight>
+                  <a:srgbClr val="00FFFF"/>
+                </a:highlight>
+              </a:rPr>
               <a:t>AND Name = @p1</a:t>
             </a:r>
           </a:p>
           <a:p>
             <a:r>
-              <a:rPr lang="en-US" sz="1400" dirty="0"/>
+              <a:rPr lang="en-US" sz="1400" dirty="0">
+                <a:highlight>
+                  <a:srgbClr val="00FFFF"/>
+                </a:highlight>
+              </a:rPr>
               <a:t>AND Country IN (SELECT value FROM @p2)</a:t>
-            </a:r>
-          </a:p>
-        </p:txBody>
-      </p:sp>
-      <p:sp>
-        <p:nvSpPr>
-          <p:cNvPr id="37" name="TextBox 36">
-            <a:extLst>
-              <a:ext uri="{FF2B5EF4-FFF2-40B4-BE49-F238E27FC236}">
-                <a16:creationId xmlns:a16="http://schemas.microsoft.com/office/drawing/2014/main" id="{C799E325-A5FE-4DA0-84AB-C53D2EB94D1F}"/>
-              </a:ext>
-            </a:extLst>
-          </p:cNvPr>
-          <p:cNvSpPr txBox="1"/>
-          <p:nvPr/>
-        </p:nvSpPr>
-        <p:spPr>
-          <a:xfrm>
-            <a:off x="2954081" y="1170550"/>
-            <a:ext cx="3194799" cy="2062103"/>
-          </a:xfrm>
-          <a:prstGeom prst="rect">
-            <a:avLst/>
-          </a:prstGeom>
-          <a:ln/>
-        </p:spPr>
-        <p:style>
-          <a:lnRef idx="0">
-            <a:schemeClr val="accent1"/>
-          </a:lnRef>
-          <a:fillRef idx="3">
-            <a:schemeClr val="accent1"/>
-          </a:fillRef>
-          <a:effectRef idx="3">
-            <a:schemeClr val="accent1"/>
-          </a:effectRef>
-          <a:fontRef idx="minor">
-            <a:schemeClr val="lt1"/>
-          </a:fontRef>
-        </p:style>
-        <p:txBody>
-          <a:bodyPr wrap="square" rtlCol="0">
-            <a:spAutoFit/>
-          </a:bodyPr>
-          <a:lstStyle/>
-          <a:p>
-            <a:pPr marL="285750" indent="-285750">
-              <a:buFont typeface="Arial" panose="020B0604020202020204" pitchFamily="34" charset="0"/>
-              <a:buChar char="•"/>
-            </a:pPr>
-            <a:r>
-              <a:rPr lang="en-US" sz="3200" dirty="0">
-                <a:solidFill>
-                  <a:schemeClr val="bg1"/>
-                </a:solidFill>
-              </a:rPr>
-              <a:t>XML      &lt;/&gt;</a:t>
-            </a:r>
-          </a:p>
-          <a:p>
-            <a:pPr marL="285750" indent="-285750">
-              <a:buFont typeface="Arial" panose="020B0604020202020204" pitchFamily="34" charset="0"/>
-              <a:buChar char="•"/>
-            </a:pPr>
-            <a:r>
-              <a:rPr lang="en-US" sz="3200" dirty="0">
-                <a:solidFill>
-                  <a:schemeClr val="bg1"/>
-                </a:solidFill>
-              </a:rPr>
-              <a:t>JSON      { }</a:t>
-            </a:r>
-          </a:p>
-          <a:p>
-            <a:pPr marL="285750" indent="-285750">
-              <a:buFont typeface="Arial" panose="020B0604020202020204" pitchFamily="34" charset="0"/>
-              <a:buChar char="•"/>
-            </a:pPr>
-            <a:r>
-              <a:rPr lang="en-US" sz="3200" dirty="0">
-                <a:solidFill>
-                  <a:schemeClr val="bg1"/>
-                </a:solidFill>
-              </a:rPr>
-              <a:t>TVP       @T</a:t>
-            </a:r>
-          </a:p>
-          <a:p>
-            <a:pPr marL="285750" indent="-285750">
-              <a:buFont typeface="Arial" panose="020B0604020202020204" pitchFamily="34" charset="0"/>
-              <a:buChar char="•"/>
-            </a:pPr>
-            <a:r>
-              <a:rPr lang="en-US" sz="3200" dirty="0">
-                <a:solidFill>
-                  <a:schemeClr val="bg1"/>
-                </a:solidFill>
-              </a:rPr>
-              <a:t>CLR        ???</a:t>
             </a:r>
           </a:p>
         </p:txBody>
@@ -20928,14 +22743,14 @@
           <p:cNvCxnSpPr>
             <a:cxnSpLocks/>
             <a:stCxn id="2" idx="1"/>
-            <a:endCxn id="37" idx="2"/>
+            <a:endCxn id="37" idx="3"/>
           </p:cNvCxnSpPr>
           <p:nvPr/>
         </p:nvCxnSpPr>
         <p:spPr>
           <a:xfrm flipH="1" flipV="1">
-            <a:off x="4551481" y="3232653"/>
-            <a:ext cx="2775442" cy="825051"/>
+            <a:off x="6148880" y="2201602"/>
+            <a:ext cx="1178043" cy="1856102"/>
           </a:xfrm>
           <a:prstGeom prst="straightConnector1">
             <a:avLst/>
@@ -21055,6 +22870,144 @@
           </a:p>
         </p:txBody>
       </p:sp>
+      <p:pic>
+        <p:nvPicPr>
+          <p:cNvPr id="35" name="Graphic 34" descr="List">
+            <a:extLst>
+              <a:ext uri="{FF2B5EF4-FFF2-40B4-BE49-F238E27FC236}">
+                <a16:creationId xmlns:a16="http://schemas.microsoft.com/office/drawing/2014/main" id="{5405EA0E-9B5B-4685-A92F-B586C700D626}"/>
+              </a:ext>
+            </a:extLst>
+          </p:cNvPr>
+          <p:cNvPicPr>
+            <a:picLocks noChangeAspect="1"/>
+          </p:cNvPicPr>
+          <p:nvPr/>
+        </p:nvPicPr>
+        <p:blipFill>
+          <a:blip r:embed="rId15">
+            <a:extLst>
+              <a:ext uri="{28A0092B-C50C-407E-A947-70E740481C1C}">
+                <a14:useLocalDpi xmlns:a14="http://schemas.microsoft.com/office/drawing/2010/main" val="0"/>
+              </a:ext>
+              <a:ext uri="{96DAC541-7B7A-43D3-8B79-37D633B846F1}">
+                <asvg:svgBlip xmlns:asvg="http://schemas.microsoft.com/office/drawing/2016/SVG/main" r:embed="rId16"/>
+              </a:ext>
+            </a:extLst>
+          </a:blip>
+          <a:stretch>
+            <a:fillRect/>
+          </a:stretch>
+        </p:blipFill>
+        <p:spPr>
+          <a:xfrm>
+            <a:off x="6412786" y="1848837"/>
+            <a:ext cx="914400" cy="914400"/>
+          </a:xfrm>
+          <a:prstGeom prst="rect">
+            <a:avLst/>
+          </a:prstGeom>
+        </p:spPr>
+      </p:pic>
+      <p:sp>
+        <p:nvSpPr>
+          <p:cNvPr id="37" name="TextBox 36">
+            <a:extLst>
+              <a:ext uri="{FF2B5EF4-FFF2-40B4-BE49-F238E27FC236}">
+                <a16:creationId xmlns:a16="http://schemas.microsoft.com/office/drawing/2014/main" id="{C799E325-A5FE-4DA0-84AB-C53D2EB94D1F}"/>
+              </a:ext>
+            </a:extLst>
+          </p:cNvPr>
+          <p:cNvSpPr txBox="1"/>
+          <p:nvPr/>
+        </p:nvSpPr>
+        <p:spPr>
+          <a:xfrm>
+            <a:off x="2954081" y="1170550"/>
+            <a:ext cx="3194799" cy="2062103"/>
+          </a:xfrm>
+          <a:prstGeom prst="rect">
+            <a:avLst/>
+          </a:prstGeom>
+          <a:ln/>
+        </p:spPr>
+        <p:style>
+          <a:lnRef idx="0">
+            <a:schemeClr val="accent1"/>
+          </a:lnRef>
+          <a:fillRef idx="3">
+            <a:schemeClr val="accent1"/>
+          </a:fillRef>
+          <a:effectRef idx="3">
+            <a:schemeClr val="accent1"/>
+          </a:effectRef>
+          <a:fontRef idx="minor">
+            <a:schemeClr val="lt1"/>
+          </a:fontRef>
+        </p:style>
+        <p:txBody>
+          <a:bodyPr wrap="square" rtlCol="0">
+            <a:spAutoFit/>
+          </a:bodyPr>
+          <a:lstStyle/>
+          <a:p>
+            <a:pPr marL="285750" indent="-285750">
+              <a:buFont typeface="Arial" panose="020B0604020202020204" pitchFamily="34" charset="0"/>
+              <a:buChar char="•"/>
+            </a:pPr>
+            <a:r>
+              <a:rPr lang="en-US" sz="3200" dirty="0">
+                <a:solidFill>
+                  <a:schemeClr val="bg1"/>
+                </a:solidFill>
+              </a:rPr>
+              <a:t>XML      &lt;/&gt;</a:t>
+            </a:r>
+          </a:p>
+          <a:p>
+            <a:pPr marL="285750" indent="-285750">
+              <a:buFont typeface="Arial" panose="020B0604020202020204" pitchFamily="34" charset="0"/>
+              <a:buChar char="•"/>
+            </a:pPr>
+            <a:r>
+              <a:rPr lang="en-US" sz="3200" dirty="0">
+                <a:solidFill>
+                  <a:schemeClr val="bg1"/>
+                </a:solidFill>
+              </a:rPr>
+              <a:t>JSON      { }</a:t>
+            </a:r>
+          </a:p>
+          <a:p>
+            <a:pPr marL="285750" indent="-285750">
+              <a:buFont typeface="Arial" panose="020B0604020202020204" pitchFamily="34" charset="0"/>
+              <a:buChar char="•"/>
+            </a:pPr>
+            <a:r>
+              <a:rPr lang="en-US" sz="3200" dirty="0">
+                <a:solidFill>
+                  <a:schemeClr val="bg1"/>
+                </a:solidFill>
+              </a:rPr>
+              <a:t>TVP       @T</a:t>
+            </a:r>
+          </a:p>
+          <a:p>
+            <a:pPr marL="285750" indent="-285750">
+              <a:buFont typeface="Arial" panose="020B0604020202020204" pitchFamily="34" charset="0"/>
+              <a:buChar char="•"/>
+            </a:pPr>
+            <a:r>
+              <a:rPr lang="en-US" sz="3200" dirty="0">
+                <a:solidFill>
+                  <a:schemeClr val="bg1"/>
+                </a:solidFill>
+              </a:rPr>
+              <a:t>CLR        ???</a:t>
+            </a:r>
+          </a:p>
+        </p:txBody>
+      </p:sp>
     </p:spTree>
     <p:extLst>
       <p:ext uri="{BB962C8B-B14F-4D97-AF65-F5344CB8AC3E}">
@@ -21065,13 +23018,13 @@
   <p:clrMapOvr>
     <a:masterClrMapping/>
   </p:clrMapOvr>
-  <mc:AlternateContent xmlns:mc="http://schemas.openxmlformats.org/markup-compatibility/2006">
-    <mc:Choice xmlns:p14="http://schemas.microsoft.com/office/powerpoint/2010/main" Requires="p14">
+  <mc:AlternateContent xmlns:mc="http://schemas.openxmlformats.org/markup-compatibility/2006" xmlns:p14="http://schemas.microsoft.com/office/powerpoint/2010/main">
+    <mc:Choice Requires="p14">
       <p:transition spd="med" p14:dur="700">
         <p:fade/>
       </p:transition>
     </mc:Choice>
-    <mc:Fallback>
+    <mc:Fallback xmlns="">
       <p:transition spd="med">
         <p:fade/>
       </p:transition>
@@ -21420,7 +23373,7 @@
                             </p:stCondLst>
                             <p:childTnLst>
                               <p:par>
-                                <p:cTn id="21" presetID="22" presetClass="entr" presetSubtype="4" fill="hold" grpId="0" nodeType="afterEffect">
+                                <p:cTn id="21" presetID="53" presetClass="entr" presetSubtype="16" fill="hold" nodeType="afterEffect">
                                   <p:stCondLst>
                                     <p:cond delay="0"/>
                                   </p:stCondLst>
@@ -21428,6 +23381,198 @@
                                     <p:set>
                                       <p:cBhvr>
                                         <p:cTn id="22" dur="1" fill="hold">
+                                          <p:stCondLst>
+                                            <p:cond delay="0"/>
+                                          </p:stCondLst>
+                                        </p:cTn>
+                                        <p:tgtEl>
+                                          <p:spTgt spid="35"/>
+                                        </p:tgtEl>
+                                        <p:attrNameLst>
+                                          <p:attrName>style.visibility</p:attrName>
+                                        </p:attrNameLst>
+                                      </p:cBhvr>
+                                      <p:to>
+                                        <p:strVal val="visible"/>
+                                      </p:to>
+                                    </p:set>
+                                    <p:anim calcmode="lin" valueType="num">
+                                      <p:cBhvr>
+                                        <p:cTn id="23" dur="500" fill="hold"/>
+                                        <p:tgtEl>
+                                          <p:spTgt spid="35"/>
+                                        </p:tgtEl>
+                                        <p:attrNameLst>
+                                          <p:attrName>ppt_w</p:attrName>
+                                        </p:attrNameLst>
+                                      </p:cBhvr>
+                                      <p:tavLst>
+                                        <p:tav tm="0">
+                                          <p:val>
+                                            <p:fltVal val="0"/>
+                                          </p:val>
+                                        </p:tav>
+                                        <p:tav tm="100000">
+                                          <p:val>
+                                            <p:strVal val="#ppt_w"/>
+                                          </p:val>
+                                        </p:tav>
+                                      </p:tavLst>
+                                    </p:anim>
+                                    <p:anim calcmode="lin" valueType="num">
+                                      <p:cBhvr>
+                                        <p:cTn id="24" dur="500" fill="hold"/>
+                                        <p:tgtEl>
+                                          <p:spTgt spid="35"/>
+                                        </p:tgtEl>
+                                        <p:attrNameLst>
+                                          <p:attrName>ppt_h</p:attrName>
+                                        </p:attrNameLst>
+                                      </p:cBhvr>
+                                      <p:tavLst>
+                                        <p:tav tm="0">
+                                          <p:val>
+                                            <p:fltVal val="0"/>
+                                          </p:val>
+                                        </p:tav>
+                                        <p:tav tm="100000">
+                                          <p:val>
+                                            <p:strVal val="#ppt_h"/>
+                                          </p:val>
+                                        </p:tav>
+                                      </p:tavLst>
+                                    </p:anim>
+                                    <p:animEffect transition="in" filter="fade">
+                                      <p:cBhvr>
+                                        <p:cTn id="25" dur="500"/>
+                                        <p:tgtEl>
+                                          <p:spTgt spid="35"/>
+                                        </p:tgtEl>
+                                      </p:cBhvr>
+                                    </p:animEffect>
+                                  </p:childTnLst>
+                                </p:cTn>
+                              </p:par>
+                            </p:childTnLst>
+                          </p:cTn>
+                        </p:par>
+                        <p:par>
+                          <p:cTn id="26" fill="hold">
+                            <p:stCondLst>
+                              <p:cond delay="2500"/>
+                            </p:stCondLst>
+                            <p:childTnLst>
+                              <p:par>
+                                <p:cTn id="27" presetID="42" presetClass="path" presetSubtype="0" accel="50000" decel="50000" fill="hold" nodeType="afterEffect">
+                                  <p:stCondLst>
+                                    <p:cond delay="0"/>
+                                  </p:stCondLst>
+                                  <p:childTnLst>
+                                    <p:animMotion origin="layout" path="M 1.94444E-6 -3.7037E-7 L -0.09184 -0.17191 " pathEditMode="relative" rAng="0" ptsTypes="AA">
+                                      <p:cBhvr>
+                                        <p:cTn id="28" dur="1000" fill="hold"/>
+                                        <p:tgtEl>
+                                          <p:spTgt spid="12"/>
+                                        </p:tgtEl>
+                                        <p:attrNameLst>
+                                          <p:attrName>ppt_x</p:attrName>
+                                          <p:attrName>ppt_y</p:attrName>
+                                        </p:attrNameLst>
+                                      </p:cBhvr>
+                                      <p:rCtr x="-4601" y="-8611"/>
+                                    </p:animMotion>
+                                  </p:childTnLst>
+                                </p:cTn>
+                              </p:par>
+                            </p:childTnLst>
+                          </p:cTn>
+                        </p:par>
+                        <p:par>
+                          <p:cTn id="29" fill="hold">
+                            <p:stCondLst>
+                              <p:cond delay="3500"/>
+                            </p:stCondLst>
+                            <p:childTnLst>
+                              <p:par>
+                                <p:cTn id="30" presetID="1" presetClass="exit" presetSubtype="0" fill="hold" nodeType="afterEffect">
+                                  <p:stCondLst>
+                                    <p:cond delay="0"/>
+                                  </p:stCondLst>
+                                  <p:childTnLst>
+                                    <p:set>
+                                      <p:cBhvr>
+                                        <p:cTn id="31" dur="1" fill="hold">
+                                          <p:stCondLst>
+                                            <p:cond delay="0"/>
+                                          </p:stCondLst>
+                                        </p:cTn>
+                                        <p:tgtEl>
+                                          <p:spTgt spid="12"/>
+                                        </p:tgtEl>
+                                        <p:attrNameLst>
+                                          <p:attrName>style.visibility</p:attrName>
+                                        </p:attrNameLst>
+                                      </p:cBhvr>
+                                      <p:to>
+                                        <p:strVal val="hidden"/>
+                                      </p:to>
+                                    </p:set>
+                                  </p:childTnLst>
+                                </p:cTn>
+                              </p:par>
+                            </p:childTnLst>
+                          </p:cTn>
+                        </p:par>
+                        <p:par>
+                          <p:cTn id="32" fill="hold">
+                            <p:stCondLst>
+                              <p:cond delay="3500"/>
+                            </p:stCondLst>
+                            <p:childTnLst>
+                              <p:par>
+                                <p:cTn id="33" presetID="26" presetClass="emph" presetSubtype="0" fill="hold" nodeType="afterEffect">
+                                  <p:stCondLst>
+                                    <p:cond delay="0"/>
+                                  </p:stCondLst>
+                                  <p:childTnLst>
+                                    <p:animEffect transition="out" filter="fade">
+                                      <p:cBhvr>
+                                        <p:cTn id="34" dur="500" tmFilter="0, 0; .2, .5; .8, .5; 1, 0"/>
+                                        <p:tgtEl>
+                                          <p:spTgt spid="35"/>
+                                        </p:tgtEl>
+                                      </p:cBhvr>
+                                    </p:animEffect>
+                                    <p:animScale>
+                                      <p:cBhvr>
+                                        <p:cTn id="35" dur="250" autoRev="1" fill="hold"/>
+                                        <p:tgtEl>
+                                          <p:spTgt spid="35"/>
+                                        </p:tgtEl>
+                                      </p:cBhvr>
+                                      <p:by x="105000" y="105000"/>
+                                    </p:animScale>
+                                  </p:childTnLst>
+                                </p:cTn>
+                              </p:par>
+                            </p:childTnLst>
+                          </p:cTn>
+                        </p:par>
+                        <p:par>
+                          <p:cTn id="36" fill="hold">
+                            <p:stCondLst>
+                              <p:cond delay="4000"/>
+                            </p:stCondLst>
+                            <p:childTnLst>
+                              <p:par>
+                                <p:cTn id="37" presetID="22" presetClass="entr" presetSubtype="4" fill="hold" grpId="0" nodeType="afterEffect">
+                                  <p:stCondLst>
+                                    <p:cond delay="0"/>
+                                  </p:stCondLst>
+                                  <p:childTnLst>
+                                    <p:set>
+                                      <p:cBhvr>
+                                        <p:cTn id="38" dur="1" fill="hold">
                                           <p:stCondLst>
                                             <p:cond delay="0"/>
                                           </p:stCondLst>
@@ -21445,7 +23590,7 @@
                                     </p:set>
                                     <p:animEffect transition="in" filter="wipe(down)">
                                       <p:cBhvr>
-                                        <p:cTn id="23" dur="500"/>
+                                        <p:cTn id="39" dur="500"/>
                                         <p:tgtEl>
                                           <p:spTgt spid="34"/>
                                         </p:tgtEl>
@@ -21461,26 +23606,26 @@
                     </p:cTn>
                   </p:par>
                   <p:par>
-                    <p:cTn id="24" fill="hold">
+                    <p:cTn id="40" fill="hold">
                       <p:stCondLst>
                         <p:cond delay="indefinite"/>
                       </p:stCondLst>
                       <p:childTnLst>
                         <p:par>
-                          <p:cTn id="25" fill="hold">
+                          <p:cTn id="41" fill="hold">
                             <p:stCondLst>
                               <p:cond delay="0"/>
                             </p:stCondLst>
                             <p:childTnLst>
                               <p:par>
-                                <p:cTn id="26" presetID="10" presetClass="exit" presetSubtype="0" fill="hold" grpId="1" nodeType="clickEffect">
+                                <p:cTn id="42" presetID="10" presetClass="exit" presetSubtype="0" fill="hold" grpId="1" nodeType="clickEffect">
                                   <p:stCondLst>
                                     <p:cond delay="0"/>
                                   </p:stCondLst>
                                   <p:childTnLst>
                                     <p:animEffect transition="out" filter="fade">
                                       <p:cBhvr>
-                                        <p:cTn id="27" dur="500"/>
+                                        <p:cTn id="43" dur="500"/>
                                         <p:tgtEl>
                                           <p:spTgt spid="29"/>
                                         </p:tgtEl>
@@ -21488,7 +23633,7 @@
                                     </p:animEffect>
                                     <p:set>
                                       <p:cBhvr>
-                                        <p:cTn id="28" dur="1" fill="hold">
+                                        <p:cTn id="44" dur="1" fill="hold">
                                           <p:stCondLst>
                                             <p:cond delay="499"/>
                                           </p:stCondLst>
@@ -21508,14 +23653,14 @@
                                 </p:cTn>
                               </p:par>
                               <p:par>
-                                <p:cTn id="29" presetID="10" presetClass="exit" presetSubtype="0" fill="hold" grpId="1" nodeType="withEffect">
+                                <p:cTn id="45" presetID="10" presetClass="exit" presetSubtype="0" fill="hold" grpId="1" nodeType="withEffect">
                                   <p:stCondLst>
                                     <p:cond delay="0"/>
                                   </p:stCondLst>
                                   <p:childTnLst>
                                     <p:animEffect transition="out" filter="fade">
                                       <p:cBhvr>
-                                        <p:cTn id="30" dur="500"/>
+                                        <p:cTn id="46" dur="500"/>
                                         <p:tgtEl>
                                           <p:spTgt spid="34"/>
                                         </p:tgtEl>
@@ -21523,7 +23668,7 @@
                                     </p:animEffect>
                                     <p:set>
                                       <p:cBhvr>
-                                        <p:cTn id="31" dur="1" fill="hold">
+                                        <p:cTn id="47" dur="1" fill="hold">
                                           <p:stCondLst>
                                             <p:cond delay="499"/>
                                           </p:stCondLst>
@@ -21546,20 +23691,20 @@
                           </p:cTn>
                         </p:par>
                         <p:par>
-                          <p:cTn id="32" fill="hold">
+                          <p:cTn id="48" fill="hold">
                             <p:stCondLst>
                               <p:cond delay="500"/>
                             </p:stCondLst>
                             <p:childTnLst>
                               <p:par>
-                                <p:cTn id="33" presetID="10" presetClass="exit" presetSubtype="0" fill="hold" nodeType="afterEffect">
+                                <p:cTn id="49" presetID="10" presetClass="exit" presetSubtype="0" fill="hold" nodeType="afterEffect">
                                   <p:stCondLst>
                                     <p:cond delay="0"/>
                                   </p:stCondLst>
                                   <p:childTnLst>
                                     <p:animEffect transition="out" filter="fade">
                                       <p:cBhvr>
-                                        <p:cTn id="34" dur="500"/>
+                                        <p:cTn id="50" dur="500"/>
                                         <p:tgtEl>
                                           <p:spTgt spid="54"/>
                                         </p:tgtEl>
@@ -21567,7 +23712,7 @@
                                     </p:animEffect>
                                     <p:set>
                                       <p:cBhvr>
-                                        <p:cTn id="35" dur="1" fill="hold">
+                                        <p:cTn id="51" dur="1" fill="hold">
                                           <p:stCondLst>
                                             <p:cond delay="499"/>
                                           </p:stCondLst>
@@ -21590,20 +23735,20 @@
                           </p:cTn>
                         </p:par>
                         <p:par>
-                          <p:cTn id="36" fill="hold">
+                          <p:cTn id="52" fill="hold">
                             <p:stCondLst>
                               <p:cond delay="1000"/>
                             </p:stCondLst>
                             <p:childTnLst>
                               <p:par>
-                                <p:cTn id="37" presetID="21" presetClass="entr" presetSubtype="1" fill="hold" grpId="0" nodeType="afterEffect">
+                                <p:cTn id="53" presetID="21" presetClass="entr" presetSubtype="1" fill="hold" grpId="0" nodeType="afterEffect">
                                   <p:stCondLst>
                                     <p:cond delay="0"/>
                                   </p:stCondLst>
                                   <p:childTnLst>
                                     <p:set>
                                       <p:cBhvr>
-                                        <p:cTn id="38" dur="1" fill="hold">
+                                        <p:cTn id="54" dur="1" fill="hold">
                                           <p:stCondLst>
                                             <p:cond delay="0"/>
                                           </p:stCondLst>
@@ -21621,7 +23766,7 @@
                                     </p:set>
                                     <p:animEffect transition="in" filter="wheel(1)">
                                       <p:cBhvr>
-                                        <p:cTn id="39" dur="2000"/>
+                                        <p:cTn id="55" dur="2000"/>
                                         <p:tgtEl>
                                           <p:spTgt spid="2"/>
                                         </p:tgtEl>
@@ -21634,20 +23779,20 @@
                           </p:cTn>
                         </p:par>
                         <p:par>
-                          <p:cTn id="40" fill="hold">
+                          <p:cTn id="56" fill="hold">
                             <p:stCondLst>
                               <p:cond delay="3000"/>
                             </p:stCondLst>
                             <p:childTnLst>
                               <p:par>
-                                <p:cTn id="41" presetID="22" presetClass="entr" presetSubtype="4" fill="hold" nodeType="afterEffect">
+                                <p:cTn id="57" presetID="22" presetClass="entr" presetSubtype="4" fill="hold" nodeType="afterEffect">
                                   <p:stCondLst>
                                     <p:cond delay="0"/>
                                   </p:stCondLst>
                                   <p:childTnLst>
                                     <p:set>
                                       <p:cBhvr>
-                                        <p:cTn id="42" dur="1" fill="hold">
+                                        <p:cTn id="58" dur="1" fill="hold">
                                           <p:stCondLst>
                                             <p:cond delay="0"/>
                                           </p:stCondLst>
@@ -21665,7 +23810,7 @@
                                     </p:set>
                                     <p:animEffect transition="in" filter="wipe(down)">
                                       <p:cBhvr>
-                                        <p:cTn id="43" dur="1000"/>
+                                        <p:cTn id="59" dur="1000"/>
                                         <p:tgtEl>
                                           <p:spTgt spid="38"/>
                                         </p:tgtEl>
@@ -21678,20 +23823,20 @@
                           </p:cTn>
                         </p:par>
                         <p:par>
-                          <p:cTn id="44" fill="hold">
+                          <p:cTn id="60" fill="hold">
                             <p:stCondLst>
                               <p:cond delay="4000"/>
                             </p:stCondLst>
                             <p:childTnLst>
                               <p:par>
-                                <p:cTn id="45" presetID="22" presetClass="entr" presetSubtype="1" fill="hold" grpId="0" nodeType="afterEffect">
+                                <p:cTn id="61" presetID="22" presetClass="entr" presetSubtype="1" fill="hold" grpId="0" nodeType="afterEffect">
                                   <p:stCondLst>
                                     <p:cond delay="0"/>
                                   </p:stCondLst>
                                   <p:childTnLst>
                                     <p:set>
                                       <p:cBhvr>
-                                        <p:cTn id="46" dur="1" fill="hold">
+                                        <p:cTn id="62" dur="1" fill="hold">
                                           <p:stCondLst>
                                             <p:cond delay="0"/>
                                           </p:stCondLst>
@@ -21711,7 +23856,7 @@
                                     </p:set>
                                     <p:animEffect transition="in" filter="wipe(up)">
                                       <p:cBhvr>
-                                        <p:cTn id="47" dur="500"/>
+                                        <p:cTn id="63" dur="500"/>
                                         <p:tgtEl>
                                           <p:spTgt spid="37">
                                             <p:bg/>
@@ -21726,20 +23871,20 @@
                           </p:cTn>
                         </p:par>
                         <p:par>
-                          <p:cTn id="48" fill="hold">
+                          <p:cTn id="64" fill="hold">
                             <p:stCondLst>
                               <p:cond delay="4500"/>
                             </p:stCondLst>
                             <p:childTnLst>
                               <p:par>
-                                <p:cTn id="49" presetID="22" presetClass="entr" presetSubtype="1" fill="hold" grpId="0" nodeType="afterEffect">
+                                <p:cTn id="65" presetID="22" presetClass="entr" presetSubtype="1" fill="hold" grpId="0" nodeType="afterEffect">
                                   <p:stCondLst>
                                     <p:cond delay="0"/>
                                   </p:stCondLst>
                                   <p:childTnLst>
                                     <p:set>
                                       <p:cBhvr>
-                                        <p:cTn id="50" dur="1" fill="hold">
+                                        <p:cTn id="66" dur="1" fill="hold">
                                           <p:stCondLst>
                                             <p:cond delay="0"/>
                                           </p:stCondLst>
@@ -21761,7 +23906,7 @@
                                     </p:set>
                                     <p:animEffect transition="in" filter="wipe(up)">
                                       <p:cBhvr>
-                                        <p:cTn id="51" dur="500"/>
+                                        <p:cTn id="67" dur="500"/>
                                         <p:tgtEl>
                                           <p:spTgt spid="37">
                                             <p:txEl>
@@ -21778,20 +23923,20 @@
                           </p:cTn>
                         </p:par>
                         <p:par>
-                          <p:cTn id="52" fill="hold">
+                          <p:cTn id="68" fill="hold">
                             <p:stCondLst>
                               <p:cond delay="5000"/>
                             </p:stCondLst>
                             <p:childTnLst>
                               <p:par>
-                                <p:cTn id="53" presetID="22" presetClass="entr" presetSubtype="1" fill="hold" grpId="0" nodeType="afterEffect">
+                                <p:cTn id="69" presetID="22" presetClass="entr" presetSubtype="1" fill="hold" grpId="0" nodeType="afterEffect">
                                   <p:stCondLst>
                                     <p:cond delay="0"/>
                                   </p:stCondLst>
                                   <p:childTnLst>
                                     <p:set>
                                       <p:cBhvr>
-                                        <p:cTn id="54" dur="1" fill="hold">
+                                        <p:cTn id="70" dur="1" fill="hold">
                                           <p:stCondLst>
                                             <p:cond delay="0"/>
                                           </p:stCondLst>
@@ -21813,7 +23958,7 @@
                                     </p:set>
                                     <p:animEffect transition="in" filter="wipe(up)">
                                       <p:cBhvr>
-                                        <p:cTn id="55" dur="500"/>
+                                        <p:cTn id="71" dur="500"/>
                                         <p:tgtEl>
                                           <p:spTgt spid="37">
                                             <p:txEl>
@@ -21830,20 +23975,20 @@
                           </p:cTn>
                         </p:par>
                         <p:par>
-                          <p:cTn id="56" fill="hold">
+                          <p:cTn id="72" fill="hold">
                             <p:stCondLst>
                               <p:cond delay="5500"/>
                             </p:stCondLst>
                             <p:childTnLst>
                               <p:par>
-                                <p:cTn id="57" presetID="22" presetClass="entr" presetSubtype="1" fill="hold" grpId="0" nodeType="afterEffect">
+                                <p:cTn id="73" presetID="22" presetClass="entr" presetSubtype="1" fill="hold" grpId="0" nodeType="afterEffect">
                                   <p:stCondLst>
                                     <p:cond delay="0"/>
                                   </p:stCondLst>
                                   <p:childTnLst>
                                     <p:set>
                                       <p:cBhvr>
-                                        <p:cTn id="58" dur="1" fill="hold">
+                                        <p:cTn id="74" dur="1" fill="hold">
                                           <p:stCondLst>
                                             <p:cond delay="0"/>
                                           </p:stCondLst>
@@ -21865,7 +24010,7 @@
                                     </p:set>
                                     <p:animEffect transition="in" filter="wipe(up)">
                                       <p:cBhvr>
-                                        <p:cTn id="59" dur="500"/>
+                                        <p:cTn id="75" dur="500"/>
                                         <p:tgtEl>
                                           <p:spTgt spid="37">
                                             <p:txEl>
@@ -21882,20 +24027,20 @@
                           </p:cTn>
                         </p:par>
                         <p:par>
-                          <p:cTn id="60" fill="hold">
+                          <p:cTn id="76" fill="hold">
                             <p:stCondLst>
                               <p:cond delay="6000"/>
                             </p:stCondLst>
                             <p:childTnLst>
                               <p:par>
-                                <p:cTn id="61" presetID="22" presetClass="entr" presetSubtype="1" fill="hold" grpId="0" nodeType="afterEffect">
+                                <p:cTn id="77" presetID="22" presetClass="entr" presetSubtype="1" fill="hold" grpId="0" nodeType="afterEffect">
                                   <p:stCondLst>
                                     <p:cond delay="0"/>
                                   </p:stCondLst>
                                   <p:childTnLst>
                                     <p:set>
                                       <p:cBhvr>
-                                        <p:cTn id="62" dur="1" fill="hold">
+                                        <p:cTn id="78" dur="1" fill="hold">
                                           <p:stCondLst>
                                             <p:cond delay="0"/>
                                           </p:stCondLst>
@@ -21917,7 +24062,7 @@
                                     </p:set>
                                     <p:animEffect transition="in" filter="wipe(up)">
                                       <p:cBhvr>
-                                        <p:cTn id="63" dur="500"/>
+                                        <p:cTn id="79" dur="500"/>
                                         <p:tgtEl>
                                           <p:spTgt spid="37">
                                             <p:txEl>
@@ -21962,8 +24107,8 @@
       <p:bldP spid="29" grpId="1" animBg="1"/>
       <p:bldP spid="34" grpId="0" animBg="1"/>
       <p:bldP spid="34" grpId="1" animBg="1"/>
+      <p:bldP spid="2" grpId="0" animBg="1"/>
       <p:bldP spid="37" grpId="0" build="p" animBg="1"/>
-      <p:bldP spid="2" grpId="0" animBg="1"/>
     </p:bldLst>
   </p:timing>
 </p:sld>
@@ -22763,13 +24908,13 @@
   <p:clrMapOvr>
     <a:masterClrMapping/>
   </p:clrMapOvr>
-  <mc:AlternateContent xmlns:mc="http://schemas.openxmlformats.org/markup-compatibility/2006">
-    <mc:Choice xmlns:p14="http://schemas.microsoft.com/office/powerpoint/2010/main" Requires="p14">
+  <mc:AlternateContent xmlns:mc="http://schemas.openxmlformats.org/markup-compatibility/2006" xmlns:p14="http://schemas.microsoft.com/office/powerpoint/2010/main">
+    <mc:Choice Requires="p14">
       <p:transition spd="med" p14:dur="700">
         <p:fade/>
       </p:transition>
     </mc:Choice>
-    <mc:Fallback>
+    <mc:Fallback xmlns="">
       <p:transition spd="med">
         <p:fade/>
       </p:transition>
@@ -23488,13 +25633,13 @@
   <p:clrMapOvr>
     <a:masterClrMapping/>
   </p:clrMapOvr>
-  <mc:AlternateContent xmlns:mc="http://schemas.openxmlformats.org/markup-compatibility/2006">
-    <mc:Choice xmlns:p14="http://schemas.microsoft.com/office/powerpoint/2010/main" Requires="p14">
+  <mc:AlternateContent xmlns:mc="http://schemas.openxmlformats.org/markup-compatibility/2006" xmlns:p14="http://schemas.microsoft.com/office/powerpoint/2010/main">
+    <mc:Choice Requires="p14">
       <p:transition spd="med" p14:dur="700">
         <p:fade/>
       </p:transition>
     </mc:Choice>
-    <mc:Fallback>
+    <mc:Fallback xmlns="">
       <p:transition spd="med">
         <p:fade/>
       </p:transition>
@@ -23633,13 +25778,13 @@
   <p:clrMapOvr>
     <a:masterClrMapping/>
   </p:clrMapOvr>
-  <mc:AlternateContent xmlns:mc="http://schemas.openxmlformats.org/markup-compatibility/2006">
-    <mc:Choice xmlns:p14="http://schemas.microsoft.com/office/powerpoint/2010/main" Requires="p14">
+  <mc:AlternateContent xmlns:mc="http://schemas.openxmlformats.org/markup-compatibility/2006" xmlns:p14="http://schemas.microsoft.com/office/powerpoint/2010/main">
+    <mc:Choice Requires="p14">
       <p:transition spd="med" p14:dur="700">
         <p:fade/>
       </p:transition>
     </mc:Choice>
-    <mc:Fallback>
+    <mc:Fallback xmlns="">
       <p:transition spd="med">
         <p:fade/>
       </p:transition>
@@ -23778,13 +25923,13 @@
   <p:clrMapOvr>
     <a:masterClrMapping/>
   </p:clrMapOvr>
-  <mc:AlternateContent xmlns:mc="http://schemas.openxmlformats.org/markup-compatibility/2006">
-    <mc:Choice xmlns:p14="http://schemas.microsoft.com/office/powerpoint/2010/main" Requires="p14">
+  <mc:AlternateContent xmlns:mc="http://schemas.openxmlformats.org/markup-compatibility/2006" xmlns:p14="http://schemas.microsoft.com/office/powerpoint/2010/main">
+    <mc:Choice Requires="p14">
       <p:transition spd="med" p14:dur="700">
         <p:fade/>
       </p:transition>
     </mc:Choice>
-    <mc:Fallback>
+    <mc:Fallback xmlns="">
       <p:transition spd="med">
         <p:fade/>
       </p:transition>
@@ -23851,7 +25996,7 @@
           <p:nvPr>
             <p:extLst>
               <p:ext uri="{D42A27DB-BD31-4B8C-83A1-F6EECF244321}">
-                <p14:modId xmlns:p14="http://schemas.microsoft.com/office/powerpoint/2010/main" val="2010052323"/>
+                <p14:modId xmlns:p14="http://schemas.microsoft.com/office/powerpoint/2010/main" val="3631880276"/>
               </p:ext>
             </p:extLst>
           </p:nvPr>
@@ -23876,13 +26021,13 @@
   <p:clrMapOvr>
     <a:masterClrMapping/>
   </p:clrMapOvr>
-  <mc:AlternateContent xmlns:mc="http://schemas.openxmlformats.org/markup-compatibility/2006">
-    <mc:Choice xmlns:p14="http://schemas.microsoft.com/office/powerpoint/2010/main" Requires="p14">
+  <mc:AlternateContent xmlns:mc="http://schemas.openxmlformats.org/markup-compatibility/2006" xmlns:p14="http://schemas.microsoft.com/office/powerpoint/2010/main">
+    <mc:Choice Requires="p14">
       <p:transition spd="med" p14:dur="700">
         <p:fade/>
       </p:transition>
     </mc:Choice>
-    <mc:Fallback>
+    <mc:Fallback xmlns="">
       <p:transition spd="med">
         <p:fade/>
       </p:transition>
@@ -24689,13 +26834,13 @@
   <p:clrMapOvr>
     <a:masterClrMapping/>
   </p:clrMapOvr>
-  <mc:AlternateContent xmlns:mc="http://schemas.openxmlformats.org/markup-compatibility/2006">
-    <mc:Choice xmlns:p14="http://schemas.microsoft.com/office/powerpoint/2010/main" Requires="p14">
+  <mc:AlternateContent xmlns:mc="http://schemas.openxmlformats.org/markup-compatibility/2006" xmlns:p14="http://schemas.microsoft.com/office/powerpoint/2010/main">
+    <mc:Choice Requires="p14">
       <p:transition spd="med" p14:dur="700">
         <p:fade/>
       </p:transition>
     </mc:Choice>
-    <mc:Fallback>
+    <mc:Fallback xmlns="">
       <p:transition spd="med">
         <p:fade/>
       </p:transition>
@@ -25197,13 +27342,13 @@
   <p:clrMapOvr>
     <a:masterClrMapping/>
   </p:clrMapOvr>
-  <mc:AlternateContent xmlns:mc="http://schemas.openxmlformats.org/markup-compatibility/2006">
-    <mc:Choice xmlns:p14="http://schemas.microsoft.com/office/powerpoint/2010/main" Requires="p14">
+  <mc:AlternateContent xmlns:mc="http://schemas.openxmlformats.org/markup-compatibility/2006" xmlns:p14="http://schemas.microsoft.com/office/powerpoint/2010/main">
+    <mc:Choice Requires="p14">
       <p:transition spd="med" p14:dur="700">
         <p:fade/>
       </p:transition>
     </mc:Choice>
-    <mc:Fallback>
+    <mc:Fallback xmlns="">
       <p:transition spd="med">
         <p:fade/>
       </p:transition>
@@ -25782,13 +27927,13 @@
   <p:clrMapOvr>
     <a:masterClrMapping/>
   </p:clrMapOvr>
-  <mc:AlternateContent xmlns:mc="http://schemas.openxmlformats.org/markup-compatibility/2006">
-    <mc:Choice xmlns:p14="http://schemas.microsoft.com/office/powerpoint/2010/main" Requires="p14">
+  <mc:AlternateContent xmlns:mc="http://schemas.openxmlformats.org/markup-compatibility/2006" xmlns:p14="http://schemas.microsoft.com/office/powerpoint/2010/main">
+    <mc:Choice Requires="p14">
       <p:transition spd="med" p14:dur="700">
         <p:fade/>
       </p:transition>
     </mc:Choice>
-    <mc:Fallback>
+    <mc:Fallback xmlns="">
       <p:transition spd="med">
         <p:fade/>
       </p:transition>
@@ -26039,13 +28184,13 @@
   <p:clrMapOvr>
     <a:masterClrMapping/>
   </p:clrMapOvr>
-  <mc:AlternateContent xmlns:mc="http://schemas.openxmlformats.org/markup-compatibility/2006">
-    <mc:Choice xmlns:p14="http://schemas.microsoft.com/office/powerpoint/2010/main" Requires="p14">
+  <mc:AlternateContent xmlns:mc="http://schemas.openxmlformats.org/markup-compatibility/2006" xmlns:p14="http://schemas.microsoft.com/office/powerpoint/2010/main">
+    <mc:Choice Requires="p14">
       <p:transition spd="med" p14:dur="700">
         <p:fade/>
       </p:transition>
     </mc:Choice>
-    <mc:Fallback>
+    <mc:Fallback xmlns="">
       <p:transition spd="med">
         <p:fade/>
       </p:transition>
@@ -26277,13 +28422,13 @@
   <p:clrMapOvr>
     <a:masterClrMapping/>
   </p:clrMapOvr>
-  <mc:AlternateContent xmlns:mc="http://schemas.openxmlformats.org/markup-compatibility/2006">
-    <mc:Choice xmlns:p14="http://schemas.microsoft.com/office/powerpoint/2010/main" Requires="p14">
+  <mc:AlternateContent xmlns:mc="http://schemas.openxmlformats.org/markup-compatibility/2006" xmlns:p14="http://schemas.microsoft.com/office/powerpoint/2010/main">
+    <mc:Choice Requires="p14">
       <p:transition spd="med" p14:dur="700">
         <p:fade/>
       </p:transition>
     </mc:Choice>
-    <mc:Fallback>
+    <mc:Fallback xmlns="">
       <p:transition spd="med">
         <p:fade/>
       </p:transition>
@@ -26366,13 +28511,13 @@
   <p:clrMapOvr>
     <a:masterClrMapping/>
   </p:clrMapOvr>
-  <mc:AlternateContent xmlns:mc="http://schemas.openxmlformats.org/markup-compatibility/2006">
-    <mc:Choice xmlns:p14="http://schemas.microsoft.com/office/powerpoint/2010/main" Requires="p14">
+  <mc:AlternateContent xmlns:mc="http://schemas.openxmlformats.org/markup-compatibility/2006" xmlns:p14="http://schemas.microsoft.com/office/powerpoint/2010/main">
+    <mc:Choice Requires="p14">
       <p:transition spd="med" p14:dur="700">
         <p:fade/>
       </p:transition>
     </mc:Choice>
-    <mc:Fallback>
+    <mc:Fallback xmlns="">
       <p:transition spd="med">
         <p:fade/>
       </p:transition>
@@ -26878,13 +29023,13 @@
   <p:clrMapOvr>
     <a:masterClrMapping/>
   </p:clrMapOvr>
-  <mc:AlternateContent xmlns:mc="http://schemas.openxmlformats.org/markup-compatibility/2006">
-    <mc:Choice xmlns:p14="http://schemas.microsoft.com/office/powerpoint/2010/main" Requires="p14">
+  <mc:AlternateContent xmlns:mc="http://schemas.openxmlformats.org/markup-compatibility/2006" xmlns:p14="http://schemas.microsoft.com/office/powerpoint/2010/main">
+    <mc:Choice Requires="p14">
       <p:transition spd="med" p14:dur="700">
         <p:fade/>
       </p:transition>
     </mc:Choice>
-    <mc:Fallback>
+    <mc:Fallback xmlns="">
       <p:transition spd="med">
         <p:fade/>
       </p:transition>
@@ -28492,13 +30637,13 @@
   <p:clrMapOvr>
     <a:masterClrMapping/>
   </p:clrMapOvr>
-  <mc:AlternateContent xmlns:mc="http://schemas.openxmlformats.org/markup-compatibility/2006">
-    <mc:Choice xmlns:p14="http://schemas.microsoft.com/office/powerpoint/2010/main" Requires="p14">
+  <mc:AlternateContent xmlns:mc="http://schemas.openxmlformats.org/markup-compatibility/2006" xmlns:p14="http://schemas.microsoft.com/office/powerpoint/2010/main">
+    <mc:Choice Requires="p14">
       <p:transition spd="med" p14:dur="700">
         <p:fade/>
       </p:transition>
     </mc:Choice>
-    <mc:Fallback>
+    <mc:Fallback xmlns="">
       <p:transition spd="med">
         <p:fade/>
       </p:transition>
@@ -28854,13 +30999,13 @@
   <p:clrMapOvr>
     <a:masterClrMapping/>
   </p:clrMapOvr>
-  <mc:AlternateContent xmlns:mc="http://schemas.openxmlformats.org/markup-compatibility/2006">
-    <mc:Choice xmlns:p14="http://schemas.microsoft.com/office/powerpoint/2010/main" Requires="p14">
+  <mc:AlternateContent xmlns:mc="http://schemas.openxmlformats.org/markup-compatibility/2006" xmlns:p14="http://schemas.microsoft.com/office/powerpoint/2010/main">
+    <mc:Choice Requires="p14">
       <p:transition spd="med" p14:dur="700">
         <p:fade/>
       </p:transition>
     </mc:Choice>
-    <mc:Fallback>
+    <mc:Fallback xmlns="">
       <p:transition spd="med">
         <p:fade/>
       </p:transition>
@@ -28887,7 +31032,7 @@
                             </p:stCondLst>
                             <p:childTnLst>
                               <p:par>
-                                <p:cTn id="5" presetID="22" presetClass="entr" presetSubtype="1" fill="hold" grpId="0" nodeType="clickEffect">
+                                <p:cTn id="5" presetID="31" presetClass="entr" presetSubtype="0" fill="hold" grpId="0" nodeType="clickEffect">
                                   <p:stCondLst>
                                     <p:cond delay="0"/>
                                   </p:stCondLst>
@@ -28910,14 +31055,118 @@
                                         <p:strVal val="visible"/>
                                       </p:to>
                                     </p:set>
-                                    <p:animEffect transition="in" filter="wipe(up)">
+                                    <p:anim calcmode="lin" valueType="num">
                                       <p:cBhvr>
-                                        <p:cTn id="7" dur="500"/>
+                                        <p:cTn id="7" dur="1000" fill="hold"/>
+                                        <p:tgtEl>
+                                          <p:spTgt spid="2"/>
+                                        </p:tgtEl>
+                                        <p:attrNameLst>
+                                          <p:attrName>ppt_w</p:attrName>
+                                        </p:attrNameLst>
+                                      </p:cBhvr>
+                                      <p:tavLst>
+                                        <p:tav tm="0">
+                                          <p:val>
+                                            <p:fltVal val="0"/>
+                                          </p:val>
+                                        </p:tav>
+                                        <p:tav tm="100000">
+                                          <p:val>
+                                            <p:strVal val="#ppt_w"/>
+                                          </p:val>
+                                        </p:tav>
+                                      </p:tavLst>
+                                    </p:anim>
+                                    <p:anim calcmode="lin" valueType="num">
+                                      <p:cBhvr>
+                                        <p:cTn id="8" dur="1000" fill="hold"/>
+                                        <p:tgtEl>
+                                          <p:spTgt spid="2"/>
+                                        </p:tgtEl>
+                                        <p:attrNameLst>
+                                          <p:attrName>ppt_h</p:attrName>
+                                        </p:attrNameLst>
+                                      </p:cBhvr>
+                                      <p:tavLst>
+                                        <p:tav tm="0">
+                                          <p:val>
+                                            <p:fltVal val="0"/>
+                                          </p:val>
+                                        </p:tav>
+                                        <p:tav tm="100000">
+                                          <p:val>
+                                            <p:strVal val="#ppt_h"/>
+                                          </p:val>
+                                        </p:tav>
+                                      </p:tavLst>
+                                    </p:anim>
+                                    <p:anim calcmode="lin" valueType="num">
+                                      <p:cBhvr>
+                                        <p:cTn id="9" dur="1000" fill="hold"/>
+                                        <p:tgtEl>
+                                          <p:spTgt spid="2"/>
+                                        </p:tgtEl>
+                                        <p:attrNameLst>
+                                          <p:attrName>style.rotation</p:attrName>
+                                        </p:attrNameLst>
+                                      </p:cBhvr>
+                                      <p:tavLst>
+                                        <p:tav tm="0">
+                                          <p:val>
+                                            <p:fltVal val="90"/>
+                                          </p:val>
+                                        </p:tav>
+                                        <p:tav tm="100000">
+                                          <p:val>
+                                            <p:fltVal val="0"/>
+                                          </p:val>
+                                        </p:tav>
+                                      </p:tavLst>
+                                    </p:anim>
+                                    <p:animEffect transition="in" filter="fade">
+                                      <p:cBhvr>
+                                        <p:cTn id="10" dur="1000"/>
                                         <p:tgtEl>
                                           <p:spTgt spid="2"/>
                                         </p:tgtEl>
                                       </p:cBhvr>
                                     </p:animEffect>
+                                  </p:childTnLst>
+                                </p:cTn>
+                              </p:par>
+                            </p:childTnLst>
+                          </p:cTn>
+                        </p:par>
+                        <p:par>
+                          <p:cTn id="11" fill="hold">
+                            <p:stCondLst>
+                              <p:cond delay="1000"/>
+                            </p:stCondLst>
+                            <p:childTnLst>
+                              <p:par>
+                                <p:cTn id="12" presetID="26" presetClass="emph" presetSubtype="0" fill="hold" grpId="1" nodeType="afterEffect">
+                                  <p:stCondLst>
+                                    <p:cond delay="0"/>
+                                  </p:stCondLst>
+                                  <p:childTnLst>
+                                    <p:animEffect transition="out" filter="fade">
+                                      <p:cBhvr>
+                                        <p:cTn id="13" dur="500" tmFilter="0, 0; .2, .5; .8, .5; 1, 0"/>
+                                        <p:tgtEl>
+                                          <p:spTgt spid="2"/>
+                                        </p:tgtEl>
+                                      </p:cBhvr>
+                                    </p:animEffect>
+                                    <p:animScale>
+                                      <p:cBhvr>
+                                        <p:cTn id="14" dur="250" autoRev="1" fill="hold"/>
+                                        <p:tgtEl>
+                                          <p:spTgt spid="2"/>
+                                        </p:tgtEl>
+                                      </p:cBhvr>
+                                      <p:by x="105000" y="105000"/>
+                                    </p:animScale>
                                   </p:childTnLst>
                                 </p:cTn>
                               </p:par>
@@ -28950,6 +31199,7 @@
     </p:tnLst>
     <p:bldLst>
       <p:bldP spid="2" grpId="0"/>
+      <p:bldP spid="2" grpId="1"/>
     </p:bldLst>
   </p:timing>
 </p:sld>
